--- a/HSK 3.0 Level 5.pptx
+++ b/HSK 3.0 Level 5.pptx
@@ -79,6 +79,42 @@
     <p:sldId id="327" r:id="rId74"/>
     <p:sldId id="328" r:id="rId75"/>
     <p:sldId id="329" r:id="rId76"/>
+    <p:sldId id="330" r:id="rId77"/>
+    <p:sldId id="331" r:id="rId78"/>
+    <p:sldId id="332" r:id="rId79"/>
+    <p:sldId id="333" r:id="rId80"/>
+    <p:sldId id="334" r:id="rId81"/>
+    <p:sldId id="335" r:id="rId82"/>
+    <p:sldId id="336" r:id="rId83"/>
+    <p:sldId id="337" r:id="rId84"/>
+    <p:sldId id="338" r:id="rId85"/>
+    <p:sldId id="339" r:id="rId86"/>
+    <p:sldId id="340" r:id="rId87"/>
+    <p:sldId id="341" r:id="rId88"/>
+    <p:sldId id="342" r:id="rId89"/>
+    <p:sldId id="343" r:id="rId90"/>
+    <p:sldId id="344" r:id="rId91"/>
+    <p:sldId id="345" r:id="rId92"/>
+    <p:sldId id="346" r:id="rId93"/>
+    <p:sldId id="347" r:id="rId94"/>
+    <p:sldId id="348" r:id="rId95"/>
+    <p:sldId id="349" r:id="rId96"/>
+    <p:sldId id="350" r:id="rId97"/>
+    <p:sldId id="351" r:id="rId98"/>
+    <p:sldId id="352" r:id="rId99"/>
+    <p:sldId id="353" r:id="rId100"/>
+    <p:sldId id="354" r:id="rId101"/>
+    <p:sldId id="355" r:id="rId102"/>
+    <p:sldId id="356" r:id="rId103"/>
+    <p:sldId id="357" r:id="rId104"/>
+    <p:sldId id="358" r:id="rId105"/>
+    <p:sldId id="359" r:id="rId106"/>
+    <p:sldId id="360" r:id="rId107"/>
+    <p:sldId id="361" r:id="rId108"/>
+    <p:sldId id="362" r:id="rId109"/>
+    <p:sldId id="363" r:id="rId110"/>
+    <p:sldId id="364" r:id="rId111"/>
+    <p:sldId id="365" r:id="rId112"/>
   </p:sldIdLst>
   <p:sldSz cx="10080625" cy="5670550"/>
   <p:notesSz cx="7559675" cy="10691813"/>
@@ -136,7 +172,7 @@
         <p:txBody>
           <a:bodyPr/>
           <a:p>
-            <a:fld id="{4E6BB8F8-CDE8-4410-B128-2B9E9A0F6DDF}" type="slidenum">
+            <a:fld id="{FC84202C-501D-4E12-97B1-A6AD4582FAE0}" type="slidenum">
               <a:t>&lt;#&gt;</a:t>
             </a:fld>
           </a:p>
@@ -345,7 +381,7 @@
         <p:txBody>
           <a:bodyPr/>
           <a:p>
-            <a:fld id="{D4AFB022-3EEB-4B62-BE36-F6FEC9D2F8EC}" type="slidenum">
+            <a:fld id="{3A05D5B7-B736-423F-BF2C-FB712AFDEDDD}" type="slidenum">
               <a:t>&lt;#&gt;</a:t>
             </a:fld>
           </a:p>
@@ -640,7 +676,7 @@
         <p:txBody>
           <a:bodyPr/>
           <a:p>
-            <a:fld id="{8EE7F4E4-2144-4C28-A1BA-78932855639E}" type="slidenum">
+            <a:fld id="{D0A0622D-430E-41D5-A91C-75AF215D5748}" type="slidenum">
               <a:t>&lt;#&gt;</a:t>
             </a:fld>
           </a:p>
@@ -1021,7 +1057,7 @@
         <p:txBody>
           <a:bodyPr/>
           <a:p>
-            <a:fld id="{B244E862-CBAC-495C-AB2C-7AA88873799B}" type="slidenum">
+            <a:fld id="{844236CB-BF0B-485E-90F2-1C8814224417}" type="slidenum">
               <a:t>&lt;#&gt;</a:t>
             </a:fld>
           </a:p>
@@ -1184,7 +1220,7 @@
         <p:txBody>
           <a:bodyPr/>
           <a:p>
-            <a:fld id="{6244D242-D6B2-4CB3-B4D0-08A9F979AE20}" type="slidenum">
+            <a:fld id="{A8B2EA53-3446-496B-A190-34674BAB16AB}" type="slidenum">
               <a:t>&lt;#&gt;</a:t>
             </a:fld>
           </a:p>
@@ -1350,7 +1386,7 @@
         <p:txBody>
           <a:bodyPr/>
           <a:p>
-            <a:fld id="{70E51E4D-3FF4-44E1-B8AA-2653E602DED8}" type="slidenum">
+            <a:fld id="{BEEE1677-A619-469A-9F12-288A581C8A57}" type="slidenum">
               <a:t>&lt;#&gt;</a:t>
             </a:fld>
           </a:p>
@@ -1559,7 +1595,7 @@
         <p:txBody>
           <a:bodyPr/>
           <a:p>
-            <a:fld id="{C6239E91-95A9-4D2D-9EB9-7BE8D838B88D}" type="slidenum">
+            <a:fld id="{0C3A2308-E30C-4E0C-9D88-6923DE50A159}" type="slidenum">
               <a:t>&lt;#&gt;</a:t>
             </a:fld>
           </a:p>
@@ -1682,7 +1718,7 @@
         <p:txBody>
           <a:bodyPr/>
           <a:p>
-            <a:fld id="{533E1EF2-80B3-439D-ACE7-08FE6922CB7E}" type="slidenum">
+            <a:fld id="{BBDDC159-82C6-414C-8135-D2B8B9C40BFA}" type="slidenum">
               <a:t>&lt;#&gt;</a:t>
             </a:fld>
           </a:p>
@@ -1803,7 +1839,7 @@
         <p:txBody>
           <a:bodyPr/>
           <a:p>
-            <a:fld id="{426B2E0F-F867-4F26-9BC0-8D16E6BFD0C7}" type="slidenum">
+            <a:fld id="{1B7C2A3F-8F43-4D30-8F93-61CD02A3DD27}" type="slidenum">
               <a:t>&lt;#&gt;</a:t>
             </a:fld>
           </a:p>
@@ -2055,7 +2091,7 @@
         <p:txBody>
           <a:bodyPr/>
           <a:p>
-            <a:fld id="{55233860-3856-4929-849A-D5258BA3E442}" type="slidenum">
+            <a:fld id="{D0072315-86E1-4A9D-8B76-BD531CFE9B29}" type="slidenum">
               <a:t>&lt;#&gt;</a:t>
             </a:fld>
           </a:p>
@@ -2307,7 +2343,7 @@
         <p:txBody>
           <a:bodyPr/>
           <a:p>
-            <a:fld id="{A3ACC87D-E435-4D8A-8C50-9D2C06083D72}" type="slidenum">
+            <a:fld id="{4AA64CF2-D140-4DC7-932E-21EBF22926C5}" type="slidenum">
               <a:t>&lt;#&gt;</a:t>
             </a:fld>
           </a:p>
@@ -2559,7 +2595,7 @@
         <p:txBody>
           <a:bodyPr/>
           <a:p>
-            <a:fld id="{7A3B673F-95B8-414F-8C5D-2B513022120A}" type="slidenum">
+            <a:fld id="{DE23B059-A178-4BED-B588-392843876840}" type="slidenum">
               <a:t>&lt;#&gt;</a:t>
             </a:fld>
           </a:p>
@@ -3044,7 +3080,7 @@
             <a:pPr indent="0" algn="r">
               <a:buNone/>
             </a:pPr>
-            <a:fld id="{E2EE891C-7119-4553-BEFC-62763657DB33}" type="slidenum">
+            <a:fld id="{6AE34FDF-2562-45CF-8E21-918BDB9AA40B}" type="slidenum">
               <a:rPr b="0" lang="en-US" sz="1400" spc="-1" strike="noStrike">
                 <a:solidFill>
                   <a:srgbClr val="000000"/>
@@ -6316,7 +6352,7 @@
         <p:txBody>
           <a:bodyPr/>
           <a:p>
-            <a:fld id="{8412DABB-394D-464A-83EA-1C67D0DE0AE3}" type="slidenum">
+            <a:fld id="{B7644268-B056-4847-A441-8F2F76E3F980}" type="slidenum">
               <a:t>1</a:t>
             </a:fld>
           </a:p>
@@ -6621,8 +6657,1428 @@
         <p:txBody>
           <a:bodyPr/>
           <a:p>
-            <a:fld id="{F9E17D06-AB29-4429-9894-76635A91323A}" type="slidenum">
+            <a:fld id="{6191F790-06A1-4011-9C02-6F52FB179ED2}" type="slidenum">
               <a:t>10</a:t>
+            </a:fld>
+          </a:p>
+        </p:txBody>
+      </p:sp>
+    </p:spTree>
+  </p:cSld>
+  <mc:AlternateContent>
+    <mc:Choice Requires="p14">
+      <p:transition spd="slow" p14:dur="2000"/>
+    </mc:Choice>
+    <mc:Fallback>
+      <p:transition spd="slow"/>
+    </mc:Fallback>
+  </mc:AlternateContent>
+</p:sld>
+</file>
+
+<file path=ppt/slides/slide100.xml><?xml version="1.0" encoding="utf-8"?>
+<p:sld xmlns:a="http://schemas.openxmlformats.org/drawingml/2006/main" xmlns:p="http://schemas.openxmlformats.org/presentationml/2006/main" xmlns:r="http://schemas.openxmlformats.org/officeDocument/2006/relationships" xmlns:p14="http://schemas.microsoft.com/office/powerpoint/2010/main" xmlns:p15="http://schemas.microsoft.com/office/powerpoint/2012/main" xmlns:mc="http://schemas.openxmlformats.org/markup-compatibility/2006">
+  <p:cSld>
+    <p:spTree>
+      <p:nvGrpSpPr>
+        <p:cNvPr id="1" name=""/>
+        <p:cNvGrpSpPr/>
+        <p:nvPr/>
+      </p:nvGrpSpPr>
+      <p:grpSpPr>
+        <a:xfrm>
+          <a:off x="0" y="0"/>
+          <a:ext cx="0" cy="0"/>
+          <a:chOff x="0" y="0"/>
+          <a:chExt cx="0" cy="0"/>
+        </a:xfrm>
+      </p:grpSpPr>
+      <p:sp>
+        <p:nvSpPr>
+          <p:cNvPr id="320" name="PlaceHolder 1"/>
+          <p:cNvSpPr>
+            <a:spLocks noGrp="1"/>
+          </p:cNvSpPr>
+          <p:nvPr>
+            <p:ph type="title"/>
+          </p:nvPr>
+        </p:nvSpPr>
+        <p:spPr>
+          <a:xfrm>
+            <a:off x="1620000" y="216000"/>
+            <a:ext cx="8100000" cy="936000"/>
+          </a:xfrm>
+          <a:prstGeom prst="rect">
+            <a:avLst/>
+          </a:prstGeom>
+          <a:noFill/>
+          <a:ln w="0">
+            <a:noFill/>
+          </a:ln>
+        </p:spPr>
+        <p:txBody>
+          <a:bodyPr lIns="0" rIns="0" tIns="0" bIns="0" anchor="ctr">
+            <a:normAutofit/>
+          </a:bodyPr>
+          <a:p>
+            <a:pPr indent="0" algn="ctr">
+              <a:buNone/>
+            </a:pPr>
+            <a:r>
+              <a:rPr b="0" lang="zh-CN" sz="3300" spc="-1" strike="noStrike">
+                <a:solidFill>
+                  <a:srgbClr val="050505"/>
+                </a:solidFill>
+                <a:latin typeface="Times New Roman"/>
+              </a:rPr>
+              <a:t>展现</a:t>
+            </a:r>
+            <a:endParaRPr b="0" lang="en-US" sz="3300" spc="-1" strike="noStrike">
+              <a:solidFill>
+                <a:srgbClr val="050505"/>
+              </a:solidFill>
+              <a:latin typeface="Times New Roman"/>
+            </a:endParaRPr>
+          </a:p>
+        </p:txBody>
+      </p:sp>
+      <p:sp>
+        <p:nvSpPr>
+          <p:cNvPr id="321" name="PlaceHolder 2"/>
+          <p:cNvSpPr>
+            <a:spLocks noGrp="1"/>
+          </p:cNvSpPr>
+          <p:nvPr>
+            <p:ph/>
+          </p:nvPr>
+        </p:nvSpPr>
+        <p:spPr>
+          <a:xfrm>
+            <a:off x="1620000" y="1368000"/>
+            <a:ext cx="8100000" cy="3288240"/>
+          </a:xfrm>
+          <a:prstGeom prst="rect">
+            <a:avLst/>
+          </a:prstGeom>
+          <a:noFill/>
+          <a:ln w="0">
+            <a:noFill/>
+          </a:ln>
+        </p:spPr>
+        <p:txBody>
+          <a:bodyPr lIns="0" rIns="0" tIns="0" bIns="0" anchor="t">
+            <a:normAutofit/>
+          </a:bodyPr>
+          <a:p>
+            <a:pPr indent="0">
+              <a:spcAft>
+                <a:spcPts val="1060"/>
+              </a:spcAft>
+              <a:buNone/>
+            </a:pPr>
+            <a:endParaRPr b="0" lang="en-US" sz="2400" spc="-1" strike="noStrike">
+              <a:solidFill>
+                <a:srgbClr val="050505"/>
+              </a:solidFill>
+              <a:latin typeface="Arial"/>
+            </a:endParaRPr>
+          </a:p>
+        </p:txBody>
+      </p:sp>
+      <p:sp>
+        <p:nvSpPr>
+          <p:cNvPr id="4" name="PlaceHolder 3"/>
+          <p:cNvSpPr>
+            <a:spLocks noGrp="1"/>
+          </p:cNvSpPr>
+          <p:nvPr>
+            <p:ph type="sldNum" idx="3"/>
+          </p:nvPr>
+        </p:nvSpPr>
+        <p:spPr/>
+        <p:txBody>
+          <a:bodyPr/>
+          <a:p>
+            <a:fld id="{B0633516-4D34-4884-A578-4F89AB6EE7B4}" type="slidenum">
+              <a:t>100</a:t>
+            </a:fld>
+          </a:p>
+        </p:txBody>
+      </p:sp>
+    </p:spTree>
+  </p:cSld>
+  <mc:AlternateContent>
+    <mc:Choice Requires="p14">
+      <p:transition spd="slow" p14:dur="2000"/>
+    </mc:Choice>
+    <mc:Fallback>
+      <p:transition spd="slow"/>
+    </mc:Fallback>
+  </mc:AlternateContent>
+</p:sld>
+</file>
+
+<file path=ppt/slides/slide101.xml><?xml version="1.0" encoding="utf-8"?>
+<p:sld xmlns:a="http://schemas.openxmlformats.org/drawingml/2006/main" xmlns:p="http://schemas.openxmlformats.org/presentationml/2006/main" xmlns:r="http://schemas.openxmlformats.org/officeDocument/2006/relationships" xmlns:p14="http://schemas.microsoft.com/office/powerpoint/2010/main" xmlns:p15="http://schemas.microsoft.com/office/powerpoint/2012/main" xmlns:mc="http://schemas.openxmlformats.org/markup-compatibility/2006">
+  <p:cSld>
+    <p:spTree>
+      <p:nvGrpSpPr>
+        <p:cNvPr id="1" name=""/>
+        <p:cNvGrpSpPr/>
+        <p:nvPr/>
+      </p:nvGrpSpPr>
+      <p:grpSpPr>
+        <a:xfrm>
+          <a:off x="0" y="0"/>
+          <a:ext cx="0" cy="0"/>
+          <a:chOff x="0" y="0"/>
+          <a:chExt cx="0" cy="0"/>
+        </a:xfrm>
+      </p:grpSpPr>
+      <p:sp>
+        <p:nvSpPr>
+          <p:cNvPr id="322" name="PlaceHolder 1"/>
+          <p:cNvSpPr>
+            <a:spLocks noGrp="1"/>
+          </p:cNvSpPr>
+          <p:nvPr>
+            <p:ph type="title"/>
+          </p:nvPr>
+        </p:nvSpPr>
+        <p:spPr>
+          <a:xfrm>
+            <a:off x="1620000" y="216000"/>
+            <a:ext cx="8100000" cy="936000"/>
+          </a:xfrm>
+          <a:prstGeom prst="rect">
+            <a:avLst/>
+          </a:prstGeom>
+          <a:noFill/>
+          <a:ln w="0">
+            <a:noFill/>
+          </a:ln>
+        </p:spPr>
+        <p:txBody>
+          <a:bodyPr lIns="0" rIns="0" tIns="0" bIns="0" anchor="ctr">
+            <a:normAutofit/>
+          </a:bodyPr>
+          <a:p>
+            <a:pPr indent="0" algn="ctr">
+              <a:buNone/>
+            </a:pPr>
+            <a:r>
+              <a:rPr b="0" lang="zh-CN" sz="3300" spc="-1" strike="noStrike">
+                <a:solidFill>
+                  <a:srgbClr val="050505"/>
+                </a:solidFill>
+                <a:latin typeface="Times New Roman"/>
+              </a:rPr>
+              <a:t>展示</a:t>
+            </a:r>
+            <a:endParaRPr b="0" lang="en-US" sz="3300" spc="-1" strike="noStrike">
+              <a:solidFill>
+                <a:srgbClr val="050505"/>
+              </a:solidFill>
+              <a:latin typeface="Times New Roman"/>
+            </a:endParaRPr>
+          </a:p>
+        </p:txBody>
+      </p:sp>
+      <p:sp>
+        <p:nvSpPr>
+          <p:cNvPr id="323" name="PlaceHolder 2"/>
+          <p:cNvSpPr>
+            <a:spLocks noGrp="1"/>
+          </p:cNvSpPr>
+          <p:nvPr>
+            <p:ph/>
+          </p:nvPr>
+        </p:nvSpPr>
+        <p:spPr>
+          <a:xfrm>
+            <a:off x="1620000" y="1368000"/>
+            <a:ext cx="8100000" cy="3288240"/>
+          </a:xfrm>
+          <a:prstGeom prst="rect">
+            <a:avLst/>
+          </a:prstGeom>
+          <a:noFill/>
+          <a:ln w="0">
+            <a:noFill/>
+          </a:ln>
+        </p:spPr>
+        <p:txBody>
+          <a:bodyPr lIns="0" rIns="0" tIns="0" bIns="0" anchor="t">
+            <a:normAutofit/>
+          </a:bodyPr>
+          <a:p>
+            <a:pPr indent="0">
+              <a:spcAft>
+                <a:spcPts val="1060"/>
+              </a:spcAft>
+              <a:buNone/>
+            </a:pPr>
+            <a:endParaRPr b="0" lang="en-US" sz="2400" spc="-1" strike="noStrike">
+              <a:solidFill>
+                <a:srgbClr val="050505"/>
+              </a:solidFill>
+              <a:latin typeface="Arial"/>
+            </a:endParaRPr>
+          </a:p>
+        </p:txBody>
+      </p:sp>
+      <p:sp>
+        <p:nvSpPr>
+          <p:cNvPr id="4" name="PlaceHolder 3"/>
+          <p:cNvSpPr>
+            <a:spLocks noGrp="1"/>
+          </p:cNvSpPr>
+          <p:nvPr>
+            <p:ph type="sldNum" idx="3"/>
+          </p:nvPr>
+        </p:nvSpPr>
+        <p:spPr/>
+        <p:txBody>
+          <a:bodyPr/>
+          <a:p>
+            <a:fld id="{B849B723-6382-4083-9EA0-9402DCE17CE5}" type="slidenum">
+              <a:t>101</a:t>
+            </a:fld>
+          </a:p>
+        </p:txBody>
+      </p:sp>
+    </p:spTree>
+  </p:cSld>
+  <mc:AlternateContent>
+    <mc:Choice Requires="p14">
+      <p:transition spd="slow" p14:dur="2000"/>
+    </mc:Choice>
+    <mc:Fallback>
+      <p:transition spd="slow"/>
+    </mc:Fallback>
+  </mc:AlternateContent>
+</p:sld>
+</file>
+
+<file path=ppt/slides/slide102.xml><?xml version="1.0" encoding="utf-8"?>
+<p:sld xmlns:a="http://schemas.openxmlformats.org/drawingml/2006/main" xmlns:p="http://schemas.openxmlformats.org/presentationml/2006/main" xmlns:r="http://schemas.openxmlformats.org/officeDocument/2006/relationships" xmlns:p14="http://schemas.microsoft.com/office/powerpoint/2010/main" xmlns:p15="http://schemas.microsoft.com/office/powerpoint/2012/main" xmlns:mc="http://schemas.openxmlformats.org/markup-compatibility/2006">
+  <p:cSld>
+    <p:spTree>
+      <p:nvGrpSpPr>
+        <p:cNvPr id="1" name=""/>
+        <p:cNvGrpSpPr/>
+        <p:nvPr/>
+      </p:nvGrpSpPr>
+      <p:grpSpPr>
+        <a:xfrm>
+          <a:off x="0" y="0"/>
+          <a:ext cx="0" cy="0"/>
+          <a:chOff x="0" y="0"/>
+          <a:chExt cx="0" cy="0"/>
+        </a:xfrm>
+      </p:grpSpPr>
+      <p:sp>
+        <p:nvSpPr>
+          <p:cNvPr id="324" name="PlaceHolder 1"/>
+          <p:cNvSpPr>
+            <a:spLocks noGrp="1"/>
+          </p:cNvSpPr>
+          <p:nvPr>
+            <p:ph type="title"/>
+          </p:nvPr>
+        </p:nvSpPr>
+        <p:spPr>
+          <a:xfrm>
+            <a:off x="1620000" y="216000"/>
+            <a:ext cx="8100000" cy="936000"/>
+          </a:xfrm>
+          <a:prstGeom prst="rect">
+            <a:avLst/>
+          </a:prstGeom>
+          <a:noFill/>
+          <a:ln w="0">
+            <a:noFill/>
+          </a:ln>
+        </p:spPr>
+        <p:txBody>
+          <a:bodyPr lIns="0" rIns="0" tIns="0" bIns="0" anchor="ctr">
+            <a:normAutofit/>
+          </a:bodyPr>
+          <a:p>
+            <a:pPr indent="0" algn="ctr">
+              <a:buNone/>
+            </a:pPr>
+            <a:r>
+              <a:rPr b="0" lang="zh-CN" sz="3300" spc="-1" strike="noStrike">
+                <a:solidFill>
+                  <a:srgbClr val="050505"/>
+                </a:solidFill>
+                <a:latin typeface="Times New Roman"/>
+              </a:rPr>
+              <a:t>展览</a:t>
+            </a:r>
+            <a:endParaRPr b="0" lang="en-US" sz="3300" spc="-1" strike="noStrike">
+              <a:solidFill>
+                <a:srgbClr val="050505"/>
+              </a:solidFill>
+              <a:latin typeface="Times New Roman"/>
+            </a:endParaRPr>
+          </a:p>
+        </p:txBody>
+      </p:sp>
+      <p:sp>
+        <p:nvSpPr>
+          <p:cNvPr id="325" name="PlaceHolder 2"/>
+          <p:cNvSpPr>
+            <a:spLocks noGrp="1"/>
+          </p:cNvSpPr>
+          <p:nvPr>
+            <p:ph/>
+          </p:nvPr>
+        </p:nvSpPr>
+        <p:spPr>
+          <a:xfrm>
+            <a:off x="1620000" y="1368000"/>
+            <a:ext cx="8100000" cy="3288240"/>
+          </a:xfrm>
+          <a:prstGeom prst="rect">
+            <a:avLst/>
+          </a:prstGeom>
+          <a:noFill/>
+          <a:ln w="0">
+            <a:noFill/>
+          </a:ln>
+        </p:spPr>
+        <p:txBody>
+          <a:bodyPr lIns="0" rIns="0" tIns="0" bIns="0" anchor="t">
+            <a:normAutofit/>
+          </a:bodyPr>
+          <a:p>
+            <a:pPr indent="0">
+              <a:spcAft>
+                <a:spcPts val="1060"/>
+              </a:spcAft>
+              <a:buNone/>
+            </a:pPr>
+            <a:endParaRPr b="0" lang="en-US" sz="2400" spc="-1" strike="noStrike">
+              <a:solidFill>
+                <a:srgbClr val="050505"/>
+              </a:solidFill>
+              <a:latin typeface="Arial"/>
+            </a:endParaRPr>
+          </a:p>
+        </p:txBody>
+      </p:sp>
+      <p:sp>
+        <p:nvSpPr>
+          <p:cNvPr id="4" name="PlaceHolder 3"/>
+          <p:cNvSpPr>
+            <a:spLocks noGrp="1"/>
+          </p:cNvSpPr>
+          <p:nvPr>
+            <p:ph type="sldNum" idx="3"/>
+          </p:nvPr>
+        </p:nvSpPr>
+        <p:spPr/>
+        <p:txBody>
+          <a:bodyPr/>
+          <a:p>
+            <a:fld id="{81B8F72D-C57F-4084-8A4D-51961B82ADF1}" type="slidenum">
+              <a:t>102</a:t>
+            </a:fld>
+          </a:p>
+        </p:txBody>
+      </p:sp>
+    </p:spTree>
+  </p:cSld>
+  <mc:AlternateContent>
+    <mc:Choice Requires="p14">
+      <p:transition spd="slow" p14:dur="2000"/>
+    </mc:Choice>
+    <mc:Fallback>
+      <p:transition spd="slow"/>
+    </mc:Fallback>
+  </mc:AlternateContent>
+</p:sld>
+</file>
+
+<file path=ppt/slides/slide103.xml><?xml version="1.0" encoding="utf-8"?>
+<p:sld xmlns:a="http://schemas.openxmlformats.org/drawingml/2006/main" xmlns:p="http://schemas.openxmlformats.org/presentationml/2006/main" xmlns:r="http://schemas.openxmlformats.org/officeDocument/2006/relationships" xmlns:p14="http://schemas.microsoft.com/office/powerpoint/2010/main" xmlns:p15="http://schemas.microsoft.com/office/powerpoint/2012/main" xmlns:mc="http://schemas.openxmlformats.org/markup-compatibility/2006">
+  <p:cSld>
+    <p:spTree>
+      <p:nvGrpSpPr>
+        <p:cNvPr id="1" name=""/>
+        <p:cNvGrpSpPr/>
+        <p:nvPr/>
+      </p:nvGrpSpPr>
+      <p:grpSpPr>
+        <a:xfrm>
+          <a:off x="0" y="0"/>
+          <a:ext cx="0" cy="0"/>
+          <a:chOff x="0" y="0"/>
+          <a:chExt cx="0" cy="0"/>
+        </a:xfrm>
+      </p:grpSpPr>
+      <p:sp>
+        <p:nvSpPr>
+          <p:cNvPr id="326" name="PlaceHolder 1"/>
+          <p:cNvSpPr>
+            <a:spLocks noGrp="1"/>
+          </p:cNvSpPr>
+          <p:nvPr>
+            <p:ph type="title"/>
+          </p:nvPr>
+        </p:nvSpPr>
+        <p:spPr>
+          <a:xfrm>
+            <a:off x="1620000" y="216000"/>
+            <a:ext cx="8100000" cy="936000"/>
+          </a:xfrm>
+          <a:prstGeom prst="rect">
+            <a:avLst/>
+          </a:prstGeom>
+          <a:noFill/>
+          <a:ln w="0">
+            <a:noFill/>
+          </a:ln>
+        </p:spPr>
+        <p:txBody>
+          <a:bodyPr lIns="0" rIns="0" tIns="0" bIns="0" anchor="ctr">
+            <a:normAutofit/>
+          </a:bodyPr>
+          <a:p>
+            <a:pPr indent="0" algn="ctr">
+              <a:buNone/>
+            </a:pPr>
+            <a:r>
+              <a:rPr b="0" lang="zh-CN" sz="3300" spc="-1" strike="noStrike">
+                <a:solidFill>
+                  <a:srgbClr val="050505"/>
+                </a:solidFill>
+                <a:latin typeface="Times New Roman"/>
+              </a:rPr>
+              <a:t>摘</a:t>
+            </a:r>
+            <a:endParaRPr b="0" lang="en-US" sz="3300" spc="-1" strike="noStrike">
+              <a:solidFill>
+                <a:srgbClr val="050505"/>
+              </a:solidFill>
+              <a:latin typeface="Times New Roman"/>
+            </a:endParaRPr>
+          </a:p>
+        </p:txBody>
+      </p:sp>
+      <p:sp>
+        <p:nvSpPr>
+          <p:cNvPr id="327" name="PlaceHolder 2"/>
+          <p:cNvSpPr>
+            <a:spLocks noGrp="1"/>
+          </p:cNvSpPr>
+          <p:nvPr>
+            <p:ph/>
+          </p:nvPr>
+        </p:nvSpPr>
+        <p:spPr>
+          <a:xfrm>
+            <a:off x="1620000" y="1368000"/>
+            <a:ext cx="8100000" cy="3288240"/>
+          </a:xfrm>
+          <a:prstGeom prst="rect">
+            <a:avLst/>
+          </a:prstGeom>
+          <a:noFill/>
+          <a:ln w="0">
+            <a:noFill/>
+          </a:ln>
+        </p:spPr>
+        <p:txBody>
+          <a:bodyPr lIns="0" rIns="0" tIns="0" bIns="0" anchor="t">
+            <a:normAutofit/>
+          </a:bodyPr>
+          <a:p>
+            <a:pPr indent="0">
+              <a:spcAft>
+                <a:spcPts val="1060"/>
+              </a:spcAft>
+              <a:buNone/>
+            </a:pPr>
+            <a:endParaRPr b="0" lang="en-US" sz="2400" spc="-1" strike="noStrike">
+              <a:solidFill>
+                <a:srgbClr val="050505"/>
+              </a:solidFill>
+              <a:latin typeface="Arial"/>
+            </a:endParaRPr>
+          </a:p>
+        </p:txBody>
+      </p:sp>
+      <p:sp>
+        <p:nvSpPr>
+          <p:cNvPr id="4" name="PlaceHolder 3"/>
+          <p:cNvSpPr>
+            <a:spLocks noGrp="1"/>
+          </p:cNvSpPr>
+          <p:nvPr>
+            <p:ph type="sldNum" idx="3"/>
+          </p:nvPr>
+        </p:nvSpPr>
+        <p:spPr/>
+        <p:txBody>
+          <a:bodyPr/>
+          <a:p>
+            <a:fld id="{DFC83FAC-1F9B-49F6-B57A-ED56F5A94280}" type="slidenum">
+              <a:t>103</a:t>
+            </a:fld>
+          </a:p>
+        </p:txBody>
+      </p:sp>
+    </p:spTree>
+  </p:cSld>
+  <mc:AlternateContent>
+    <mc:Choice Requires="p14">
+      <p:transition spd="slow" p14:dur="2000"/>
+    </mc:Choice>
+    <mc:Fallback>
+      <p:transition spd="slow"/>
+    </mc:Fallback>
+  </mc:AlternateContent>
+</p:sld>
+</file>
+
+<file path=ppt/slides/slide104.xml><?xml version="1.0" encoding="utf-8"?>
+<p:sld xmlns:a="http://schemas.openxmlformats.org/drawingml/2006/main" xmlns:p="http://schemas.openxmlformats.org/presentationml/2006/main" xmlns:r="http://schemas.openxmlformats.org/officeDocument/2006/relationships" xmlns:p14="http://schemas.microsoft.com/office/powerpoint/2010/main" xmlns:p15="http://schemas.microsoft.com/office/powerpoint/2012/main" xmlns:mc="http://schemas.openxmlformats.org/markup-compatibility/2006">
+  <p:cSld>
+    <p:spTree>
+      <p:nvGrpSpPr>
+        <p:cNvPr id="1" name=""/>
+        <p:cNvGrpSpPr/>
+        <p:nvPr/>
+      </p:nvGrpSpPr>
+      <p:grpSpPr>
+        <a:xfrm>
+          <a:off x="0" y="0"/>
+          <a:ext cx="0" cy="0"/>
+          <a:chOff x="0" y="0"/>
+          <a:chExt cx="0" cy="0"/>
+        </a:xfrm>
+      </p:grpSpPr>
+      <p:sp>
+        <p:nvSpPr>
+          <p:cNvPr id="328" name="PlaceHolder 1"/>
+          <p:cNvSpPr>
+            <a:spLocks noGrp="1"/>
+          </p:cNvSpPr>
+          <p:nvPr>
+            <p:ph type="title"/>
+          </p:nvPr>
+        </p:nvSpPr>
+        <p:spPr>
+          <a:xfrm>
+            <a:off x="1620000" y="216000"/>
+            <a:ext cx="8100000" cy="936000"/>
+          </a:xfrm>
+          <a:prstGeom prst="rect">
+            <a:avLst/>
+          </a:prstGeom>
+          <a:noFill/>
+          <a:ln w="0">
+            <a:noFill/>
+          </a:ln>
+        </p:spPr>
+        <p:txBody>
+          <a:bodyPr lIns="0" rIns="0" tIns="0" bIns="0" anchor="ctr">
+            <a:normAutofit/>
+          </a:bodyPr>
+          <a:p>
+            <a:pPr indent="0" algn="ctr">
+              <a:buNone/>
+            </a:pPr>
+            <a:r>
+              <a:rPr b="0" lang="zh-CN" sz="3300" spc="-1" strike="noStrike">
+                <a:solidFill>
+                  <a:srgbClr val="050505"/>
+                </a:solidFill>
+                <a:latin typeface="Times New Roman"/>
+              </a:rPr>
+              <a:t>赠送</a:t>
+            </a:r>
+            <a:endParaRPr b="0" lang="en-US" sz="3300" spc="-1" strike="noStrike">
+              <a:solidFill>
+                <a:srgbClr val="050505"/>
+              </a:solidFill>
+              <a:latin typeface="Times New Roman"/>
+            </a:endParaRPr>
+          </a:p>
+        </p:txBody>
+      </p:sp>
+      <p:sp>
+        <p:nvSpPr>
+          <p:cNvPr id="329" name="PlaceHolder 2"/>
+          <p:cNvSpPr>
+            <a:spLocks noGrp="1"/>
+          </p:cNvSpPr>
+          <p:nvPr>
+            <p:ph/>
+          </p:nvPr>
+        </p:nvSpPr>
+        <p:spPr>
+          <a:xfrm>
+            <a:off x="1620000" y="1368000"/>
+            <a:ext cx="8100000" cy="3288240"/>
+          </a:xfrm>
+          <a:prstGeom prst="rect">
+            <a:avLst/>
+          </a:prstGeom>
+          <a:noFill/>
+          <a:ln w="0">
+            <a:noFill/>
+          </a:ln>
+        </p:spPr>
+        <p:txBody>
+          <a:bodyPr lIns="0" rIns="0" tIns="0" bIns="0" anchor="t">
+            <a:normAutofit/>
+          </a:bodyPr>
+          <a:p>
+            <a:pPr indent="0">
+              <a:spcAft>
+                <a:spcPts val="1060"/>
+              </a:spcAft>
+              <a:buNone/>
+            </a:pPr>
+            <a:endParaRPr b="0" lang="en-US" sz="2400" spc="-1" strike="noStrike">
+              <a:solidFill>
+                <a:srgbClr val="050505"/>
+              </a:solidFill>
+              <a:latin typeface="Arial"/>
+            </a:endParaRPr>
+          </a:p>
+        </p:txBody>
+      </p:sp>
+      <p:sp>
+        <p:nvSpPr>
+          <p:cNvPr id="4" name="PlaceHolder 3"/>
+          <p:cNvSpPr>
+            <a:spLocks noGrp="1"/>
+          </p:cNvSpPr>
+          <p:nvPr>
+            <p:ph type="sldNum" idx="3"/>
+          </p:nvPr>
+        </p:nvSpPr>
+        <p:spPr/>
+        <p:txBody>
+          <a:bodyPr/>
+          <a:p>
+            <a:fld id="{91488EEC-7782-4E9C-994E-D3AC9AEBC9CA}" type="slidenum">
+              <a:t>104</a:t>
+            </a:fld>
+          </a:p>
+        </p:txBody>
+      </p:sp>
+    </p:spTree>
+  </p:cSld>
+  <mc:AlternateContent>
+    <mc:Choice Requires="p14">
+      <p:transition spd="slow" p14:dur="2000"/>
+    </mc:Choice>
+    <mc:Fallback>
+      <p:transition spd="slow"/>
+    </mc:Fallback>
+  </mc:AlternateContent>
+</p:sld>
+</file>
+
+<file path=ppt/slides/slide105.xml><?xml version="1.0" encoding="utf-8"?>
+<p:sld xmlns:a="http://schemas.openxmlformats.org/drawingml/2006/main" xmlns:p="http://schemas.openxmlformats.org/presentationml/2006/main" xmlns:r="http://schemas.openxmlformats.org/officeDocument/2006/relationships" xmlns:p14="http://schemas.microsoft.com/office/powerpoint/2010/main" xmlns:p15="http://schemas.microsoft.com/office/powerpoint/2012/main" xmlns:mc="http://schemas.openxmlformats.org/markup-compatibility/2006">
+  <p:cSld>
+    <p:spTree>
+      <p:nvGrpSpPr>
+        <p:cNvPr id="1" name=""/>
+        <p:cNvGrpSpPr/>
+        <p:nvPr/>
+      </p:nvGrpSpPr>
+      <p:grpSpPr>
+        <a:xfrm>
+          <a:off x="0" y="0"/>
+          <a:ext cx="0" cy="0"/>
+          <a:chOff x="0" y="0"/>
+          <a:chExt cx="0" cy="0"/>
+        </a:xfrm>
+      </p:grpSpPr>
+      <p:sp>
+        <p:nvSpPr>
+          <p:cNvPr id="330" name="PlaceHolder 1"/>
+          <p:cNvSpPr>
+            <a:spLocks noGrp="1"/>
+          </p:cNvSpPr>
+          <p:nvPr>
+            <p:ph type="title"/>
+          </p:nvPr>
+        </p:nvSpPr>
+        <p:spPr>
+          <a:xfrm>
+            <a:off x="1620000" y="216000"/>
+            <a:ext cx="8100000" cy="936000"/>
+          </a:xfrm>
+          <a:prstGeom prst="rect">
+            <a:avLst/>
+          </a:prstGeom>
+          <a:noFill/>
+          <a:ln w="0">
+            <a:noFill/>
+          </a:ln>
+        </p:spPr>
+        <p:txBody>
+          <a:bodyPr lIns="0" rIns="0" tIns="0" bIns="0" anchor="ctr">
+            <a:normAutofit/>
+          </a:bodyPr>
+          <a:p>
+            <a:pPr indent="0" algn="ctr">
+              <a:buNone/>
+            </a:pPr>
+            <a:r>
+              <a:rPr b="0" lang="zh-CN" sz="3300" spc="-1" strike="noStrike">
+                <a:solidFill>
+                  <a:srgbClr val="050505"/>
+                </a:solidFill>
+                <a:latin typeface="Times New Roman"/>
+              </a:rPr>
+              <a:t>赠</a:t>
+            </a:r>
+            <a:endParaRPr b="0" lang="en-US" sz="3300" spc="-1" strike="noStrike">
+              <a:solidFill>
+                <a:srgbClr val="050505"/>
+              </a:solidFill>
+              <a:latin typeface="Times New Roman"/>
+            </a:endParaRPr>
+          </a:p>
+        </p:txBody>
+      </p:sp>
+      <p:sp>
+        <p:nvSpPr>
+          <p:cNvPr id="331" name="PlaceHolder 2"/>
+          <p:cNvSpPr>
+            <a:spLocks noGrp="1"/>
+          </p:cNvSpPr>
+          <p:nvPr>
+            <p:ph/>
+          </p:nvPr>
+        </p:nvSpPr>
+        <p:spPr>
+          <a:xfrm>
+            <a:off x="1620000" y="1368000"/>
+            <a:ext cx="8100000" cy="3288240"/>
+          </a:xfrm>
+          <a:prstGeom prst="rect">
+            <a:avLst/>
+          </a:prstGeom>
+          <a:noFill/>
+          <a:ln w="0">
+            <a:noFill/>
+          </a:ln>
+        </p:spPr>
+        <p:txBody>
+          <a:bodyPr lIns="0" rIns="0" tIns="0" bIns="0" anchor="t">
+            <a:normAutofit/>
+          </a:bodyPr>
+          <a:p>
+            <a:pPr indent="0">
+              <a:spcAft>
+                <a:spcPts val="1060"/>
+              </a:spcAft>
+              <a:buNone/>
+            </a:pPr>
+            <a:endParaRPr b="0" lang="en-US" sz="2400" spc="-1" strike="noStrike">
+              <a:solidFill>
+                <a:srgbClr val="050505"/>
+              </a:solidFill>
+              <a:latin typeface="Arial"/>
+            </a:endParaRPr>
+          </a:p>
+        </p:txBody>
+      </p:sp>
+      <p:sp>
+        <p:nvSpPr>
+          <p:cNvPr id="4" name="PlaceHolder 3"/>
+          <p:cNvSpPr>
+            <a:spLocks noGrp="1"/>
+          </p:cNvSpPr>
+          <p:nvPr>
+            <p:ph type="sldNum" idx="3"/>
+          </p:nvPr>
+        </p:nvSpPr>
+        <p:spPr/>
+        <p:txBody>
+          <a:bodyPr/>
+          <a:p>
+            <a:fld id="{F5F23CAB-6CBE-4A78-907C-5089F14EBB95}" type="slidenum">
+              <a:t>105</a:t>
+            </a:fld>
+          </a:p>
+        </p:txBody>
+      </p:sp>
+    </p:spTree>
+  </p:cSld>
+  <mc:AlternateContent>
+    <mc:Choice Requires="p14">
+      <p:transition spd="slow" p14:dur="2000"/>
+    </mc:Choice>
+    <mc:Fallback>
+      <p:transition spd="slow"/>
+    </mc:Fallback>
+  </mc:AlternateContent>
+</p:sld>
+</file>
+
+<file path=ppt/slides/slide106.xml><?xml version="1.0" encoding="utf-8"?>
+<p:sld xmlns:a="http://schemas.openxmlformats.org/drawingml/2006/main" xmlns:p="http://schemas.openxmlformats.org/presentationml/2006/main" xmlns:r="http://schemas.openxmlformats.org/officeDocument/2006/relationships" xmlns:p14="http://schemas.microsoft.com/office/powerpoint/2010/main" xmlns:p15="http://schemas.microsoft.com/office/powerpoint/2012/main" xmlns:mc="http://schemas.openxmlformats.org/markup-compatibility/2006">
+  <p:cSld>
+    <p:spTree>
+      <p:nvGrpSpPr>
+        <p:cNvPr id="1" name=""/>
+        <p:cNvGrpSpPr/>
+        <p:nvPr/>
+      </p:nvGrpSpPr>
+      <p:grpSpPr>
+        <a:xfrm>
+          <a:off x="0" y="0"/>
+          <a:ext cx="0" cy="0"/>
+          <a:chOff x="0" y="0"/>
+          <a:chExt cx="0" cy="0"/>
+        </a:xfrm>
+      </p:grpSpPr>
+      <p:sp>
+        <p:nvSpPr>
+          <p:cNvPr id="332" name="PlaceHolder 1"/>
+          <p:cNvSpPr>
+            <a:spLocks noGrp="1"/>
+          </p:cNvSpPr>
+          <p:nvPr>
+            <p:ph type="title"/>
+          </p:nvPr>
+        </p:nvSpPr>
+        <p:spPr>
+          <a:xfrm>
+            <a:off x="1620000" y="216000"/>
+            <a:ext cx="8100000" cy="936000"/>
+          </a:xfrm>
+          <a:prstGeom prst="rect">
+            <a:avLst/>
+          </a:prstGeom>
+          <a:noFill/>
+          <a:ln w="0">
+            <a:noFill/>
+          </a:ln>
+        </p:spPr>
+        <p:txBody>
+          <a:bodyPr lIns="0" rIns="0" tIns="0" bIns="0" anchor="ctr">
+            <a:normAutofit/>
+          </a:bodyPr>
+          <a:p>
+            <a:pPr indent="0" algn="ctr">
+              <a:buNone/>
+            </a:pPr>
+            <a:r>
+              <a:rPr b="0" lang="zh-CN" sz="3300" spc="-1" strike="noStrike">
+                <a:solidFill>
+                  <a:srgbClr val="050505"/>
+                </a:solidFill>
+                <a:latin typeface="Times New Roman"/>
+              </a:rPr>
+              <a:t>增强</a:t>
+            </a:r>
+            <a:endParaRPr b="0" lang="en-US" sz="3300" spc="-1" strike="noStrike">
+              <a:solidFill>
+                <a:srgbClr val="050505"/>
+              </a:solidFill>
+              <a:latin typeface="Times New Roman"/>
+            </a:endParaRPr>
+          </a:p>
+        </p:txBody>
+      </p:sp>
+      <p:sp>
+        <p:nvSpPr>
+          <p:cNvPr id="333" name="PlaceHolder 2"/>
+          <p:cNvSpPr>
+            <a:spLocks noGrp="1"/>
+          </p:cNvSpPr>
+          <p:nvPr>
+            <p:ph/>
+          </p:nvPr>
+        </p:nvSpPr>
+        <p:spPr>
+          <a:xfrm>
+            <a:off x="1620000" y="1368000"/>
+            <a:ext cx="8100000" cy="3288240"/>
+          </a:xfrm>
+          <a:prstGeom prst="rect">
+            <a:avLst/>
+          </a:prstGeom>
+          <a:noFill/>
+          <a:ln w="0">
+            <a:noFill/>
+          </a:ln>
+        </p:spPr>
+        <p:txBody>
+          <a:bodyPr lIns="0" rIns="0" tIns="0" bIns="0" anchor="t">
+            <a:normAutofit/>
+          </a:bodyPr>
+          <a:p>
+            <a:pPr indent="0">
+              <a:spcAft>
+                <a:spcPts val="1060"/>
+              </a:spcAft>
+              <a:buNone/>
+            </a:pPr>
+            <a:endParaRPr b="0" lang="en-US" sz="2400" spc="-1" strike="noStrike">
+              <a:solidFill>
+                <a:srgbClr val="050505"/>
+              </a:solidFill>
+              <a:latin typeface="Arial"/>
+            </a:endParaRPr>
+          </a:p>
+        </p:txBody>
+      </p:sp>
+      <p:sp>
+        <p:nvSpPr>
+          <p:cNvPr id="4" name="PlaceHolder 3"/>
+          <p:cNvSpPr>
+            <a:spLocks noGrp="1"/>
+          </p:cNvSpPr>
+          <p:nvPr>
+            <p:ph type="sldNum" idx="3"/>
+          </p:nvPr>
+        </p:nvSpPr>
+        <p:spPr/>
+        <p:txBody>
+          <a:bodyPr/>
+          <a:p>
+            <a:fld id="{C8485517-F9E7-439B-9D16-B85D091DBF29}" type="slidenum">
+              <a:t>106</a:t>
+            </a:fld>
+          </a:p>
+        </p:txBody>
+      </p:sp>
+    </p:spTree>
+  </p:cSld>
+  <mc:AlternateContent>
+    <mc:Choice Requires="p14">
+      <p:transition spd="slow" p14:dur="2000"/>
+    </mc:Choice>
+    <mc:Fallback>
+      <p:transition spd="slow"/>
+    </mc:Fallback>
+  </mc:AlternateContent>
+</p:sld>
+</file>
+
+<file path=ppt/slides/slide107.xml><?xml version="1.0" encoding="utf-8"?>
+<p:sld xmlns:a="http://schemas.openxmlformats.org/drawingml/2006/main" xmlns:p="http://schemas.openxmlformats.org/presentationml/2006/main" xmlns:r="http://schemas.openxmlformats.org/officeDocument/2006/relationships" xmlns:p14="http://schemas.microsoft.com/office/powerpoint/2010/main" xmlns:p15="http://schemas.microsoft.com/office/powerpoint/2012/main" xmlns:mc="http://schemas.openxmlformats.org/markup-compatibility/2006">
+  <p:cSld>
+    <p:spTree>
+      <p:nvGrpSpPr>
+        <p:cNvPr id="1" name=""/>
+        <p:cNvGrpSpPr/>
+        <p:nvPr/>
+      </p:nvGrpSpPr>
+      <p:grpSpPr>
+        <a:xfrm>
+          <a:off x="0" y="0"/>
+          <a:ext cx="0" cy="0"/>
+          <a:chOff x="0" y="0"/>
+          <a:chExt cx="0" cy="0"/>
+        </a:xfrm>
+      </p:grpSpPr>
+      <p:sp>
+        <p:nvSpPr>
+          <p:cNvPr id="334" name="PlaceHolder 1"/>
+          <p:cNvSpPr>
+            <a:spLocks noGrp="1"/>
+          </p:cNvSpPr>
+          <p:nvPr>
+            <p:ph type="title"/>
+          </p:nvPr>
+        </p:nvSpPr>
+        <p:spPr>
+          <a:xfrm>
+            <a:off x="1620000" y="216000"/>
+            <a:ext cx="8100000" cy="936000"/>
+          </a:xfrm>
+          <a:prstGeom prst="rect">
+            <a:avLst/>
+          </a:prstGeom>
+          <a:noFill/>
+          <a:ln w="0">
+            <a:noFill/>
+          </a:ln>
+        </p:spPr>
+        <p:txBody>
+          <a:bodyPr lIns="0" rIns="0" tIns="0" bIns="0" anchor="ctr">
+            <a:normAutofit/>
+          </a:bodyPr>
+          <a:p>
+            <a:pPr indent="0" algn="ctr">
+              <a:buNone/>
+            </a:pPr>
+            <a:r>
+              <a:rPr b="0" lang="zh-CN" sz="3300" spc="-1" strike="noStrike">
+                <a:solidFill>
+                  <a:srgbClr val="050505"/>
+                </a:solidFill>
+                <a:latin typeface="Times New Roman"/>
+              </a:rPr>
+              <a:t>增多</a:t>
+            </a:r>
+            <a:endParaRPr b="0" lang="en-US" sz="3300" spc="-1" strike="noStrike">
+              <a:solidFill>
+                <a:srgbClr val="050505"/>
+              </a:solidFill>
+              <a:latin typeface="Times New Roman"/>
+            </a:endParaRPr>
+          </a:p>
+        </p:txBody>
+      </p:sp>
+      <p:sp>
+        <p:nvSpPr>
+          <p:cNvPr id="335" name="PlaceHolder 2"/>
+          <p:cNvSpPr>
+            <a:spLocks noGrp="1"/>
+          </p:cNvSpPr>
+          <p:nvPr>
+            <p:ph/>
+          </p:nvPr>
+        </p:nvSpPr>
+        <p:spPr>
+          <a:xfrm>
+            <a:off x="1620000" y="1368000"/>
+            <a:ext cx="8100000" cy="3288240"/>
+          </a:xfrm>
+          <a:prstGeom prst="rect">
+            <a:avLst/>
+          </a:prstGeom>
+          <a:noFill/>
+          <a:ln w="0">
+            <a:noFill/>
+          </a:ln>
+        </p:spPr>
+        <p:txBody>
+          <a:bodyPr lIns="0" rIns="0" tIns="0" bIns="0" anchor="t">
+            <a:normAutofit/>
+          </a:bodyPr>
+          <a:p>
+            <a:pPr indent="0">
+              <a:spcAft>
+                <a:spcPts val="1060"/>
+              </a:spcAft>
+              <a:buNone/>
+            </a:pPr>
+            <a:endParaRPr b="0" lang="en-US" sz="2400" spc="-1" strike="noStrike">
+              <a:solidFill>
+                <a:srgbClr val="050505"/>
+              </a:solidFill>
+              <a:latin typeface="Arial"/>
+            </a:endParaRPr>
+          </a:p>
+        </p:txBody>
+      </p:sp>
+      <p:sp>
+        <p:nvSpPr>
+          <p:cNvPr id="4" name="PlaceHolder 3"/>
+          <p:cNvSpPr>
+            <a:spLocks noGrp="1"/>
+          </p:cNvSpPr>
+          <p:nvPr>
+            <p:ph type="sldNum" idx="3"/>
+          </p:nvPr>
+        </p:nvSpPr>
+        <p:spPr/>
+        <p:txBody>
+          <a:bodyPr/>
+          <a:p>
+            <a:fld id="{3F040666-3BD4-4A6B-93C5-2EA7EA886FFF}" type="slidenum">
+              <a:t>107</a:t>
+            </a:fld>
+          </a:p>
+        </p:txBody>
+      </p:sp>
+    </p:spTree>
+  </p:cSld>
+  <mc:AlternateContent>
+    <mc:Choice Requires="p14">
+      <p:transition spd="slow" p14:dur="2000"/>
+    </mc:Choice>
+    <mc:Fallback>
+      <p:transition spd="slow"/>
+    </mc:Fallback>
+  </mc:AlternateContent>
+</p:sld>
+</file>
+
+<file path=ppt/slides/slide108.xml><?xml version="1.0" encoding="utf-8"?>
+<p:sld xmlns:a="http://schemas.openxmlformats.org/drawingml/2006/main" xmlns:p="http://schemas.openxmlformats.org/presentationml/2006/main" xmlns:r="http://schemas.openxmlformats.org/officeDocument/2006/relationships" xmlns:p14="http://schemas.microsoft.com/office/powerpoint/2010/main" xmlns:p15="http://schemas.microsoft.com/office/powerpoint/2012/main" xmlns:mc="http://schemas.openxmlformats.org/markup-compatibility/2006">
+  <p:cSld>
+    <p:spTree>
+      <p:nvGrpSpPr>
+        <p:cNvPr id="1" name=""/>
+        <p:cNvGrpSpPr/>
+        <p:nvPr/>
+      </p:nvGrpSpPr>
+      <p:grpSpPr>
+        <a:xfrm>
+          <a:off x="0" y="0"/>
+          <a:ext cx="0" cy="0"/>
+          <a:chOff x="0" y="0"/>
+          <a:chExt cx="0" cy="0"/>
+        </a:xfrm>
+      </p:grpSpPr>
+      <p:sp>
+        <p:nvSpPr>
+          <p:cNvPr id="336" name="PlaceHolder 1"/>
+          <p:cNvSpPr>
+            <a:spLocks noGrp="1"/>
+          </p:cNvSpPr>
+          <p:nvPr>
+            <p:ph type="title"/>
+          </p:nvPr>
+        </p:nvSpPr>
+        <p:spPr>
+          <a:xfrm>
+            <a:off x="1620000" y="228600"/>
+            <a:ext cx="8100000" cy="936000"/>
+          </a:xfrm>
+          <a:prstGeom prst="rect">
+            <a:avLst/>
+          </a:prstGeom>
+          <a:noFill/>
+          <a:ln w="0">
+            <a:noFill/>
+          </a:ln>
+        </p:spPr>
+        <p:txBody>
+          <a:bodyPr lIns="0" rIns="0" tIns="0" bIns="0" anchor="ctr">
+            <a:normAutofit/>
+          </a:bodyPr>
+          <a:p>
+            <a:pPr indent="0" algn="ctr">
+              <a:buNone/>
+            </a:pPr>
+            <a:r>
+              <a:rPr b="0" lang="zh-CN" sz="3300" spc="-1" strike="noStrike">
+                <a:solidFill>
+                  <a:srgbClr val="050505"/>
+                </a:solidFill>
+                <a:latin typeface="Times New Roman"/>
+              </a:rPr>
+              <a:t>增大</a:t>
+            </a:r>
+            <a:endParaRPr b="0" lang="en-US" sz="3300" spc="-1" strike="noStrike">
+              <a:solidFill>
+                <a:srgbClr val="050505"/>
+              </a:solidFill>
+              <a:latin typeface="Times New Roman"/>
+            </a:endParaRPr>
+          </a:p>
+        </p:txBody>
+      </p:sp>
+      <p:sp>
+        <p:nvSpPr>
+          <p:cNvPr id="337" name="PlaceHolder 2"/>
+          <p:cNvSpPr>
+            <a:spLocks noGrp="1"/>
+          </p:cNvSpPr>
+          <p:nvPr>
+            <p:ph/>
+          </p:nvPr>
+        </p:nvSpPr>
+        <p:spPr>
+          <a:xfrm>
+            <a:off x="1620000" y="1368000"/>
+            <a:ext cx="8100000" cy="3288240"/>
+          </a:xfrm>
+          <a:prstGeom prst="rect">
+            <a:avLst/>
+          </a:prstGeom>
+          <a:noFill/>
+          <a:ln w="0">
+            <a:noFill/>
+          </a:ln>
+        </p:spPr>
+        <p:txBody>
+          <a:bodyPr lIns="0" rIns="0" tIns="0" bIns="0" anchor="t">
+            <a:normAutofit/>
+          </a:bodyPr>
+          <a:p>
+            <a:pPr indent="0">
+              <a:spcAft>
+                <a:spcPts val="1060"/>
+              </a:spcAft>
+              <a:buNone/>
+            </a:pPr>
+            <a:endParaRPr b="0" lang="en-US" sz="2400" spc="-1" strike="noStrike">
+              <a:solidFill>
+                <a:srgbClr val="050505"/>
+              </a:solidFill>
+              <a:latin typeface="Arial"/>
+            </a:endParaRPr>
+          </a:p>
+        </p:txBody>
+      </p:sp>
+      <p:sp>
+        <p:nvSpPr>
+          <p:cNvPr id="4" name="PlaceHolder 3"/>
+          <p:cNvSpPr>
+            <a:spLocks noGrp="1"/>
+          </p:cNvSpPr>
+          <p:nvPr>
+            <p:ph type="sldNum" idx="3"/>
+          </p:nvPr>
+        </p:nvSpPr>
+        <p:spPr/>
+        <p:txBody>
+          <a:bodyPr/>
+          <a:p>
+            <a:fld id="{C23CD16D-55D1-4F57-9B11-572CCA86D01A}" type="slidenum">
+              <a:t>108</a:t>
+            </a:fld>
+          </a:p>
+        </p:txBody>
+      </p:sp>
+    </p:spTree>
+  </p:cSld>
+  <mc:AlternateContent>
+    <mc:Choice Requires="p14">
+      <p:transition spd="slow" p14:dur="2000"/>
+    </mc:Choice>
+    <mc:Fallback>
+      <p:transition spd="slow"/>
+    </mc:Fallback>
+  </mc:AlternateContent>
+</p:sld>
+</file>
+
+<file path=ppt/slides/slide109.xml><?xml version="1.0" encoding="utf-8"?>
+<p:sld xmlns:a="http://schemas.openxmlformats.org/drawingml/2006/main" xmlns:p="http://schemas.openxmlformats.org/presentationml/2006/main" xmlns:r="http://schemas.openxmlformats.org/officeDocument/2006/relationships" xmlns:p14="http://schemas.microsoft.com/office/powerpoint/2010/main" xmlns:p15="http://schemas.microsoft.com/office/powerpoint/2012/main" xmlns:mc="http://schemas.openxmlformats.org/markup-compatibility/2006">
+  <p:cSld>
+    <p:spTree>
+      <p:nvGrpSpPr>
+        <p:cNvPr id="1" name=""/>
+        <p:cNvGrpSpPr/>
+        <p:nvPr/>
+      </p:nvGrpSpPr>
+      <p:grpSpPr>
+        <a:xfrm>
+          <a:off x="0" y="0"/>
+          <a:ext cx="0" cy="0"/>
+          <a:chOff x="0" y="0"/>
+          <a:chExt cx="0" cy="0"/>
+        </a:xfrm>
+      </p:grpSpPr>
+      <p:sp>
+        <p:nvSpPr>
+          <p:cNvPr id="338" name="PlaceHolder 1"/>
+          <p:cNvSpPr>
+            <a:spLocks noGrp="1"/>
+          </p:cNvSpPr>
+          <p:nvPr>
+            <p:ph type="title"/>
+          </p:nvPr>
+        </p:nvSpPr>
+        <p:spPr>
+          <a:xfrm>
+            <a:off x="1620000" y="216000"/>
+            <a:ext cx="8100000" cy="936000"/>
+          </a:xfrm>
+          <a:prstGeom prst="rect">
+            <a:avLst/>
+          </a:prstGeom>
+          <a:noFill/>
+          <a:ln w="0">
+            <a:noFill/>
+          </a:ln>
+        </p:spPr>
+        <p:txBody>
+          <a:bodyPr lIns="0" rIns="0" tIns="0" bIns="0" anchor="ctr">
+            <a:normAutofit/>
+          </a:bodyPr>
+          <a:p>
+            <a:pPr indent="0" algn="ctr">
+              <a:buNone/>
+            </a:pPr>
+            <a:r>
+              <a:rPr b="0" lang="zh-CN" sz="3300" spc="-1" strike="noStrike">
+                <a:solidFill>
+                  <a:srgbClr val="050505"/>
+                </a:solidFill>
+                <a:latin typeface="Times New Roman"/>
+              </a:rPr>
+              <a:t>增产</a:t>
+            </a:r>
+            <a:endParaRPr b="0" lang="en-US" sz="3300" spc="-1" strike="noStrike">
+              <a:solidFill>
+                <a:srgbClr val="050505"/>
+              </a:solidFill>
+              <a:latin typeface="Times New Roman"/>
+            </a:endParaRPr>
+          </a:p>
+        </p:txBody>
+      </p:sp>
+      <p:sp>
+        <p:nvSpPr>
+          <p:cNvPr id="339" name="PlaceHolder 2"/>
+          <p:cNvSpPr>
+            <a:spLocks noGrp="1"/>
+          </p:cNvSpPr>
+          <p:nvPr>
+            <p:ph/>
+          </p:nvPr>
+        </p:nvSpPr>
+        <p:spPr>
+          <a:xfrm>
+            <a:off x="1620000" y="1368000"/>
+            <a:ext cx="8100000" cy="3288240"/>
+          </a:xfrm>
+          <a:prstGeom prst="rect">
+            <a:avLst/>
+          </a:prstGeom>
+          <a:noFill/>
+          <a:ln w="0">
+            <a:noFill/>
+          </a:ln>
+        </p:spPr>
+        <p:txBody>
+          <a:bodyPr lIns="0" rIns="0" tIns="0" bIns="0" anchor="t">
+            <a:normAutofit/>
+          </a:bodyPr>
+          <a:p>
+            <a:pPr indent="0">
+              <a:spcAft>
+                <a:spcPts val="1060"/>
+              </a:spcAft>
+              <a:buNone/>
+            </a:pPr>
+            <a:endParaRPr b="0" lang="en-US" sz="2400" spc="-1" strike="noStrike">
+              <a:solidFill>
+                <a:srgbClr val="050505"/>
+              </a:solidFill>
+              <a:latin typeface="Arial"/>
+            </a:endParaRPr>
+          </a:p>
+        </p:txBody>
+      </p:sp>
+      <p:sp>
+        <p:nvSpPr>
+          <p:cNvPr id="4" name="PlaceHolder 3"/>
+          <p:cNvSpPr>
+            <a:spLocks noGrp="1"/>
+          </p:cNvSpPr>
+          <p:nvPr>
+            <p:ph type="sldNum" idx="3"/>
+          </p:nvPr>
+        </p:nvSpPr>
+        <p:spPr/>
+        <p:txBody>
+          <a:bodyPr/>
+          <a:p>
+            <a:fld id="{56DBD09F-1578-4FD6-91F2-E1AF634D3A40}" type="slidenum">
+              <a:t>109</a:t>
             </a:fld>
           </a:p>
         </p:txBody>
@@ -6926,8 +8382,150 @@
         <p:txBody>
           <a:bodyPr/>
           <a:p>
-            <a:fld id="{84C1000A-BC76-4DAB-A6D0-687030879019}" type="slidenum">
+            <a:fld id="{C7303ABE-43FF-4528-99D9-DFF7B68A678A}" type="slidenum">
               <a:t>11</a:t>
+            </a:fld>
+          </a:p>
+        </p:txBody>
+      </p:sp>
+    </p:spTree>
+  </p:cSld>
+  <mc:AlternateContent>
+    <mc:Choice Requires="p14">
+      <p:transition spd="slow" p14:dur="2000"/>
+    </mc:Choice>
+    <mc:Fallback>
+      <p:transition spd="slow"/>
+    </mc:Fallback>
+  </mc:AlternateContent>
+</p:sld>
+</file>
+
+<file path=ppt/slides/slide110.xml><?xml version="1.0" encoding="utf-8"?>
+<p:sld xmlns:a="http://schemas.openxmlformats.org/drawingml/2006/main" xmlns:p="http://schemas.openxmlformats.org/presentationml/2006/main" xmlns:r="http://schemas.openxmlformats.org/officeDocument/2006/relationships" xmlns:p14="http://schemas.microsoft.com/office/powerpoint/2010/main" xmlns:p15="http://schemas.microsoft.com/office/powerpoint/2012/main" xmlns:mc="http://schemas.openxmlformats.org/markup-compatibility/2006">
+  <p:cSld>
+    <p:spTree>
+      <p:nvGrpSpPr>
+        <p:cNvPr id="1" name=""/>
+        <p:cNvGrpSpPr/>
+        <p:nvPr/>
+      </p:nvGrpSpPr>
+      <p:grpSpPr>
+        <a:xfrm>
+          <a:off x="0" y="0"/>
+          <a:ext cx="0" cy="0"/>
+          <a:chOff x="0" y="0"/>
+          <a:chExt cx="0" cy="0"/>
+        </a:xfrm>
+      </p:grpSpPr>
+      <p:sp>
+        <p:nvSpPr>
+          <p:cNvPr id="340" name="PlaceHolder 1"/>
+          <p:cNvSpPr>
+            <a:spLocks noGrp="1"/>
+          </p:cNvSpPr>
+          <p:nvPr>
+            <p:ph type="title"/>
+          </p:nvPr>
+        </p:nvSpPr>
+        <p:spPr>
+          <a:xfrm>
+            <a:off x="1620000" y="216000"/>
+            <a:ext cx="8100000" cy="936000"/>
+          </a:xfrm>
+          <a:prstGeom prst="rect">
+            <a:avLst/>
+          </a:prstGeom>
+          <a:noFill/>
+          <a:ln w="0">
+            <a:noFill/>
+          </a:ln>
+        </p:spPr>
+        <p:txBody>
+          <a:bodyPr lIns="0" rIns="0" tIns="0" bIns="0" anchor="ctr">
+            <a:normAutofit/>
+          </a:bodyPr>
+          <a:p>
+            <a:pPr indent="0" algn="ctr">
+              <a:buNone/>
+            </a:pPr>
+            <a:r>
+              <a:rPr b="0" lang="zh-CN" sz="3300" spc="-1" strike="noStrike">
+                <a:solidFill>
+                  <a:srgbClr val="050505"/>
+                </a:solidFill>
+                <a:latin typeface="Times New Roman"/>
+              </a:rPr>
+              <a:t>增</a:t>
+            </a:r>
+            <a:endParaRPr b="0" lang="en-US" sz="3300" spc="-1" strike="noStrike">
+              <a:solidFill>
+                <a:srgbClr val="050505"/>
+              </a:solidFill>
+              <a:latin typeface="Times New Roman"/>
+            </a:endParaRPr>
+          </a:p>
+        </p:txBody>
+      </p:sp>
+      <p:sp>
+        <p:nvSpPr>
+          <p:cNvPr id="341" name="PlaceHolder 2"/>
+          <p:cNvSpPr>
+            <a:spLocks noGrp="1"/>
+          </p:cNvSpPr>
+          <p:nvPr>
+            <p:ph/>
+          </p:nvPr>
+        </p:nvSpPr>
+        <p:spPr>
+          <a:xfrm>
+            <a:off x="1620000" y="1368000"/>
+            <a:ext cx="8100000" cy="3288240"/>
+          </a:xfrm>
+          <a:prstGeom prst="rect">
+            <a:avLst/>
+          </a:prstGeom>
+          <a:noFill/>
+          <a:ln w="0">
+            <a:noFill/>
+          </a:ln>
+        </p:spPr>
+        <p:txBody>
+          <a:bodyPr lIns="0" rIns="0" tIns="0" bIns="0" anchor="t">
+            <a:normAutofit/>
+          </a:bodyPr>
+          <a:p>
+            <a:pPr indent="0">
+              <a:spcAft>
+                <a:spcPts val="1060"/>
+              </a:spcAft>
+              <a:buNone/>
+            </a:pPr>
+            <a:endParaRPr b="0" lang="en-US" sz="2400" spc="-1" strike="noStrike">
+              <a:solidFill>
+                <a:srgbClr val="050505"/>
+              </a:solidFill>
+              <a:latin typeface="Arial"/>
+            </a:endParaRPr>
+          </a:p>
+        </p:txBody>
+      </p:sp>
+      <p:sp>
+        <p:nvSpPr>
+          <p:cNvPr id="4" name="PlaceHolder 3"/>
+          <p:cNvSpPr>
+            <a:spLocks noGrp="1"/>
+          </p:cNvSpPr>
+          <p:nvPr>
+            <p:ph type="sldNum" idx="3"/>
+          </p:nvPr>
+        </p:nvSpPr>
+        <p:spPr/>
+        <p:txBody>
+          <a:bodyPr/>
+          <a:p>
+            <a:fld id="{51CEB8CD-FA75-4FB9-9FF6-2A6DE73A788D}" type="slidenum">
+              <a:t>110</a:t>
             </a:fld>
           </a:p>
         </p:txBody>
@@ -7231,7 +8829,7 @@
         <p:txBody>
           <a:bodyPr/>
           <a:p>
-            <a:fld id="{95023D01-4027-4814-85B0-00CA8D13FEEA}" type="slidenum">
+            <a:fld id="{203A7031-B4BA-4D58-8E26-70B5F96EEDC6}" type="slidenum">
               <a:t>12</a:t>
             </a:fld>
           </a:p>
@@ -7536,7 +9134,7 @@
         <p:txBody>
           <a:bodyPr/>
           <a:p>
-            <a:fld id="{C74603ED-A551-4788-A9DE-3A54FFEC3F0A}" type="slidenum">
+            <a:fld id="{F4A8FEF3-F7F7-4C89-A563-AB863A4A92D3}" type="slidenum">
               <a:t>13</a:t>
             </a:fld>
           </a:p>
@@ -7841,7 +9439,7 @@
         <p:txBody>
           <a:bodyPr/>
           <a:p>
-            <a:fld id="{557F01BE-263C-489F-AE80-B81410C2BE5C}" type="slidenum">
+            <a:fld id="{A1CF438F-FA63-42D2-9985-AE70F6916F91}" type="slidenum">
               <a:t>14</a:t>
             </a:fld>
           </a:p>
@@ -8146,7 +9744,7 @@
         <p:txBody>
           <a:bodyPr/>
           <a:p>
-            <a:fld id="{01D89352-2EA1-4538-837A-491B133605AD}" type="slidenum">
+            <a:fld id="{9A5D1A94-B09E-4DD2-A216-ECE78BC1D0EC}" type="slidenum">
               <a:t>15</a:t>
             </a:fld>
           </a:p>
@@ -8451,7 +10049,7 @@
         <p:txBody>
           <a:bodyPr/>
           <a:p>
-            <a:fld id="{8E72B4D4-FDE9-453C-8FA8-9662392F9ABA}" type="slidenum">
+            <a:fld id="{B5386643-40B3-49B0-80EA-9EC0091CCC44}" type="slidenum">
               <a:t>16</a:t>
             </a:fld>
           </a:p>
@@ -8756,7 +10354,7 @@
         <p:txBody>
           <a:bodyPr/>
           <a:p>
-            <a:fld id="{9B48E978-9FB0-4E3D-8AF4-82E51E2C66CE}" type="slidenum">
+            <a:fld id="{9E69C61F-014F-44F5-9FBE-F403FC43816B}" type="slidenum">
               <a:t>17</a:t>
             </a:fld>
           </a:p>
@@ -9061,7 +10659,7 @@
         <p:txBody>
           <a:bodyPr/>
           <a:p>
-            <a:fld id="{D6B77978-AE58-43D8-9B4E-0FA08EBDFA58}" type="slidenum">
+            <a:fld id="{4D31CD41-D26B-4874-B1C3-0FF9497F7248}" type="slidenum">
               <a:t>18</a:t>
             </a:fld>
           </a:p>
@@ -9366,7 +10964,7 @@
         <p:txBody>
           <a:bodyPr/>
           <a:p>
-            <a:fld id="{DE55CD59-1D49-4AB7-98AA-826D25075B9D}" type="slidenum">
+            <a:fld id="{77658556-FC1D-40B5-BF93-5293BCA9ED6B}" type="slidenum">
               <a:t>19</a:t>
             </a:fld>
           </a:p>
@@ -9671,7 +11269,7 @@
         <p:txBody>
           <a:bodyPr/>
           <a:p>
-            <a:fld id="{C2B9EFF8-2E80-46D8-A758-A1FE17912BE8}" type="slidenum">
+            <a:fld id="{C9C60A56-A5F8-4222-8CFD-AC85B43F1BF7}" type="slidenum">
               <a:t>2</a:t>
             </a:fld>
           </a:p>
@@ -9976,7 +11574,7 @@
         <p:txBody>
           <a:bodyPr/>
           <a:p>
-            <a:fld id="{812B6BA1-BBF3-4E51-8A3F-0D73F108297D}" type="slidenum">
+            <a:fld id="{FBC82C6F-2BF7-47D4-AAA5-105920BF9F41}" type="slidenum">
               <a:t>20</a:t>
             </a:fld>
           </a:p>
@@ -10281,7 +11879,7 @@
         <p:txBody>
           <a:bodyPr/>
           <a:p>
-            <a:fld id="{426D44E2-E6A0-49F9-A7C2-600AF7E1A985}" type="slidenum">
+            <a:fld id="{BE680038-F748-40FE-A144-DA85C5C0B680}" type="slidenum">
               <a:t>21</a:t>
             </a:fld>
           </a:p>
@@ -10586,7 +12184,7 @@
         <p:txBody>
           <a:bodyPr/>
           <a:p>
-            <a:fld id="{8C27BC49-077B-46F6-8AED-A3D485A64B1A}" type="slidenum">
+            <a:fld id="{9B96EB64-907C-4AD3-A232-B42AF5CB32D2}" type="slidenum">
               <a:t>22</a:t>
             </a:fld>
           </a:p>
@@ -10891,7 +12489,7 @@
         <p:txBody>
           <a:bodyPr/>
           <a:p>
-            <a:fld id="{42DF0A8A-A16D-40E0-A683-BC764C06CD4E}" type="slidenum">
+            <a:fld id="{DEC32A05-32F5-440F-B5FB-AF5870C97343}" type="slidenum">
               <a:t>23</a:t>
             </a:fld>
           </a:p>
@@ -11196,7 +12794,7 @@
         <p:txBody>
           <a:bodyPr/>
           <a:p>
-            <a:fld id="{734DEC45-C948-4954-A4FD-A053777F5F70}" type="slidenum">
+            <a:fld id="{E3A5F9DD-99EE-4FF1-975B-A53E251C25FD}" type="slidenum">
               <a:t>24</a:t>
             </a:fld>
           </a:p>
@@ -11501,7 +13099,7 @@
         <p:txBody>
           <a:bodyPr/>
           <a:p>
-            <a:fld id="{5F8A4638-3236-4EAF-86CD-1D395CA3DA44}" type="slidenum">
+            <a:fld id="{15FBDC1C-83B0-4650-B599-127B512A76F9}" type="slidenum">
               <a:t>25</a:t>
             </a:fld>
           </a:p>
@@ -11806,7 +13404,7 @@
         <p:txBody>
           <a:bodyPr/>
           <a:p>
-            <a:fld id="{9C3E6D69-C80B-4A92-8383-14983DDB0663}" type="slidenum">
+            <a:fld id="{4239962C-65B2-4116-8BDA-DFEA75C3FF92}" type="slidenum">
               <a:t>26</a:t>
             </a:fld>
           </a:p>
@@ -12111,7 +13709,7 @@
         <p:txBody>
           <a:bodyPr/>
           <a:p>
-            <a:fld id="{B41EA8B7-2B87-4411-AC66-125BCC93326A}" type="slidenum">
+            <a:fld id="{87C2DC5F-F298-4FB6-A82E-C0EC14095EF1}" type="slidenum">
               <a:t>27</a:t>
             </a:fld>
           </a:p>
@@ -12416,7 +14014,7 @@
         <p:txBody>
           <a:bodyPr/>
           <a:p>
-            <a:fld id="{BC3D4C4F-99F1-4FEA-901B-3F22C912E596}" type="slidenum">
+            <a:fld id="{CCE043FC-067C-4D29-AB76-3E9571103802}" type="slidenum">
               <a:t>28</a:t>
             </a:fld>
           </a:p>
@@ -12721,7 +14319,7 @@
         <p:txBody>
           <a:bodyPr/>
           <a:p>
-            <a:fld id="{32F88056-49B6-4459-9397-D6EEDFF1F16A}" type="slidenum">
+            <a:fld id="{A700D658-83ED-492A-B529-B0C9D7350D7D}" type="slidenum">
               <a:t>29</a:t>
             </a:fld>
           </a:p>
@@ -13026,7 +14624,7 @@
         <p:txBody>
           <a:bodyPr/>
           <a:p>
-            <a:fld id="{E5C66556-F365-4E31-910D-EB8ACF30A008}" type="slidenum">
+            <a:fld id="{61B07A68-D983-49EF-9091-B02E53585322}" type="slidenum">
               <a:t>3</a:t>
             </a:fld>
           </a:p>
@@ -13331,7 +14929,7 @@
         <p:txBody>
           <a:bodyPr/>
           <a:p>
-            <a:fld id="{8F5FFDFD-4CB7-4A91-A903-13C75295F787}" type="slidenum">
+            <a:fld id="{6F3824C4-95C1-42A0-97B1-E9EA4B328D7C}" type="slidenum">
               <a:t>30</a:t>
             </a:fld>
           </a:p>
@@ -13636,7 +15234,7 @@
         <p:txBody>
           <a:bodyPr/>
           <a:p>
-            <a:fld id="{D78269DF-036F-4F43-8B84-EE54E4CB0B4A}" type="slidenum">
+            <a:fld id="{F4DC58C7-2603-46D8-A5A7-5DE068CA805B}" type="slidenum">
               <a:t>31</a:t>
             </a:fld>
           </a:p>
@@ -13941,7 +15539,7 @@
         <p:txBody>
           <a:bodyPr/>
           <a:p>
-            <a:fld id="{69D904B4-0FB0-4490-A13D-665FAADD3FB4}" type="slidenum">
+            <a:fld id="{58F357C6-3E00-4F41-AAD1-9B2B79971955}" type="slidenum">
               <a:t>32</a:t>
             </a:fld>
           </a:p>
@@ -14246,7 +15844,7 @@
         <p:txBody>
           <a:bodyPr/>
           <a:p>
-            <a:fld id="{A2710422-8966-484A-9B38-8B2F956A5196}" type="slidenum">
+            <a:fld id="{E3029989-BA7A-4294-BDFA-0E14B4601155}" type="slidenum">
               <a:t>33</a:t>
             </a:fld>
           </a:p>
@@ -14551,7 +16149,7 @@
         <p:txBody>
           <a:bodyPr/>
           <a:p>
-            <a:fld id="{050D4378-FE36-4F7E-8DB0-55DE2E6A22EC}" type="slidenum">
+            <a:fld id="{57AE7A8B-4611-44AA-8DA7-A69B5FC9A6BA}" type="slidenum">
               <a:t>34</a:t>
             </a:fld>
           </a:p>
@@ -14856,7 +16454,7 @@
         <p:txBody>
           <a:bodyPr/>
           <a:p>
-            <a:fld id="{36681B51-8339-4C53-BB0F-C98E75A817A4}" type="slidenum">
+            <a:fld id="{CC9B4748-8066-484E-AF62-4C0119301B89}" type="slidenum">
               <a:t>35</a:t>
             </a:fld>
           </a:p>
@@ -15161,7 +16759,7 @@
         <p:txBody>
           <a:bodyPr/>
           <a:p>
-            <a:fld id="{CB6D41AB-4D42-47AE-875E-F92993715C02}" type="slidenum">
+            <a:fld id="{1B214CBF-872A-44C6-BEF3-FADD187097D2}" type="slidenum">
               <a:t>36</a:t>
             </a:fld>
           </a:p>
@@ -15466,7 +17064,7 @@
         <p:txBody>
           <a:bodyPr/>
           <a:p>
-            <a:fld id="{96182230-3635-45C3-AE58-350324D6BA4E}" type="slidenum">
+            <a:fld id="{AF5DD9E5-89EB-4921-87E8-41747F89DF07}" type="slidenum">
               <a:t>37</a:t>
             </a:fld>
           </a:p>
@@ -15771,7 +17369,7 @@
         <p:txBody>
           <a:bodyPr/>
           <a:p>
-            <a:fld id="{C82A68D2-9328-46FB-A396-01736CB6B525}" type="slidenum">
+            <a:fld id="{A30057CA-B7ED-4A50-98DC-74910B5F90BB}" type="slidenum">
               <a:t>38</a:t>
             </a:fld>
           </a:p>
@@ -16076,7 +17674,7 @@
         <p:txBody>
           <a:bodyPr/>
           <a:p>
-            <a:fld id="{8FF5992E-2B41-472B-BE6D-F7382E0264E1}" type="slidenum">
+            <a:fld id="{C6169C24-E3C0-4076-B22B-1D0A9EF62E07}" type="slidenum">
               <a:t>39</a:t>
             </a:fld>
           </a:p>
@@ -16381,7 +17979,7 @@
         <p:txBody>
           <a:bodyPr/>
           <a:p>
-            <a:fld id="{ACCE4B4C-E012-4026-B0FE-5BF321B6A37C}" type="slidenum">
+            <a:fld id="{6DBD58C2-B7ED-46C0-BFAA-0D8E18730E91}" type="slidenum">
               <a:t>4</a:t>
             </a:fld>
           </a:p>
@@ -16686,7 +18284,7 @@
         <p:txBody>
           <a:bodyPr/>
           <a:p>
-            <a:fld id="{D66C39D4-BCBD-44DC-B456-B2D4C03022DC}" type="slidenum">
+            <a:fld id="{798FFEE3-3F73-47F3-89B6-844CFE16F659}" type="slidenum">
               <a:t>40</a:t>
             </a:fld>
           </a:p>
@@ -16991,7 +18589,7 @@
         <p:txBody>
           <a:bodyPr/>
           <a:p>
-            <a:fld id="{49019FFA-62AD-4275-87F3-77C2C9590B5C}" type="slidenum">
+            <a:fld id="{23DFA9D2-53A3-4DC4-BB36-1ED0F71F7611}" type="slidenum">
               <a:t>41</a:t>
             </a:fld>
           </a:p>
@@ -17296,7 +18894,7 @@
         <p:txBody>
           <a:bodyPr/>
           <a:p>
-            <a:fld id="{CA0902A2-7E40-43B8-AA9E-5CA7F8598FDD}" type="slidenum">
+            <a:fld id="{1D3327A2-BCE9-4474-A58E-C98DC1110F56}" type="slidenum">
               <a:t>42</a:t>
             </a:fld>
           </a:p>
@@ -17601,7 +19199,7 @@
         <p:txBody>
           <a:bodyPr/>
           <a:p>
-            <a:fld id="{48F84D5B-85E1-4507-8523-0373BB541DC6}" type="slidenum">
+            <a:fld id="{6F48FD96-0119-4969-BAF0-98A749565D9A}" type="slidenum">
               <a:t>43</a:t>
             </a:fld>
           </a:p>
@@ -17906,7 +19504,7 @@
         <p:txBody>
           <a:bodyPr/>
           <a:p>
-            <a:fld id="{186D796C-D680-45B2-86E7-C1336DE7D0FD}" type="slidenum">
+            <a:fld id="{3CC1B641-81F9-4B32-BE0C-F24EB70A4227}" type="slidenum">
               <a:t>44</a:t>
             </a:fld>
           </a:p>
@@ -18211,7 +19809,7 @@
         <p:txBody>
           <a:bodyPr/>
           <a:p>
-            <a:fld id="{DF5ECF35-63B9-4F30-BEFA-AD49C0EEEB25}" type="slidenum">
+            <a:fld id="{02D541C8-0A8E-4532-B124-04D0E6175F80}" type="slidenum">
               <a:t>45</a:t>
             </a:fld>
           </a:p>
@@ -18516,7 +20114,7 @@
         <p:txBody>
           <a:bodyPr/>
           <a:p>
-            <a:fld id="{A4C24C47-F2B5-41B8-BD75-2D1BE5922CD3}" type="slidenum">
+            <a:fld id="{143BDE0A-DE58-4A61-8FDD-717010B41B3C}" type="slidenum">
               <a:t>46</a:t>
             </a:fld>
           </a:p>
@@ -18821,7 +20419,7 @@
         <p:txBody>
           <a:bodyPr/>
           <a:p>
-            <a:fld id="{E47FF102-7251-4BCC-A040-6ACB42733304}" type="slidenum">
+            <a:fld id="{DDF1F2F7-5A89-4BBD-BE51-B59CB05494D6}" type="slidenum">
               <a:t>47</a:t>
             </a:fld>
           </a:p>
@@ -19126,7 +20724,7 @@
         <p:txBody>
           <a:bodyPr/>
           <a:p>
-            <a:fld id="{660B3461-8ED3-468A-A1D3-F9275563C448}" type="slidenum">
+            <a:fld id="{EB9CAD34-F928-48F2-8B5B-F5DAB96B0D2E}" type="slidenum">
               <a:t>48</a:t>
             </a:fld>
           </a:p>
@@ -19431,7 +21029,7 @@
         <p:txBody>
           <a:bodyPr/>
           <a:p>
-            <a:fld id="{824C71F7-1FE6-4385-B1E9-01DDEBBC402E}" type="slidenum">
+            <a:fld id="{61847D79-403C-41BA-958B-C9586E3365FD}" type="slidenum">
               <a:t>49</a:t>
             </a:fld>
           </a:p>
@@ -19736,7 +21334,7 @@
         <p:txBody>
           <a:bodyPr/>
           <a:p>
-            <a:fld id="{0B18AF0E-551D-4FE7-BF8F-6548ED8B6ADB}" type="slidenum">
+            <a:fld id="{CF8BDF68-24DA-4990-A1D2-B81BF2318D73}" type="slidenum">
               <a:t>5</a:t>
             </a:fld>
           </a:p>
@@ -20041,7 +21639,7 @@
         <p:txBody>
           <a:bodyPr/>
           <a:p>
-            <a:fld id="{320DE548-F564-418B-8267-4E8766EF52DD}" type="slidenum">
+            <a:fld id="{B3EFDCA9-455F-4BB2-8DED-F38BCCBF0DB0}" type="slidenum">
               <a:t>50</a:t>
             </a:fld>
           </a:p>
@@ -20346,7 +21944,7 @@
         <p:txBody>
           <a:bodyPr/>
           <a:p>
-            <a:fld id="{55E42485-3D4F-4DD8-9519-2DFD19937A34}" type="slidenum">
+            <a:fld id="{B1DB7B61-8128-4470-8D23-1032FB57A6C4}" type="slidenum">
               <a:t>51</a:t>
             </a:fld>
           </a:p>
@@ -20651,7 +22249,7 @@
         <p:txBody>
           <a:bodyPr/>
           <a:p>
-            <a:fld id="{4B79B433-6ECE-45DF-A96B-65F65A896712}" type="slidenum">
+            <a:fld id="{978E30BB-6D1B-4E6C-9EE4-021CB9FA3A5B}" type="slidenum">
               <a:t>52</a:t>
             </a:fld>
           </a:p>
@@ -20956,7 +22554,7 @@
         <p:txBody>
           <a:bodyPr/>
           <a:p>
-            <a:fld id="{6047C93B-83DE-466F-A897-E1B9532728CF}" type="slidenum">
+            <a:fld id="{E07A1FB2-9A5F-4331-9449-C635C4341508}" type="slidenum">
               <a:t>53</a:t>
             </a:fld>
           </a:p>
@@ -21261,7 +22859,7 @@
         <p:txBody>
           <a:bodyPr/>
           <a:p>
-            <a:fld id="{87CA87ED-10BA-4EC5-82AC-6527B2383223}" type="slidenum">
+            <a:fld id="{1EF39DD8-C6A8-4DB4-9EBC-4213E695928E}" type="slidenum">
               <a:t>54</a:t>
             </a:fld>
           </a:p>
@@ -21566,7 +23164,7 @@
         <p:txBody>
           <a:bodyPr/>
           <a:p>
-            <a:fld id="{46A14EA2-6D8C-411F-B2E1-EDF12E09DFC1}" type="slidenum">
+            <a:fld id="{F4A459C2-1625-4D22-A38A-C1944B632E6D}" type="slidenum">
               <a:t>55</a:t>
             </a:fld>
           </a:p>
@@ -21871,7 +23469,7 @@
         <p:txBody>
           <a:bodyPr/>
           <a:p>
-            <a:fld id="{0824F17C-22CC-4D75-8B2D-36F235E0F5DE}" type="slidenum">
+            <a:fld id="{97F9DE9A-C915-48C1-97C1-98BDE8792770}" type="slidenum">
               <a:t>56</a:t>
             </a:fld>
           </a:p>
@@ -22176,7 +23774,7 @@
         <p:txBody>
           <a:bodyPr/>
           <a:p>
-            <a:fld id="{1F34BDC8-AF2F-470E-BF6A-3141ACBB61BC}" type="slidenum">
+            <a:fld id="{7E2A768D-D0BE-484A-88AA-3B6E41A7FCEC}" type="slidenum">
               <a:t>57</a:t>
             </a:fld>
           </a:p>
@@ -22481,7 +24079,7 @@
         <p:txBody>
           <a:bodyPr/>
           <a:p>
-            <a:fld id="{208B35A9-97A0-4E82-81B6-EBA1C6F44659}" type="slidenum">
+            <a:fld id="{63CA4D33-C5ED-41BE-B4C6-5CE5FD1FA7D7}" type="slidenum">
               <a:t>58</a:t>
             </a:fld>
           </a:p>
@@ -22786,7 +24384,7 @@
         <p:txBody>
           <a:bodyPr/>
           <a:p>
-            <a:fld id="{F17CF679-CA3A-4E41-9682-B13F3B5E2F2E}" type="slidenum">
+            <a:fld id="{E33D2AD4-7B87-4821-8630-E638E513DFE9}" type="slidenum">
               <a:t>59</a:t>
             </a:fld>
           </a:p>
@@ -23091,7 +24689,7 @@
         <p:txBody>
           <a:bodyPr/>
           <a:p>
-            <a:fld id="{1D5D4AE0-370B-4226-B4F8-0B832EEB5596}" type="slidenum">
+            <a:fld id="{D9BDFDB3-E773-40EF-BADA-274D9566F926}" type="slidenum">
               <a:t>6</a:t>
             </a:fld>
           </a:p>
@@ -23396,7 +24994,7 @@
         <p:txBody>
           <a:bodyPr/>
           <a:p>
-            <a:fld id="{360A7C04-A46C-4015-8D92-C013ED556D11}" type="slidenum">
+            <a:fld id="{2095C0C3-A589-4CE8-9A90-EFD7F5AE71FA}" type="slidenum">
               <a:t>60</a:t>
             </a:fld>
           </a:p>
@@ -23701,7 +25299,7 @@
         <p:txBody>
           <a:bodyPr/>
           <a:p>
-            <a:fld id="{12AF9BDB-D388-4A05-B934-D5DEB52AF580}" type="slidenum">
+            <a:fld id="{ADF3A6B5-F90A-4B27-8BF1-EE04F2173487}" type="slidenum">
               <a:t>61</a:t>
             </a:fld>
           </a:p>
@@ -24006,7 +25604,7 @@
         <p:txBody>
           <a:bodyPr/>
           <a:p>
-            <a:fld id="{D24F3E17-4141-41DE-82FC-C48DE93046CE}" type="slidenum">
+            <a:fld id="{3660A93F-BF03-477B-BFB7-C3D2203B31B5}" type="slidenum">
               <a:t>62</a:t>
             </a:fld>
           </a:p>
@@ -24311,7 +25909,7 @@
         <p:txBody>
           <a:bodyPr/>
           <a:p>
-            <a:fld id="{03757B65-B0A4-4089-A574-443A8A180B5C}" type="slidenum">
+            <a:fld id="{6564C5A0-EF56-4E21-95D1-F330A4FD48D7}" type="slidenum">
               <a:t>63</a:t>
             </a:fld>
           </a:p>
@@ -24616,7 +26214,7 @@
         <p:txBody>
           <a:bodyPr/>
           <a:p>
-            <a:fld id="{BB5FFA5A-0AE9-4DE4-B745-F9EAB096736D}" type="slidenum">
+            <a:fld id="{EC2603D4-91E8-4242-8BA3-846D67EEF57A}" type="slidenum">
               <a:t>64</a:t>
             </a:fld>
           </a:p>
@@ -24921,7 +26519,7 @@
         <p:txBody>
           <a:bodyPr/>
           <a:p>
-            <a:fld id="{76CB98A9-8797-4083-8B22-F19D496D2E98}" type="slidenum">
+            <a:fld id="{52002A2B-0C95-4097-89A6-6F66158B344E}" type="slidenum">
               <a:t>65</a:t>
             </a:fld>
           </a:p>
@@ -25244,7 +26842,7 @@
         <p:txBody>
           <a:bodyPr/>
           <a:p>
-            <a:fld id="{C4A2824B-BB9B-414B-94F6-2E4A9F781497}" type="slidenum">
+            <a:fld id="{10ADDF2B-E67B-4AAB-A14A-4E5DC852AB6B}" type="slidenum">
               <a:t>66</a:t>
             </a:fld>
           </a:p>
@@ -25549,7 +27147,7 @@
         <p:txBody>
           <a:bodyPr/>
           <a:p>
-            <a:fld id="{4CE9FE72-A95C-4FCA-B00A-A2FF9CDE7784}" type="slidenum">
+            <a:fld id="{C2A58924-AAAD-4B53-BD1B-0A878C36A8CD}" type="slidenum">
               <a:t>67</a:t>
             </a:fld>
           </a:p>
@@ -25854,7 +27452,7 @@
         <p:txBody>
           <a:bodyPr/>
           <a:p>
-            <a:fld id="{0D064D84-FA92-4A8A-808A-DAC683ACB46D}" type="slidenum">
+            <a:fld id="{58BA8839-FB45-403A-AAA2-89EC082F87E6}" type="slidenum">
               <a:t>68</a:t>
             </a:fld>
           </a:p>
@@ -26159,7 +27757,7 @@
         <p:txBody>
           <a:bodyPr/>
           <a:p>
-            <a:fld id="{E3F8BC4E-5758-4715-AFEF-EF6BB8E3B9CE}" type="slidenum">
+            <a:fld id="{2B09D3AD-334C-49A0-B53E-1B3CE36D94D9}" type="slidenum">
               <a:t>69</a:t>
             </a:fld>
           </a:p>
@@ -26464,7 +28062,7 @@
         <p:txBody>
           <a:bodyPr/>
           <a:p>
-            <a:fld id="{7E60E840-9181-494C-89D8-9F7C2C037537}" type="slidenum">
+            <a:fld id="{1E4CBC09-37C1-471E-B265-76BE935325E5}" type="slidenum">
               <a:t>7</a:t>
             </a:fld>
           </a:p>
@@ -26769,7 +28367,7 @@
         <p:txBody>
           <a:bodyPr/>
           <a:p>
-            <a:fld id="{1C6AA534-0E05-4158-8D6E-3F0E11DDF694}" type="slidenum">
+            <a:fld id="{D5C4B725-2D7E-4E0C-8F7F-97EC0BDAF993}" type="slidenum">
               <a:t>70</a:t>
             </a:fld>
           </a:p>
@@ -27060,7 +28658,7 @@
         <p:txBody>
           <a:bodyPr/>
           <a:p>
-            <a:fld id="{A044AFD1-190B-4E4B-934E-21B4BFF1515C}" type="slidenum">
+            <a:fld id="{1712B92B-B419-4BED-9CE2-348EEF6BD927}" type="slidenum">
               <a:t>71</a:t>
             </a:fld>
           </a:p>
@@ -27365,7 +28963,7 @@
         <p:txBody>
           <a:bodyPr/>
           <a:p>
-            <a:fld id="{8009D238-471D-4858-A6C8-C3541657BFFD}" type="slidenum">
+            <a:fld id="{F0A25FB6-ED89-415D-AE8E-008A1108D605}" type="slidenum">
               <a:t>72</a:t>
             </a:fld>
           </a:p>
@@ -27670,7 +29268,7 @@
         <p:txBody>
           <a:bodyPr/>
           <a:p>
-            <a:fld id="{9777C254-F5F5-4009-A8A2-D15E63E8D756}" type="slidenum">
+            <a:fld id="{2BB430E6-35AB-4E91-8762-6B44D9BC2D4F}" type="slidenum">
               <a:t>73</a:t>
             </a:fld>
           </a:p>
@@ -27975,8 +29573,718 @@
         <p:txBody>
           <a:bodyPr/>
           <a:p>
-            <a:fld id="{2842F45A-E555-4254-AD6E-F7FA070E87F3}" type="slidenum">
+            <a:fld id="{DC44A0B2-B2B1-4C73-95A7-4BD4A4F8CE22}" type="slidenum">
               <a:t>74</a:t>
+            </a:fld>
+          </a:p>
+        </p:txBody>
+      </p:sp>
+    </p:spTree>
+  </p:cSld>
+  <mc:AlternateContent>
+    <mc:Choice Requires="p14">
+      <p:transition spd="slow" p14:dur="2000"/>
+    </mc:Choice>
+    <mc:Fallback>
+      <p:transition spd="slow"/>
+    </mc:Fallback>
+  </mc:AlternateContent>
+</p:sld>
+</file>
+
+<file path=ppt/slides/slide75.xml><?xml version="1.0" encoding="utf-8"?>
+<p:sld xmlns:a="http://schemas.openxmlformats.org/drawingml/2006/main" xmlns:p="http://schemas.openxmlformats.org/presentationml/2006/main" xmlns:r="http://schemas.openxmlformats.org/officeDocument/2006/relationships" xmlns:p14="http://schemas.microsoft.com/office/powerpoint/2010/main" xmlns:p15="http://schemas.microsoft.com/office/powerpoint/2012/main" xmlns:mc="http://schemas.openxmlformats.org/markup-compatibility/2006">
+  <p:cSld>
+    <p:spTree>
+      <p:nvGrpSpPr>
+        <p:cNvPr id="1" name=""/>
+        <p:cNvGrpSpPr/>
+        <p:nvPr/>
+      </p:nvGrpSpPr>
+      <p:grpSpPr>
+        <a:xfrm>
+          <a:off x="0" y="0"/>
+          <a:ext cx="0" cy="0"/>
+          <a:chOff x="0" y="0"/>
+          <a:chExt cx="0" cy="0"/>
+        </a:xfrm>
+      </p:grpSpPr>
+      <p:sp>
+        <p:nvSpPr>
+          <p:cNvPr id="270" name="PlaceHolder 1"/>
+          <p:cNvSpPr>
+            <a:spLocks noGrp="1"/>
+          </p:cNvSpPr>
+          <p:nvPr>
+            <p:ph type="title"/>
+          </p:nvPr>
+        </p:nvSpPr>
+        <p:spPr>
+          <a:xfrm>
+            <a:off x="1620000" y="216000"/>
+            <a:ext cx="8100000" cy="936000"/>
+          </a:xfrm>
+          <a:prstGeom prst="rect">
+            <a:avLst/>
+          </a:prstGeom>
+          <a:noFill/>
+          <a:ln w="0">
+            <a:noFill/>
+          </a:ln>
+        </p:spPr>
+        <p:txBody>
+          <a:bodyPr lIns="0" rIns="0" tIns="0" bIns="0" anchor="ctr">
+            <a:normAutofit/>
+          </a:bodyPr>
+          <a:p>
+            <a:pPr indent="0" algn="ctr">
+              <a:buNone/>
+            </a:pPr>
+            <a:r>
+              <a:rPr b="0" lang="zh-CN" sz="3300" spc="-1" strike="noStrike">
+                <a:solidFill>
+                  <a:srgbClr val="050505"/>
+                </a:solidFill>
+                <a:latin typeface="Times New Roman"/>
+              </a:rPr>
+              <a:t>挣钱</a:t>
+            </a:r>
+            <a:endParaRPr b="0" lang="en-US" sz="3300" spc="-1" strike="noStrike">
+              <a:solidFill>
+                <a:srgbClr val="050505"/>
+              </a:solidFill>
+              <a:latin typeface="Times New Roman"/>
+            </a:endParaRPr>
+          </a:p>
+        </p:txBody>
+      </p:sp>
+      <p:sp>
+        <p:nvSpPr>
+          <p:cNvPr id="271" name="PlaceHolder 2"/>
+          <p:cNvSpPr>
+            <a:spLocks noGrp="1"/>
+          </p:cNvSpPr>
+          <p:nvPr>
+            <p:ph/>
+          </p:nvPr>
+        </p:nvSpPr>
+        <p:spPr>
+          <a:xfrm>
+            <a:off x="1620000" y="1368000"/>
+            <a:ext cx="8100000" cy="3288240"/>
+          </a:xfrm>
+          <a:prstGeom prst="rect">
+            <a:avLst/>
+          </a:prstGeom>
+          <a:noFill/>
+          <a:ln w="0">
+            <a:noFill/>
+          </a:ln>
+        </p:spPr>
+        <p:txBody>
+          <a:bodyPr lIns="0" rIns="0" tIns="0" bIns="0" anchor="t">
+            <a:normAutofit/>
+          </a:bodyPr>
+          <a:p>
+            <a:pPr indent="0">
+              <a:spcAft>
+                <a:spcPts val="1060"/>
+              </a:spcAft>
+              <a:buNone/>
+            </a:pPr>
+            <a:endParaRPr b="0" lang="en-US" sz="2400" spc="-1" strike="noStrike">
+              <a:solidFill>
+                <a:srgbClr val="050505"/>
+              </a:solidFill>
+              <a:latin typeface="Arial"/>
+            </a:endParaRPr>
+          </a:p>
+        </p:txBody>
+      </p:sp>
+      <p:sp>
+        <p:nvSpPr>
+          <p:cNvPr id="4" name="PlaceHolder 3"/>
+          <p:cNvSpPr>
+            <a:spLocks noGrp="1"/>
+          </p:cNvSpPr>
+          <p:nvPr>
+            <p:ph type="sldNum" idx="3"/>
+          </p:nvPr>
+        </p:nvSpPr>
+        <p:spPr/>
+        <p:txBody>
+          <a:bodyPr/>
+          <a:p>
+            <a:fld id="{3ED09AA6-BC16-4E70-A3C6-832691A62E14}" type="slidenum">
+              <a:t>75</a:t>
+            </a:fld>
+          </a:p>
+        </p:txBody>
+      </p:sp>
+    </p:spTree>
+  </p:cSld>
+  <mc:AlternateContent>
+    <mc:Choice Requires="p14">
+      <p:transition spd="slow" p14:dur="2000"/>
+    </mc:Choice>
+    <mc:Fallback>
+      <p:transition spd="slow"/>
+    </mc:Fallback>
+  </mc:AlternateContent>
+</p:sld>
+</file>
+
+<file path=ppt/slides/slide76.xml><?xml version="1.0" encoding="utf-8"?>
+<p:sld xmlns:a="http://schemas.openxmlformats.org/drawingml/2006/main" xmlns:p="http://schemas.openxmlformats.org/presentationml/2006/main" xmlns:r="http://schemas.openxmlformats.org/officeDocument/2006/relationships" xmlns:p14="http://schemas.microsoft.com/office/powerpoint/2010/main" xmlns:p15="http://schemas.microsoft.com/office/powerpoint/2012/main" xmlns:mc="http://schemas.openxmlformats.org/markup-compatibility/2006">
+  <p:cSld>
+    <p:spTree>
+      <p:nvGrpSpPr>
+        <p:cNvPr id="1" name=""/>
+        <p:cNvGrpSpPr/>
+        <p:nvPr/>
+      </p:nvGrpSpPr>
+      <p:grpSpPr>
+        <a:xfrm>
+          <a:off x="0" y="0"/>
+          <a:ext cx="0" cy="0"/>
+          <a:chOff x="0" y="0"/>
+          <a:chExt cx="0" cy="0"/>
+        </a:xfrm>
+      </p:grpSpPr>
+      <p:sp>
+        <p:nvSpPr>
+          <p:cNvPr id="272" name="PlaceHolder 1"/>
+          <p:cNvSpPr>
+            <a:spLocks noGrp="1"/>
+          </p:cNvSpPr>
+          <p:nvPr>
+            <p:ph type="title"/>
+          </p:nvPr>
+        </p:nvSpPr>
+        <p:spPr>
+          <a:xfrm>
+            <a:off x="1620000" y="216000"/>
+            <a:ext cx="8100000" cy="936000"/>
+          </a:xfrm>
+          <a:prstGeom prst="rect">
+            <a:avLst/>
+          </a:prstGeom>
+          <a:noFill/>
+          <a:ln w="0">
+            <a:noFill/>
+          </a:ln>
+        </p:spPr>
+        <p:txBody>
+          <a:bodyPr lIns="0" rIns="0" tIns="0" bIns="0" anchor="ctr">
+            <a:normAutofit/>
+          </a:bodyPr>
+          <a:p>
+            <a:pPr indent="0" algn="ctr">
+              <a:buNone/>
+            </a:pPr>
+            <a:r>
+              <a:rPr b="0" lang="zh-CN" sz="3300" spc="-1" strike="noStrike">
+                <a:solidFill>
+                  <a:srgbClr val="050505"/>
+                </a:solidFill>
+                <a:latin typeface="Times New Roman"/>
+              </a:rPr>
+              <a:t>挣</a:t>
+            </a:r>
+            <a:endParaRPr b="0" lang="en-US" sz="3300" spc="-1" strike="noStrike">
+              <a:solidFill>
+                <a:srgbClr val="050505"/>
+              </a:solidFill>
+              <a:latin typeface="Times New Roman"/>
+            </a:endParaRPr>
+          </a:p>
+        </p:txBody>
+      </p:sp>
+      <p:sp>
+        <p:nvSpPr>
+          <p:cNvPr id="273" name="PlaceHolder 2"/>
+          <p:cNvSpPr>
+            <a:spLocks noGrp="1"/>
+          </p:cNvSpPr>
+          <p:nvPr>
+            <p:ph/>
+          </p:nvPr>
+        </p:nvSpPr>
+        <p:spPr>
+          <a:xfrm>
+            <a:off x="1620000" y="1368000"/>
+            <a:ext cx="8100000" cy="3288240"/>
+          </a:xfrm>
+          <a:prstGeom prst="rect">
+            <a:avLst/>
+          </a:prstGeom>
+          <a:noFill/>
+          <a:ln w="0">
+            <a:noFill/>
+          </a:ln>
+        </p:spPr>
+        <p:txBody>
+          <a:bodyPr lIns="0" rIns="0" tIns="0" bIns="0" anchor="t">
+            <a:normAutofit/>
+          </a:bodyPr>
+          <a:p>
+            <a:pPr indent="0">
+              <a:spcAft>
+                <a:spcPts val="1060"/>
+              </a:spcAft>
+              <a:buNone/>
+            </a:pPr>
+            <a:endParaRPr b="0" lang="en-US" sz="2400" spc="-1" strike="noStrike">
+              <a:solidFill>
+                <a:srgbClr val="050505"/>
+              </a:solidFill>
+              <a:latin typeface="Arial"/>
+            </a:endParaRPr>
+          </a:p>
+        </p:txBody>
+      </p:sp>
+      <p:sp>
+        <p:nvSpPr>
+          <p:cNvPr id="4" name="PlaceHolder 3"/>
+          <p:cNvSpPr>
+            <a:spLocks noGrp="1"/>
+          </p:cNvSpPr>
+          <p:nvPr>
+            <p:ph type="sldNum" idx="3"/>
+          </p:nvPr>
+        </p:nvSpPr>
+        <p:spPr/>
+        <p:txBody>
+          <a:bodyPr/>
+          <a:p>
+            <a:fld id="{FA08AE74-7867-4B93-A795-7BF7F0E223CA}" type="slidenum">
+              <a:t>76</a:t>
+            </a:fld>
+          </a:p>
+        </p:txBody>
+      </p:sp>
+    </p:spTree>
+  </p:cSld>
+  <mc:AlternateContent>
+    <mc:Choice Requires="p14">
+      <p:transition spd="slow" p14:dur="2000"/>
+    </mc:Choice>
+    <mc:Fallback>
+      <p:transition spd="slow"/>
+    </mc:Fallback>
+  </mc:AlternateContent>
+</p:sld>
+</file>
+
+<file path=ppt/slides/slide77.xml><?xml version="1.0" encoding="utf-8"?>
+<p:sld xmlns:a="http://schemas.openxmlformats.org/drawingml/2006/main" xmlns:p="http://schemas.openxmlformats.org/presentationml/2006/main" xmlns:r="http://schemas.openxmlformats.org/officeDocument/2006/relationships" xmlns:p14="http://schemas.microsoft.com/office/powerpoint/2010/main" xmlns:p15="http://schemas.microsoft.com/office/powerpoint/2012/main" xmlns:mc="http://schemas.openxmlformats.org/markup-compatibility/2006">
+  <p:cSld>
+    <p:spTree>
+      <p:nvGrpSpPr>
+        <p:cNvPr id="1" name=""/>
+        <p:cNvGrpSpPr/>
+        <p:nvPr/>
+      </p:nvGrpSpPr>
+      <p:grpSpPr>
+        <a:xfrm>
+          <a:off x="0" y="0"/>
+          <a:ext cx="0" cy="0"/>
+          <a:chOff x="0" y="0"/>
+          <a:chExt cx="0" cy="0"/>
+        </a:xfrm>
+      </p:grpSpPr>
+      <p:sp>
+        <p:nvSpPr>
+          <p:cNvPr id="274" name="PlaceHolder 1"/>
+          <p:cNvSpPr>
+            <a:spLocks noGrp="1"/>
+          </p:cNvSpPr>
+          <p:nvPr>
+            <p:ph type="title"/>
+          </p:nvPr>
+        </p:nvSpPr>
+        <p:spPr>
+          <a:xfrm>
+            <a:off x="1620000" y="216000"/>
+            <a:ext cx="8100000" cy="936000"/>
+          </a:xfrm>
+          <a:prstGeom prst="rect">
+            <a:avLst/>
+          </a:prstGeom>
+          <a:noFill/>
+          <a:ln w="0">
+            <a:noFill/>
+          </a:ln>
+        </p:spPr>
+        <p:txBody>
+          <a:bodyPr lIns="0" rIns="0" tIns="0" bIns="0" anchor="ctr">
+            <a:normAutofit/>
+          </a:bodyPr>
+          <a:p>
+            <a:pPr indent="0" algn="ctr">
+              <a:buNone/>
+            </a:pPr>
+            <a:r>
+              <a:rPr b="0" lang="zh-CN" sz="3300" spc="-1" strike="noStrike">
+                <a:solidFill>
+                  <a:srgbClr val="050505"/>
+                </a:solidFill>
+                <a:latin typeface="Times New Roman"/>
+              </a:rPr>
+              <a:t>证书</a:t>
+            </a:r>
+            <a:endParaRPr b="0" lang="en-US" sz="3300" spc="-1" strike="noStrike">
+              <a:solidFill>
+                <a:srgbClr val="050505"/>
+              </a:solidFill>
+              <a:latin typeface="Times New Roman"/>
+            </a:endParaRPr>
+          </a:p>
+        </p:txBody>
+      </p:sp>
+      <p:sp>
+        <p:nvSpPr>
+          <p:cNvPr id="275" name="PlaceHolder 2"/>
+          <p:cNvSpPr>
+            <a:spLocks noGrp="1"/>
+          </p:cNvSpPr>
+          <p:nvPr>
+            <p:ph/>
+          </p:nvPr>
+        </p:nvSpPr>
+        <p:spPr>
+          <a:xfrm>
+            <a:off x="1620000" y="1368000"/>
+            <a:ext cx="8100000" cy="3288240"/>
+          </a:xfrm>
+          <a:prstGeom prst="rect">
+            <a:avLst/>
+          </a:prstGeom>
+          <a:noFill/>
+          <a:ln w="0">
+            <a:noFill/>
+          </a:ln>
+        </p:spPr>
+        <p:txBody>
+          <a:bodyPr lIns="0" rIns="0" tIns="0" bIns="0" anchor="t">
+            <a:normAutofit/>
+          </a:bodyPr>
+          <a:p>
+            <a:pPr indent="0">
+              <a:spcAft>
+                <a:spcPts val="1060"/>
+              </a:spcAft>
+              <a:buNone/>
+            </a:pPr>
+            <a:endParaRPr b="0" lang="en-US" sz="2400" spc="-1" strike="noStrike">
+              <a:solidFill>
+                <a:srgbClr val="050505"/>
+              </a:solidFill>
+              <a:latin typeface="Arial"/>
+            </a:endParaRPr>
+          </a:p>
+        </p:txBody>
+      </p:sp>
+      <p:sp>
+        <p:nvSpPr>
+          <p:cNvPr id="4" name="PlaceHolder 3"/>
+          <p:cNvSpPr>
+            <a:spLocks noGrp="1"/>
+          </p:cNvSpPr>
+          <p:nvPr>
+            <p:ph type="sldNum" idx="3"/>
+          </p:nvPr>
+        </p:nvSpPr>
+        <p:spPr/>
+        <p:txBody>
+          <a:bodyPr/>
+          <a:p>
+            <a:fld id="{5B315536-A0F3-4A7E-8148-24D85CA55910}" type="slidenum">
+              <a:t>77</a:t>
+            </a:fld>
+          </a:p>
+        </p:txBody>
+      </p:sp>
+    </p:spTree>
+  </p:cSld>
+  <mc:AlternateContent>
+    <mc:Choice Requires="p14">
+      <p:transition spd="slow" p14:dur="2000"/>
+    </mc:Choice>
+    <mc:Fallback>
+      <p:transition spd="slow"/>
+    </mc:Fallback>
+  </mc:AlternateContent>
+</p:sld>
+</file>
+
+<file path=ppt/slides/slide78.xml><?xml version="1.0" encoding="utf-8"?>
+<p:sld xmlns:a="http://schemas.openxmlformats.org/drawingml/2006/main" xmlns:p="http://schemas.openxmlformats.org/presentationml/2006/main" xmlns:r="http://schemas.openxmlformats.org/officeDocument/2006/relationships" xmlns:p14="http://schemas.microsoft.com/office/powerpoint/2010/main" xmlns:p15="http://schemas.microsoft.com/office/powerpoint/2012/main" xmlns:mc="http://schemas.openxmlformats.org/markup-compatibility/2006">
+  <p:cSld>
+    <p:spTree>
+      <p:nvGrpSpPr>
+        <p:cNvPr id="1" name=""/>
+        <p:cNvGrpSpPr/>
+        <p:nvPr/>
+      </p:nvGrpSpPr>
+      <p:grpSpPr>
+        <a:xfrm>
+          <a:off x="0" y="0"/>
+          <a:ext cx="0" cy="0"/>
+          <a:chOff x="0" y="0"/>
+          <a:chExt cx="0" cy="0"/>
+        </a:xfrm>
+      </p:grpSpPr>
+      <p:sp>
+        <p:nvSpPr>
+          <p:cNvPr id="276" name="PlaceHolder 1"/>
+          <p:cNvSpPr>
+            <a:spLocks noGrp="1"/>
+          </p:cNvSpPr>
+          <p:nvPr>
+            <p:ph type="title"/>
+          </p:nvPr>
+        </p:nvSpPr>
+        <p:spPr>
+          <a:xfrm>
+            <a:off x="1620000" y="216000"/>
+            <a:ext cx="8100000" cy="936000"/>
+          </a:xfrm>
+          <a:prstGeom prst="rect">
+            <a:avLst/>
+          </a:prstGeom>
+          <a:noFill/>
+          <a:ln w="0">
+            <a:noFill/>
+          </a:ln>
+        </p:spPr>
+        <p:txBody>
+          <a:bodyPr lIns="0" rIns="0" tIns="0" bIns="0" anchor="ctr">
+            <a:normAutofit/>
+          </a:bodyPr>
+          <a:p>
+            <a:pPr indent="0" algn="ctr">
+              <a:buNone/>
+            </a:pPr>
+            <a:r>
+              <a:rPr b="0" lang="zh-CN" sz="3300" spc="-1" strike="noStrike">
+                <a:solidFill>
+                  <a:srgbClr val="050505"/>
+                </a:solidFill>
+                <a:latin typeface="Times New Roman"/>
+              </a:rPr>
+              <a:t>证实</a:t>
+            </a:r>
+            <a:endParaRPr b="0" lang="en-US" sz="3300" spc="-1" strike="noStrike">
+              <a:solidFill>
+                <a:srgbClr val="050505"/>
+              </a:solidFill>
+              <a:latin typeface="Times New Roman"/>
+            </a:endParaRPr>
+          </a:p>
+        </p:txBody>
+      </p:sp>
+      <p:sp>
+        <p:nvSpPr>
+          <p:cNvPr id="277" name="PlaceHolder 2"/>
+          <p:cNvSpPr>
+            <a:spLocks noGrp="1"/>
+          </p:cNvSpPr>
+          <p:nvPr>
+            <p:ph/>
+          </p:nvPr>
+        </p:nvSpPr>
+        <p:spPr>
+          <a:xfrm>
+            <a:off x="1620000" y="1368000"/>
+            <a:ext cx="8100000" cy="3288240"/>
+          </a:xfrm>
+          <a:prstGeom prst="rect">
+            <a:avLst/>
+          </a:prstGeom>
+          <a:noFill/>
+          <a:ln w="0">
+            <a:noFill/>
+          </a:ln>
+        </p:spPr>
+        <p:txBody>
+          <a:bodyPr lIns="0" rIns="0" tIns="0" bIns="0" anchor="t">
+            <a:normAutofit/>
+          </a:bodyPr>
+          <a:p>
+            <a:pPr indent="0">
+              <a:spcAft>
+                <a:spcPts val="1060"/>
+              </a:spcAft>
+              <a:buNone/>
+            </a:pPr>
+            <a:endParaRPr b="0" lang="en-US" sz="2400" spc="-1" strike="noStrike">
+              <a:solidFill>
+                <a:srgbClr val="050505"/>
+              </a:solidFill>
+              <a:latin typeface="Arial"/>
+            </a:endParaRPr>
+          </a:p>
+        </p:txBody>
+      </p:sp>
+      <p:sp>
+        <p:nvSpPr>
+          <p:cNvPr id="4" name="PlaceHolder 3"/>
+          <p:cNvSpPr>
+            <a:spLocks noGrp="1"/>
+          </p:cNvSpPr>
+          <p:nvPr>
+            <p:ph type="sldNum" idx="3"/>
+          </p:nvPr>
+        </p:nvSpPr>
+        <p:spPr/>
+        <p:txBody>
+          <a:bodyPr/>
+          <a:p>
+            <a:fld id="{50920BFC-6BA0-442C-9CD8-76FCDEFC1BB6}" type="slidenum">
+              <a:t>78</a:t>
+            </a:fld>
+          </a:p>
+        </p:txBody>
+      </p:sp>
+    </p:spTree>
+  </p:cSld>
+  <mc:AlternateContent>
+    <mc:Choice Requires="p14">
+      <p:transition spd="slow" p14:dur="2000"/>
+    </mc:Choice>
+    <mc:Fallback>
+      <p:transition spd="slow"/>
+    </mc:Fallback>
+  </mc:AlternateContent>
+</p:sld>
+</file>
+
+<file path=ppt/slides/slide79.xml><?xml version="1.0" encoding="utf-8"?>
+<p:sld xmlns:a="http://schemas.openxmlformats.org/drawingml/2006/main" xmlns:p="http://schemas.openxmlformats.org/presentationml/2006/main" xmlns:r="http://schemas.openxmlformats.org/officeDocument/2006/relationships" xmlns:p14="http://schemas.microsoft.com/office/powerpoint/2010/main" xmlns:p15="http://schemas.microsoft.com/office/powerpoint/2012/main" xmlns:mc="http://schemas.openxmlformats.org/markup-compatibility/2006">
+  <p:cSld>
+    <p:spTree>
+      <p:nvGrpSpPr>
+        <p:cNvPr id="1" name=""/>
+        <p:cNvGrpSpPr/>
+        <p:nvPr/>
+      </p:nvGrpSpPr>
+      <p:grpSpPr>
+        <a:xfrm>
+          <a:off x="0" y="0"/>
+          <a:ext cx="0" cy="0"/>
+          <a:chOff x="0" y="0"/>
+          <a:chExt cx="0" cy="0"/>
+        </a:xfrm>
+      </p:grpSpPr>
+      <p:sp>
+        <p:nvSpPr>
+          <p:cNvPr id="278" name="PlaceHolder 1"/>
+          <p:cNvSpPr>
+            <a:spLocks noGrp="1"/>
+          </p:cNvSpPr>
+          <p:nvPr>
+            <p:ph type="title"/>
+          </p:nvPr>
+        </p:nvSpPr>
+        <p:spPr>
+          <a:xfrm>
+            <a:off x="1620000" y="216000"/>
+            <a:ext cx="8100000" cy="936000"/>
+          </a:xfrm>
+          <a:prstGeom prst="rect">
+            <a:avLst/>
+          </a:prstGeom>
+          <a:noFill/>
+          <a:ln w="0">
+            <a:noFill/>
+          </a:ln>
+        </p:spPr>
+        <p:txBody>
+          <a:bodyPr lIns="0" rIns="0" tIns="0" bIns="0" anchor="ctr">
+            <a:normAutofit/>
+          </a:bodyPr>
+          <a:p>
+            <a:pPr indent="0" algn="ctr">
+              <a:buNone/>
+            </a:pPr>
+            <a:r>
+              <a:rPr b="0" lang="zh-CN" sz="3300" spc="-1" strike="noStrike">
+                <a:solidFill>
+                  <a:srgbClr val="050505"/>
+                </a:solidFill>
+                <a:latin typeface="Times New Roman"/>
+              </a:rPr>
+              <a:t>正义</a:t>
+            </a:r>
+            <a:endParaRPr b="0" lang="en-US" sz="3300" spc="-1" strike="noStrike">
+              <a:solidFill>
+                <a:srgbClr val="050505"/>
+              </a:solidFill>
+              <a:latin typeface="Times New Roman"/>
+            </a:endParaRPr>
+          </a:p>
+        </p:txBody>
+      </p:sp>
+      <p:sp>
+        <p:nvSpPr>
+          <p:cNvPr id="279" name="PlaceHolder 2"/>
+          <p:cNvSpPr>
+            <a:spLocks noGrp="1"/>
+          </p:cNvSpPr>
+          <p:nvPr>
+            <p:ph/>
+          </p:nvPr>
+        </p:nvSpPr>
+        <p:spPr>
+          <a:xfrm>
+            <a:off x="1620000" y="1368000"/>
+            <a:ext cx="8100000" cy="3288240"/>
+          </a:xfrm>
+          <a:prstGeom prst="rect">
+            <a:avLst/>
+          </a:prstGeom>
+          <a:noFill/>
+          <a:ln w="0">
+            <a:noFill/>
+          </a:ln>
+        </p:spPr>
+        <p:txBody>
+          <a:bodyPr lIns="0" rIns="0" tIns="0" bIns="0" anchor="t">
+            <a:normAutofit/>
+          </a:bodyPr>
+          <a:p>
+            <a:pPr indent="0">
+              <a:spcAft>
+                <a:spcPts val="1060"/>
+              </a:spcAft>
+              <a:buNone/>
+            </a:pPr>
+            <a:endParaRPr b="0" lang="en-US" sz="2400" spc="-1" strike="noStrike">
+              <a:solidFill>
+                <a:srgbClr val="050505"/>
+              </a:solidFill>
+              <a:latin typeface="Arial"/>
+            </a:endParaRPr>
+          </a:p>
+        </p:txBody>
+      </p:sp>
+      <p:sp>
+        <p:nvSpPr>
+          <p:cNvPr id="4" name="PlaceHolder 3"/>
+          <p:cNvSpPr>
+            <a:spLocks noGrp="1"/>
+          </p:cNvSpPr>
+          <p:nvPr>
+            <p:ph type="sldNum" idx="3"/>
+          </p:nvPr>
+        </p:nvSpPr>
+        <p:spPr/>
+        <p:txBody>
+          <a:bodyPr/>
+          <a:p>
+            <a:fld id="{07403A9C-13DE-4777-965C-F120A1392A2A}" type="slidenum">
+              <a:t>79</a:t>
             </a:fld>
           </a:p>
         </p:txBody>
@@ -28280,8 +30588,1428 @@
         <p:txBody>
           <a:bodyPr/>
           <a:p>
-            <a:fld id="{929ECD24-EE7F-406A-9419-0D925221749C}" type="slidenum">
+            <a:fld id="{65BA4597-F633-4890-ACDD-5157D6C43196}" type="slidenum">
               <a:t>8</a:t>
+            </a:fld>
+          </a:p>
+        </p:txBody>
+      </p:sp>
+    </p:spTree>
+  </p:cSld>
+  <mc:AlternateContent>
+    <mc:Choice Requires="p14">
+      <p:transition spd="slow" p14:dur="2000"/>
+    </mc:Choice>
+    <mc:Fallback>
+      <p:transition spd="slow"/>
+    </mc:Fallback>
+  </mc:AlternateContent>
+</p:sld>
+</file>
+
+<file path=ppt/slides/slide80.xml><?xml version="1.0" encoding="utf-8"?>
+<p:sld xmlns:a="http://schemas.openxmlformats.org/drawingml/2006/main" xmlns:p="http://schemas.openxmlformats.org/presentationml/2006/main" xmlns:r="http://schemas.openxmlformats.org/officeDocument/2006/relationships" xmlns:p14="http://schemas.microsoft.com/office/powerpoint/2010/main" xmlns:p15="http://schemas.microsoft.com/office/powerpoint/2012/main" xmlns:mc="http://schemas.openxmlformats.org/markup-compatibility/2006">
+  <p:cSld>
+    <p:spTree>
+      <p:nvGrpSpPr>
+        <p:cNvPr id="1" name=""/>
+        <p:cNvGrpSpPr/>
+        <p:nvPr/>
+      </p:nvGrpSpPr>
+      <p:grpSpPr>
+        <a:xfrm>
+          <a:off x="0" y="0"/>
+          <a:ext cx="0" cy="0"/>
+          <a:chOff x="0" y="0"/>
+          <a:chExt cx="0" cy="0"/>
+        </a:xfrm>
+      </p:grpSpPr>
+      <p:sp>
+        <p:nvSpPr>
+          <p:cNvPr id="280" name="PlaceHolder 1"/>
+          <p:cNvSpPr>
+            <a:spLocks noGrp="1"/>
+          </p:cNvSpPr>
+          <p:nvPr>
+            <p:ph type="title"/>
+          </p:nvPr>
+        </p:nvSpPr>
+        <p:spPr>
+          <a:xfrm>
+            <a:off x="1620000" y="216000"/>
+            <a:ext cx="8100000" cy="936000"/>
+          </a:xfrm>
+          <a:prstGeom prst="rect">
+            <a:avLst/>
+          </a:prstGeom>
+          <a:noFill/>
+          <a:ln w="0">
+            <a:noFill/>
+          </a:ln>
+        </p:spPr>
+        <p:txBody>
+          <a:bodyPr lIns="0" rIns="0" tIns="0" bIns="0" anchor="ctr">
+            <a:normAutofit/>
+          </a:bodyPr>
+          <a:p>
+            <a:pPr indent="0" algn="ctr">
+              <a:buNone/>
+            </a:pPr>
+            <a:r>
+              <a:rPr b="0" lang="zh-CN" sz="3300" spc="-1" strike="noStrike">
+                <a:solidFill>
+                  <a:srgbClr val="050505"/>
+                </a:solidFill>
+                <a:latin typeface="Times New Roman"/>
+              </a:rPr>
+              <a:t>正如</a:t>
+            </a:r>
+            <a:endParaRPr b="0" lang="en-US" sz="3300" spc="-1" strike="noStrike">
+              <a:solidFill>
+                <a:srgbClr val="050505"/>
+              </a:solidFill>
+              <a:latin typeface="Times New Roman"/>
+            </a:endParaRPr>
+          </a:p>
+        </p:txBody>
+      </p:sp>
+      <p:sp>
+        <p:nvSpPr>
+          <p:cNvPr id="281" name="PlaceHolder 2"/>
+          <p:cNvSpPr>
+            <a:spLocks noGrp="1"/>
+          </p:cNvSpPr>
+          <p:nvPr>
+            <p:ph/>
+          </p:nvPr>
+        </p:nvSpPr>
+        <p:spPr>
+          <a:xfrm>
+            <a:off x="1620000" y="1368000"/>
+            <a:ext cx="8100000" cy="3288240"/>
+          </a:xfrm>
+          <a:prstGeom prst="rect">
+            <a:avLst/>
+          </a:prstGeom>
+          <a:noFill/>
+          <a:ln w="0">
+            <a:noFill/>
+          </a:ln>
+        </p:spPr>
+        <p:txBody>
+          <a:bodyPr lIns="0" rIns="0" tIns="0" bIns="0" anchor="t">
+            <a:normAutofit/>
+          </a:bodyPr>
+          <a:p>
+            <a:pPr indent="0">
+              <a:spcAft>
+                <a:spcPts val="1060"/>
+              </a:spcAft>
+              <a:buNone/>
+            </a:pPr>
+            <a:endParaRPr b="0" lang="en-US" sz="2400" spc="-1" strike="noStrike">
+              <a:solidFill>
+                <a:srgbClr val="050505"/>
+              </a:solidFill>
+              <a:latin typeface="Arial"/>
+            </a:endParaRPr>
+          </a:p>
+        </p:txBody>
+      </p:sp>
+      <p:sp>
+        <p:nvSpPr>
+          <p:cNvPr id="4" name="PlaceHolder 3"/>
+          <p:cNvSpPr>
+            <a:spLocks noGrp="1"/>
+          </p:cNvSpPr>
+          <p:nvPr>
+            <p:ph type="sldNum" idx="3"/>
+          </p:nvPr>
+        </p:nvSpPr>
+        <p:spPr/>
+        <p:txBody>
+          <a:bodyPr/>
+          <a:p>
+            <a:fld id="{AC5F0E31-47F8-45FB-BB77-00D05A6654BF}" type="slidenum">
+              <a:t>80</a:t>
+            </a:fld>
+          </a:p>
+        </p:txBody>
+      </p:sp>
+    </p:spTree>
+  </p:cSld>
+  <mc:AlternateContent>
+    <mc:Choice Requires="p14">
+      <p:transition spd="slow" p14:dur="2000"/>
+    </mc:Choice>
+    <mc:Fallback>
+      <p:transition spd="slow"/>
+    </mc:Fallback>
+  </mc:AlternateContent>
+</p:sld>
+</file>
+
+<file path=ppt/slides/slide81.xml><?xml version="1.0" encoding="utf-8"?>
+<p:sld xmlns:a="http://schemas.openxmlformats.org/drawingml/2006/main" xmlns:p="http://schemas.openxmlformats.org/presentationml/2006/main" xmlns:r="http://schemas.openxmlformats.org/officeDocument/2006/relationships" xmlns:p14="http://schemas.microsoft.com/office/powerpoint/2010/main" xmlns:p15="http://schemas.microsoft.com/office/powerpoint/2012/main" xmlns:mc="http://schemas.openxmlformats.org/markup-compatibility/2006">
+  <p:cSld>
+    <p:spTree>
+      <p:nvGrpSpPr>
+        <p:cNvPr id="1" name=""/>
+        <p:cNvGrpSpPr/>
+        <p:nvPr/>
+      </p:nvGrpSpPr>
+      <p:grpSpPr>
+        <a:xfrm>
+          <a:off x="0" y="0"/>
+          <a:ext cx="0" cy="0"/>
+          <a:chOff x="0" y="0"/>
+          <a:chExt cx="0" cy="0"/>
+        </a:xfrm>
+      </p:grpSpPr>
+      <p:sp>
+        <p:nvSpPr>
+          <p:cNvPr id="282" name="PlaceHolder 1"/>
+          <p:cNvSpPr>
+            <a:spLocks noGrp="1"/>
+          </p:cNvSpPr>
+          <p:nvPr>
+            <p:ph type="title"/>
+          </p:nvPr>
+        </p:nvSpPr>
+        <p:spPr>
+          <a:xfrm>
+            <a:off x="1620000" y="216000"/>
+            <a:ext cx="8100000" cy="936000"/>
+          </a:xfrm>
+          <a:prstGeom prst="rect">
+            <a:avLst/>
+          </a:prstGeom>
+          <a:noFill/>
+          <a:ln w="0">
+            <a:noFill/>
+          </a:ln>
+        </p:spPr>
+        <p:txBody>
+          <a:bodyPr lIns="0" rIns="0" tIns="0" bIns="0" anchor="ctr">
+            <a:normAutofit/>
+          </a:bodyPr>
+          <a:p>
+            <a:pPr indent="0" algn="ctr">
+              <a:buNone/>
+            </a:pPr>
+            <a:r>
+              <a:rPr b="0" lang="zh-CN" sz="3300" spc="-1" strike="noStrike">
+                <a:solidFill>
+                  <a:srgbClr val="050505"/>
+                </a:solidFill>
+                <a:latin typeface="Times New Roman"/>
+              </a:rPr>
+              <a:t>正规</a:t>
+            </a:r>
+            <a:endParaRPr b="0" lang="en-US" sz="3300" spc="-1" strike="noStrike">
+              <a:solidFill>
+                <a:srgbClr val="050505"/>
+              </a:solidFill>
+              <a:latin typeface="Times New Roman"/>
+            </a:endParaRPr>
+          </a:p>
+        </p:txBody>
+      </p:sp>
+      <p:sp>
+        <p:nvSpPr>
+          <p:cNvPr id="283" name="PlaceHolder 2"/>
+          <p:cNvSpPr>
+            <a:spLocks noGrp="1"/>
+          </p:cNvSpPr>
+          <p:nvPr>
+            <p:ph/>
+          </p:nvPr>
+        </p:nvSpPr>
+        <p:spPr>
+          <a:xfrm>
+            <a:off x="1620000" y="1368000"/>
+            <a:ext cx="8100000" cy="3288240"/>
+          </a:xfrm>
+          <a:prstGeom prst="rect">
+            <a:avLst/>
+          </a:prstGeom>
+          <a:noFill/>
+          <a:ln w="0">
+            <a:noFill/>
+          </a:ln>
+        </p:spPr>
+        <p:txBody>
+          <a:bodyPr lIns="0" rIns="0" tIns="0" bIns="0" anchor="t">
+            <a:normAutofit/>
+          </a:bodyPr>
+          <a:p>
+            <a:pPr indent="0">
+              <a:spcAft>
+                <a:spcPts val="1060"/>
+              </a:spcAft>
+              <a:buNone/>
+            </a:pPr>
+            <a:endParaRPr b="0" lang="en-US" sz="2400" spc="-1" strike="noStrike">
+              <a:solidFill>
+                <a:srgbClr val="050505"/>
+              </a:solidFill>
+              <a:latin typeface="Arial"/>
+            </a:endParaRPr>
+          </a:p>
+        </p:txBody>
+      </p:sp>
+      <p:sp>
+        <p:nvSpPr>
+          <p:cNvPr id="4" name="PlaceHolder 3"/>
+          <p:cNvSpPr>
+            <a:spLocks noGrp="1"/>
+          </p:cNvSpPr>
+          <p:nvPr>
+            <p:ph type="sldNum" idx="3"/>
+          </p:nvPr>
+        </p:nvSpPr>
+        <p:spPr/>
+        <p:txBody>
+          <a:bodyPr/>
+          <a:p>
+            <a:fld id="{7CBA6FA1-46F2-4A95-8C7D-0BA281066A32}" type="slidenum">
+              <a:t>81</a:t>
+            </a:fld>
+          </a:p>
+        </p:txBody>
+      </p:sp>
+    </p:spTree>
+  </p:cSld>
+  <mc:AlternateContent>
+    <mc:Choice Requires="p14">
+      <p:transition spd="slow" p14:dur="2000"/>
+    </mc:Choice>
+    <mc:Fallback>
+      <p:transition spd="slow"/>
+    </mc:Fallback>
+  </mc:AlternateContent>
+</p:sld>
+</file>
+
+<file path=ppt/slides/slide82.xml><?xml version="1.0" encoding="utf-8"?>
+<p:sld xmlns:a="http://schemas.openxmlformats.org/drawingml/2006/main" xmlns:p="http://schemas.openxmlformats.org/presentationml/2006/main" xmlns:r="http://schemas.openxmlformats.org/officeDocument/2006/relationships" xmlns:p14="http://schemas.microsoft.com/office/powerpoint/2010/main" xmlns:p15="http://schemas.microsoft.com/office/powerpoint/2012/main" xmlns:mc="http://schemas.openxmlformats.org/markup-compatibility/2006">
+  <p:cSld>
+    <p:spTree>
+      <p:nvGrpSpPr>
+        <p:cNvPr id="1" name=""/>
+        <p:cNvGrpSpPr/>
+        <p:nvPr/>
+      </p:nvGrpSpPr>
+      <p:grpSpPr>
+        <a:xfrm>
+          <a:off x="0" y="0"/>
+          <a:ext cx="0" cy="0"/>
+          <a:chOff x="0" y="0"/>
+          <a:chExt cx="0" cy="0"/>
+        </a:xfrm>
+      </p:grpSpPr>
+      <p:sp>
+        <p:nvSpPr>
+          <p:cNvPr id="284" name="PlaceHolder 1"/>
+          <p:cNvSpPr>
+            <a:spLocks noGrp="1"/>
+          </p:cNvSpPr>
+          <p:nvPr>
+            <p:ph type="title"/>
+          </p:nvPr>
+        </p:nvSpPr>
+        <p:spPr>
+          <a:xfrm>
+            <a:off x="1620000" y="216000"/>
+            <a:ext cx="8100000" cy="936000"/>
+          </a:xfrm>
+          <a:prstGeom prst="rect">
+            <a:avLst/>
+          </a:prstGeom>
+          <a:noFill/>
+          <a:ln w="0">
+            <a:noFill/>
+          </a:ln>
+        </p:spPr>
+        <p:txBody>
+          <a:bodyPr lIns="0" rIns="0" tIns="0" bIns="0" anchor="ctr">
+            <a:normAutofit/>
+          </a:bodyPr>
+          <a:p>
+            <a:pPr indent="0" algn="ctr">
+              <a:buNone/>
+            </a:pPr>
+            <a:r>
+              <a:rPr b="0" lang="zh-CN" sz="3300" spc="-1" strike="noStrike">
+                <a:solidFill>
+                  <a:srgbClr val="050505"/>
+                </a:solidFill>
+                <a:latin typeface="Times New Roman"/>
+              </a:rPr>
+              <a:t>正版</a:t>
+            </a:r>
+            <a:endParaRPr b="0" lang="en-US" sz="3300" spc="-1" strike="noStrike">
+              <a:solidFill>
+                <a:srgbClr val="050505"/>
+              </a:solidFill>
+              <a:latin typeface="Times New Roman"/>
+            </a:endParaRPr>
+          </a:p>
+        </p:txBody>
+      </p:sp>
+      <p:sp>
+        <p:nvSpPr>
+          <p:cNvPr id="285" name="PlaceHolder 2"/>
+          <p:cNvSpPr>
+            <a:spLocks noGrp="1"/>
+          </p:cNvSpPr>
+          <p:nvPr>
+            <p:ph/>
+          </p:nvPr>
+        </p:nvSpPr>
+        <p:spPr>
+          <a:xfrm>
+            <a:off x="1620000" y="1368000"/>
+            <a:ext cx="8100000" cy="3288240"/>
+          </a:xfrm>
+          <a:prstGeom prst="rect">
+            <a:avLst/>
+          </a:prstGeom>
+          <a:noFill/>
+          <a:ln w="0">
+            <a:noFill/>
+          </a:ln>
+        </p:spPr>
+        <p:txBody>
+          <a:bodyPr lIns="0" rIns="0" tIns="0" bIns="0" anchor="t">
+            <a:normAutofit/>
+          </a:bodyPr>
+          <a:p>
+            <a:pPr indent="0">
+              <a:spcAft>
+                <a:spcPts val="1060"/>
+              </a:spcAft>
+              <a:buNone/>
+            </a:pPr>
+            <a:endParaRPr b="0" lang="en-US" sz="2400" spc="-1" strike="noStrike">
+              <a:solidFill>
+                <a:srgbClr val="050505"/>
+              </a:solidFill>
+              <a:latin typeface="Arial"/>
+            </a:endParaRPr>
+          </a:p>
+        </p:txBody>
+      </p:sp>
+      <p:sp>
+        <p:nvSpPr>
+          <p:cNvPr id="4" name="PlaceHolder 3"/>
+          <p:cNvSpPr>
+            <a:spLocks noGrp="1"/>
+          </p:cNvSpPr>
+          <p:nvPr>
+            <p:ph type="sldNum" idx="3"/>
+          </p:nvPr>
+        </p:nvSpPr>
+        <p:spPr/>
+        <p:txBody>
+          <a:bodyPr/>
+          <a:p>
+            <a:fld id="{858212E1-C0BB-4893-98B3-7EEA228B649F}" type="slidenum">
+              <a:t>82</a:t>
+            </a:fld>
+          </a:p>
+        </p:txBody>
+      </p:sp>
+    </p:spTree>
+  </p:cSld>
+  <mc:AlternateContent>
+    <mc:Choice Requires="p14">
+      <p:transition spd="slow" p14:dur="2000"/>
+    </mc:Choice>
+    <mc:Fallback>
+      <p:transition spd="slow"/>
+    </mc:Fallback>
+  </mc:AlternateContent>
+</p:sld>
+</file>
+
+<file path=ppt/slides/slide83.xml><?xml version="1.0" encoding="utf-8"?>
+<p:sld xmlns:a="http://schemas.openxmlformats.org/drawingml/2006/main" xmlns:p="http://schemas.openxmlformats.org/presentationml/2006/main" xmlns:r="http://schemas.openxmlformats.org/officeDocument/2006/relationships" xmlns:p14="http://schemas.microsoft.com/office/powerpoint/2010/main" xmlns:p15="http://schemas.microsoft.com/office/powerpoint/2012/main" xmlns:mc="http://schemas.openxmlformats.org/markup-compatibility/2006">
+  <p:cSld>
+    <p:spTree>
+      <p:nvGrpSpPr>
+        <p:cNvPr id="1" name=""/>
+        <p:cNvGrpSpPr/>
+        <p:nvPr/>
+      </p:nvGrpSpPr>
+      <p:grpSpPr>
+        <a:xfrm>
+          <a:off x="0" y="0"/>
+          <a:ext cx="0" cy="0"/>
+          <a:chOff x="0" y="0"/>
+          <a:chExt cx="0" cy="0"/>
+        </a:xfrm>
+      </p:grpSpPr>
+      <p:sp>
+        <p:nvSpPr>
+          <p:cNvPr id="286" name="PlaceHolder 1"/>
+          <p:cNvSpPr>
+            <a:spLocks noGrp="1"/>
+          </p:cNvSpPr>
+          <p:nvPr>
+            <p:ph type="title"/>
+          </p:nvPr>
+        </p:nvSpPr>
+        <p:spPr>
+          <a:xfrm>
+            <a:off x="1620000" y="216000"/>
+            <a:ext cx="8100000" cy="936000"/>
+          </a:xfrm>
+          <a:prstGeom prst="rect">
+            <a:avLst/>
+          </a:prstGeom>
+          <a:noFill/>
+          <a:ln w="0">
+            <a:noFill/>
+          </a:ln>
+        </p:spPr>
+        <p:txBody>
+          <a:bodyPr lIns="0" rIns="0" tIns="0" bIns="0" anchor="ctr">
+            <a:normAutofit/>
+          </a:bodyPr>
+          <a:p>
+            <a:pPr indent="0" algn="ctr">
+              <a:buNone/>
+            </a:pPr>
+            <a:r>
+              <a:rPr b="0" lang="zh-CN" sz="3300" spc="-1" strike="noStrike">
+                <a:solidFill>
+                  <a:srgbClr val="050505"/>
+                </a:solidFill>
+                <a:latin typeface="Times New Roman"/>
+              </a:rPr>
+              <a:t>争议</a:t>
+            </a:r>
+            <a:endParaRPr b="0" lang="en-US" sz="3300" spc="-1" strike="noStrike">
+              <a:solidFill>
+                <a:srgbClr val="050505"/>
+              </a:solidFill>
+              <a:latin typeface="Times New Roman"/>
+            </a:endParaRPr>
+          </a:p>
+        </p:txBody>
+      </p:sp>
+      <p:sp>
+        <p:nvSpPr>
+          <p:cNvPr id="287" name="PlaceHolder 2"/>
+          <p:cNvSpPr>
+            <a:spLocks noGrp="1"/>
+          </p:cNvSpPr>
+          <p:nvPr>
+            <p:ph/>
+          </p:nvPr>
+        </p:nvSpPr>
+        <p:spPr>
+          <a:xfrm>
+            <a:off x="1620000" y="1368000"/>
+            <a:ext cx="8100000" cy="3288240"/>
+          </a:xfrm>
+          <a:prstGeom prst="rect">
+            <a:avLst/>
+          </a:prstGeom>
+          <a:noFill/>
+          <a:ln w="0">
+            <a:noFill/>
+          </a:ln>
+        </p:spPr>
+        <p:txBody>
+          <a:bodyPr lIns="0" rIns="0" tIns="0" bIns="0" anchor="t">
+            <a:normAutofit/>
+          </a:bodyPr>
+          <a:p>
+            <a:pPr indent="0">
+              <a:spcAft>
+                <a:spcPts val="1060"/>
+              </a:spcAft>
+              <a:buNone/>
+            </a:pPr>
+            <a:endParaRPr b="0" lang="en-US" sz="2400" spc="-1" strike="noStrike">
+              <a:solidFill>
+                <a:srgbClr val="050505"/>
+              </a:solidFill>
+              <a:latin typeface="Arial"/>
+            </a:endParaRPr>
+          </a:p>
+        </p:txBody>
+      </p:sp>
+      <p:sp>
+        <p:nvSpPr>
+          <p:cNvPr id="4" name="PlaceHolder 3"/>
+          <p:cNvSpPr>
+            <a:spLocks noGrp="1"/>
+          </p:cNvSpPr>
+          <p:nvPr>
+            <p:ph type="sldNum" idx="3"/>
+          </p:nvPr>
+        </p:nvSpPr>
+        <p:spPr/>
+        <p:txBody>
+          <a:bodyPr/>
+          <a:p>
+            <a:fld id="{50949561-D8E6-4806-9749-F03BC2085B43}" type="slidenum">
+              <a:t>83</a:t>
+            </a:fld>
+          </a:p>
+        </p:txBody>
+      </p:sp>
+    </p:spTree>
+  </p:cSld>
+  <mc:AlternateContent>
+    <mc:Choice Requires="p14">
+      <p:transition spd="slow" p14:dur="2000"/>
+    </mc:Choice>
+    <mc:Fallback>
+      <p:transition spd="slow"/>
+    </mc:Fallback>
+  </mc:AlternateContent>
+</p:sld>
+</file>
+
+<file path=ppt/slides/slide84.xml><?xml version="1.0" encoding="utf-8"?>
+<p:sld xmlns:a="http://schemas.openxmlformats.org/drawingml/2006/main" xmlns:p="http://schemas.openxmlformats.org/presentationml/2006/main" xmlns:r="http://schemas.openxmlformats.org/officeDocument/2006/relationships" xmlns:p14="http://schemas.microsoft.com/office/powerpoint/2010/main" xmlns:p15="http://schemas.microsoft.com/office/powerpoint/2012/main" xmlns:mc="http://schemas.openxmlformats.org/markup-compatibility/2006">
+  <p:cSld>
+    <p:spTree>
+      <p:nvGrpSpPr>
+        <p:cNvPr id="1" name=""/>
+        <p:cNvGrpSpPr/>
+        <p:nvPr/>
+      </p:nvGrpSpPr>
+      <p:grpSpPr>
+        <a:xfrm>
+          <a:off x="0" y="0"/>
+          <a:ext cx="0" cy="0"/>
+          <a:chOff x="0" y="0"/>
+          <a:chExt cx="0" cy="0"/>
+        </a:xfrm>
+      </p:grpSpPr>
+      <p:sp>
+        <p:nvSpPr>
+          <p:cNvPr id="288" name="PlaceHolder 1"/>
+          <p:cNvSpPr>
+            <a:spLocks noGrp="1"/>
+          </p:cNvSpPr>
+          <p:nvPr>
+            <p:ph type="title"/>
+          </p:nvPr>
+        </p:nvSpPr>
+        <p:spPr>
+          <a:xfrm>
+            <a:off x="1620000" y="216000"/>
+            <a:ext cx="8100000" cy="936000"/>
+          </a:xfrm>
+          <a:prstGeom prst="rect">
+            <a:avLst/>
+          </a:prstGeom>
+          <a:noFill/>
+          <a:ln w="0">
+            <a:noFill/>
+          </a:ln>
+        </p:spPr>
+        <p:txBody>
+          <a:bodyPr lIns="0" rIns="0" tIns="0" bIns="0" anchor="ctr">
+            <a:normAutofit/>
+          </a:bodyPr>
+          <a:p>
+            <a:pPr indent="0" algn="ctr">
+              <a:buNone/>
+            </a:pPr>
+            <a:r>
+              <a:rPr b="0" lang="zh-CN" sz="3300" spc="-1" strike="noStrike">
+                <a:solidFill>
+                  <a:srgbClr val="050505"/>
+                </a:solidFill>
+                <a:latin typeface="Times New Roman"/>
+              </a:rPr>
+              <a:t>震惊</a:t>
+            </a:r>
+            <a:endParaRPr b="0" lang="en-US" sz="3300" spc="-1" strike="noStrike">
+              <a:solidFill>
+                <a:srgbClr val="050505"/>
+              </a:solidFill>
+              <a:latin typeface="Times New Roman"/>
+            </a:endParaRPr>
+          </a:p>
+        </p:txBody>
+      </p:sp>
+      <p:sp>
+        <p:nvSpPr>
+          <p:cNvPr id="289" name="PlaceHolder 2"/>
+          <p:cNvSpPr>
+            <a:spLocks noGrp="1"/>
+          </p:cNvSpPr>
+          <p:nvPr>
+            <p:ph/>
+          </p:nvPr>
+        </p:nvSpPr>
+        <p:spPr>
+          <a:xfrm>
+            <a:off x="1620000" y="1368000"/>
+            <a:ext cx="8100000" cy="3288240"/>
+          </a:xfrm>
+          <a:prstGeom prst="rect">
+            <a:avLst/>
+          </a:prstGeom>
+          <a:noFill/>
+          <a:ln w="0">
+            <a:noFill/>
+          </a:ln>
+        </p:spPr>
+        <p:txBody>
+          <a:bodyPr lIns="0" rIns="0" tIns="0" bIns="0" anchor="t">
+            <a:normAutofit/>
+          </a:bodyPr>
+          <a:p>
+            <a:pPr indent="0">
+              <a:spcAft>
+                <a:spcPts val="1060"/>
+              </a:spcAft>
+              <a:buNone/>
+            </a:pPr>
+            <a:endParaRPr b="0" lang="en-US" sz="2400" spc="-1" strike="noStrike">
+              <a:solidFill>
+                <a:srgbClr val="050505"/>
+              </a:solidFill>
+              <a:latin typeface="Arial"/>
+            </a:endParaRPr>
+          </a:p>
+        </p:txBody>
+      </p:sp>
+      <p:sp>
+        <p:nvSpPr>
+          <p:cNvPr id="4" name="PlaceHolder 3"/>
+          <p:cNvSpPr>
+            <a:spLocks noGrp="1"/>
+          </p:cNvSpPr>
+          <p:nvPr>
+            <p:ph type="sldNum" idx="3"/>
+          </p:nvPr>
+        </p:nvSpPr>
+        <p:spPr/>
+        <p:txBody>
+          <a:bodyPr/>
+          <a:p>
+            <a:fld id="{AFDEE36C-57B7-4CAB-A327-5EE595784D9F}" type="slidenum">
+              <a:t>84</a:t>
+            </a:fld>
+          </a:p>
+        </p:txBody>
+      </p:sp>
+    </p:spTree>
+  </p:cSld>
+  <mc:AlternateContent>
+    <mc:Choice Requires="p14">
+      <p:transition spd="slow" p14:dur="2000"/>
+    </mc:Choice>
+    <mc:Fallback>
+      <p:transition spd="slow"/>
+    </mc:Fallback>
+  </mc:AlternateContent>
+</p:sld>
+</file>
+
+<file path=ppt/slides/slide85.xml><?xml version="1.0" encoding="utf-8"?>
+<p:sld xmlns:a="http://schemas.openxmlformats.org/drawingml/2006/main" xmlns:p="http://schemas.openxmlformats.org/presentationml/2006/main" xmlns:r="http://schemas.openxmlformats.org/officeDocument/2006/relationships" xmlns:p14="http://schemas.microsoft.com/office/powerpoint/2010/main" xmlns:p15="http://schemas.microsoft.com/office/powerpoint/2012/main" xmlns:mc="http://schemas.openxmlformats.org/markup-compatibility/2006">
+  <p:cSld>
+    <p:spTree>
+      <p:nvGrpSpPr>
+        <p:cNvPr id="1" name=""/>
+        <p:cNvGrpSpPr/>
+        <p:nvPr/>
+      </p:nvGrpSpPr>
+      <p:grpSpPr>
+        <a:xfrm>
+          <a:off x="0" y="0"/>
+          <a:ext cx="0" cy="0"/>
+          <a:chOff x="0" y="0"/>
+          <a:chExt cx="0" cy="0"/>
+        </a:xfrm>
+      </p:grpSpPr>
+      <p:sp>
+        <p:nvSpPr>
+          <p:cNvPr id="290" name="PlaceHolder 1"/>
+          <p:cNvSpPr>
+            <a:spLocks noGrp="1"/>
+          </p:cNvSpPr>
+          <p:nvPr>
+            <p:ph type="title"/>
+          </p:nvPr>
+        </p:nvSpPr>
+        <p:spPr>
+          <a:xfrm>
+            <a:off x="1620000" y="216000"/>
+            <a:ext cx="8100000" cy="936000"/>
+          </a:xfrm>
+          <a:prstGeom prst="rect">
+            <a:avLst/>
+          </a:prstGeom>
+          <a:noFill/>
+          <a:ln w="0">
+            <a:noFill/>
+          </a:ln>
+        </p:spPr>
+        <p:txBody>
+          <a:bodyPr lIns="0" rIns="0" tIns="0" bIns="0" anchor="ctr">
+            <a:normAutofit/>
+          </a:bodyPr>
+          <a:p>
+            <a:pPr indent="0" algn="ctr">
+              <a:buNone/>
+            </a:pPr>
+            <a:r>
+              <a:rPr b="0" lang="zh-CN" sz="3300" spc="-1" strike="noStrike">
+                <a:solidFill>
+                  <a:srgbClr val="050505"/>
+                </a:solidFill>
+                <a:latin typeface="Times New Roman"/>
+              </a:rPr>
+              <a:t>振动</a:t>
+            </a:r>
+            <a:endParaRPr b="0" lang="en-US" sz="3300" spc="-1" strike="noStrike">
+              <a:solidFill>
+                <a:srgbClr val="050505"/>
+              </a:solidFill>
+              <a:latin typeface="Times New Roman"/>
+            </a:endParaRPr>
+          </a:p>
+        </p:txBody>
+      </p:sp>
+      <p:sp>
+        <p:nvSpPr>
+          <p:cNvPr id="291" name="PlaceHolder 2"/>
+          <p:cNvSpPr>
+            <a:spLocks noGrp="1"/>
+          </p:cNvSpPr>
+          <p:nvPr>
+            <p:ph/>
+          </p:nvPr>
+        </p:nvSpPr>
+        <p:spPr>
+          <a:xfrm>
+            <a:off x="1620000" y="1368000"/>
+            <a:ext cx="8100000" cy="3288240"/>
+          </a:xfrm>
+          <a:prstGeom prst="rect">
+            <a:avLst/>
+          </a:prstGeom>
+          <a:noFill/>
+          <a:ln w="0">
+            <a:noFill/>
+          </a:ln>
+        </p:spPr>
+        <p:txBody>
+          <a:bodyPr lIns="0" rIns="0" tIns="0" bIns="0" anchor="t">
+            <a:normAutofit/>
+          </a:bodyPr>
+          <a:p>
+            <a:pPr indent="0">
+              <a:spcAft>
+                <a:spcPts val="1060"/>
+              </a:spcAft>
+              <a:buNone/>
+            </a:pPr>
+            <a:endParaRPr b="0" lang="en-US" sz="2400" spc="-1" strike="noStrike">
+              <a:solidFill>
+                <a:srgbClr val="050505"/>
+              </a:solidFill>
+              <a:latin typeface="Arial"/>
+            </a:endParaRPr>
+          </a:p>
+        </p:txBody>
+      </p:sp>
+      <p:sp>
+        <p:nvSpPr>
+          <p:cNvPr id="4" name="PlaceHolder 3"/>
+          <p:cNvSpPr>
+            <a:spLocks noGrp="1"/>
+          </p:cNvSpPr>
+          <p:nvPr>
+            <p:ph type="sldNum" idx="3"/>
+          </p:nvPr>
+        </p:nvSpPr>
+        <p:spPr/>
+        <p:txBody>
+          <a:bodyPr/>
+          <a:p>
+            <a:fld id="{685604DD-A7A3-4367-B9E2-337C36A7C1A4}" type="slidenum">
+              <a:t>85</a:t>
+            </a:fld>
+          </a:p>
+        </p:txBody>
+      </p:sp>
+    </p:spTree>
+  </p:cSld>
+  <mc:AlternateContent>
+    <mc:Choice Requires="p14">
+      <p:transition spd="slow" p14:dur="2000"/>
+    </mc:Choice>
+    <mc:Fallback>
+      <p:transition spd="slow"/>
+    </mc:Fallback>
+  </mc:AlternateContent>
+</p:sld>
+</file>
+
+<file path=ppt/slides/slide86.xml><?xml version="1.0" encoding="utf-8"?>
+<p:sld xmlns:a="http://schemas.openxmlformats.org/drawingml/2006/main" xmlns:p="http://schemas.openxmlformats.org/presentationml/2006/main" xmlns:r="http://schemas.openxmlformats.org/officeDocument/2006/relationships" xmlns:p14="http://schemas.microsoft.com/office/powerpoint/2010/main" xmlns:p15="http://schemas.microsoft.com/office/powerpoint/2012/main" xmlns:mc="http://schemas.openxmlformats.org/markup-compatibility/2006">
+  <p:cSld>
+    <p:spTree>
+      <p:nvGrpSpPr>
+        <p:cNvPr id="1" name=""/>
+        <p:cNvGrpSpPr/>
+        <p:nvPr/>
+      </p:nvGrpSpPr>
+      <p:grpSpPr>
+        <a:xfrm>
+          <a:off x="0" y="0"/>
+          <a:ext cx="0" cy="0"/>
+          <a:chOff x="0" y="0"/>
+          <a:chExt cx="0" cy="0"/>
+        </a:xfrm>
+      </p:grpSpPr>
+      <p:sp>
+        <p:nvSpPr>
+          <p:cNvPr id="292" name="PlaceHolder 1"/>
+          <p:cNvSpPr>
+            <a:spLocks noGrp="1"/>
+          </p:cNvSpPr>
+          <p:nvPr>
+            <p:ph type="title"/>
+          </p:nvPr>
+        </p:nvSpPr>
+        <p:spPr>
+          <a:xfrm>
+            <a:off x="1620000" y="216000"/>
+            <a:ext cx="8100000" cy="936000"/>
+          </a:xfrm>
+          <a:prstGeom prst="rect">
+            <a:avLst/>
+          </a:prstGeom>
+          <a:noFill/>
+          <a:ln w="0">
+            <a:noFill/>
+          </a:ln>
+        </p:spPr>
+        <p:txBody>
+          <a:bodyPr lIns="0" rIns="0" tIns="0" bIns="0" anchor="ctr">
+            <a:normAutofit/>
+          </a:bodyPr>
+          <a:p>
+            <a:pPr indent="0" algn="ctr">
+              <a:buNone/>
+            </a:pPr>
+            <a:r>
+              <a:rPr b="0" lang="zh-CN" sz="3300" spc="-1" strike="noStrike">
+                <a:solidFill>
+                  <a:srgbClr val="050505"/>
+                </a:solidFill>
+                <a:latin typeface="Times New Roman"/>
+              </a:rPr>
+              <a:t>诊断</a:t>
+            </a:r>
+            <a:endParaRPr b="0" lang="en-US" sz="3300" spc="-1" strike="noStrike">
+              <a:solidFill>
+                <a:srgbClr val="050505"/>
+              </a:solidFill>
+              <a:latin typeface="Times New Roman"/>
+            </a:endParaRPr>
+          </a:p>
+        </p:txBody>
+      </p:sp>
+      <p:sp>
+        <p:nvSpPr>
+          <p:cNvPr id="293" name="PlaceHolder 2"/>
+          <p:cNvSpPr>
+            <a:spLocks noGrp="1"/>
+          </p:cNvSpPr>
+          <p:nvPr>
+            <p:ph/>
+          </p:nvPr>
+        </p:nvSpPr>
+        <p:spPr>
+          <a:xfrm>
+            <a:off x="1620000" y="1368000"/>
+            <a:ext cx="8100000" cy="3288240"/>
+          </a:xfrm>
+          <a:prstGeom prst="rect">
+            <a:avLst/>
+          </a:prstGeom>
+          <a:noFill/>
+          <a:ln w="0">
+            <a:noFill/>
+          </a:ln>
+        </p:spPr>
+        <p:txBody>
+          <a:bodyPr lIns="0" rIns="0" tIns="0" bIns="0" anchor="t">
+            <a:normAutofit/>
+          </a:bodyPr>
+          <a:p>
+            <a:pPr indent="0">
+              <a:spcAft>
+                <a:spcPts val="1060"/>
+              </a:spcAft>
+              <a:buNone/>
+            </a:pPr>
+            <a:endParaRPr b="0" lang="en-US" sz="2400" spc="-1" strike="noStrike">
+              <a:solidFill>
+                <a:srgbClr val="050505"/>
+              </a:solidFill>
+              <a:latin typeface="Arial"/>
+            </a:endParaRPr>
+          </a:p>
+        </p:txBody>
+      </p:sp>
+      <p:sp>
+        <p:nvSpPr>
+          <p:cNvPr id="4" name="PlaceHolder 3"/>
+          <p:cNvSpPr>
+            <a:spLocks noGrp="1"/>
+          </p:cNvSpPr>
+          <p:nvPr>
+            <p:ph type="sldNum" idx="3"/>
+          </p:nvPr>
+        </p:nvSpPr>
+        <p:spPr/>
+        <p:txBody>
+          <a:bodyPr/>
+          <a:p>
+            <a:fld id="{1C5457F4-4A2E-40CE-AD1C-315725C717D0}" type="slidenum">
+              <a:t>86</a:t>
+            </a:fld>
+          </a:p>
+        </p:txBody>
+      </p:sp>
+    </p:spTree>
+  </p:cSld>
+  <mc:AlternateContent>
+    <mc:Choice Requires="p14">
+      <p:transition spd="slow" p14:dur="2000"/>
+    </mc:Choice>
+    <mc:Fallback>
+      <p:transition spd="slow"/>
+    </mc:Fallback>
+  </mc:AlternateContent>
+</p:sld>
+</file>
+
+<file path=ppt/slides/slide87.xml><?xml version="1.0" encoding="utf-8"?>
+<p:sld xmlns:a="http://schemas.openxmlformats.org/drawingml/2006/main" xmlns:p="http://schemas.openxmlformats.org/presentationml/2006/main" xmlns:r="http://schemas.openxmlformats.org/officeDocument/2006/relationships" xmlns:p14="http://schemas.microsoft.com/office/powerpoint/2010/main" xmlns:p15="http://schemas.microsoft.com/office/powerpoint/2012/main" xmlns:mc="http://schemas.openxmlformats.org/markup-compatibility/2006">
+  <p:cSld>
+    <p:spTree>
+      <p:nvGrpSpPr>
+        <p:cNvPr id="1" name=""/>
+        <p:cNvGrpSpPr/>
+        <p:nvPr/>
+      </p:nvGrpSpPr>
+      <p:grpSpPr>
+        <a:xfrm>
+          <a:off x="0" y="0"/>
+          <a:ext cx="0" cy="0"/>
+          <a:chOff x="0" y="0"/>
+          <a:chExt cx="0" cy="0"/>
+        </a:xfrm>
+      </p:grpSpPr>
+      <p:sp>
+        <p:nvSpPr>
+          <p:cNvPr id="294" name="PlaceHolder 1"/>
+          <p:cNvSpPr>
+            <a:spLocks noGrp="1"/>
+          </p:cNvSpPr>
+          <p:nvPr>
+            <p:ph type="title"/>
+          </p:nvPr>
+        </p:nvSpPr>
+        <p:spPr>
+          <a:xfrm>
+            <a:off x="1620000" y="216000"/>
+            <a:ext cx="8100000" cy="936000"/>
+          </a:xfrm>
+          <a:prstGeom prst="rect">
+            <a:avLst/>
+          </a:prstGeom>
+          <a:noFill/>
+          <a:ln w="0">
+            <a:noFill/>
+          </a:ln>
+        </p:spPr>
+        <p:txBody>
+          <a:bodyPr lIns="0" rIns="0" tIns="0" bIns="0" anchor="ctr">
+            <a:normAutofit/>
+          </a:bodyPr>
+          <a:p>
+            <a:pPr indent="0" algn="ctr">
+              <a:buNone/>
+            </a:pPr>
+            <a:r>
+              <a:rPr b="0" lang="zh-CN" sz="3300" spc="-1" strike="noStrike">
+                <a:solidFill>
+                  <a:srgbClr val="050505"/>
+                </a:solidFill>
+                <a:latin typeface="Times New Roman"/>
+              </a:rPr>
+              <a:t>真相</a:t>
+            </a:r>
+            <a:endParaRPr b="0" lang="en-US" sz="3300" spc="-1" strike="noStrike">
+              <a:solidFill>
+                <a:srgbClr val="050505"/>
+              </a:solidFill>
+              <a:latin typeface="Times New Roman"/>
+            </a:endParaRPr>
+          </a:p>
+        </p:txBody>
+      </p:sp>
+      <p:sp>
+        <p:nvSpPr>
+          <p:cNvPr id="295" name="PlaceHolder 2"/>
+          <p:cNvSpPr>
+            <a:spLocks noGrp="1"/>
+          </p:cNvSpPr>
+          <p:nvPr>
+            <p:ph/>
+          </p:nvPr>
+        </p:nvSpPr>
+        <p:spPr>
+          <a:xfrm>
+            <a:off x="1620000" y="1368000"/>
+            <a:ext cx="8100000" cy="3288240"/>
+          </a:xfrm>
+          <a:prstGeom prst="rect">
+            <a:avLst/>
+          </a:prstGeom>
+          <a:noFill/>
+          <a:ln w="0">
+            <a:noFill/>
+          </a:ln>
+        </p:spPr>
+        <p:txBody>
+          <a:bodyPr lIns="0" rIns="0" tIns="0" bIns="0" anchor="t">
+            <a:normAutofit/>
+          </a:bodyPr>
+          <a:p>
+            <a:pPr indent="0">
+              <a:spcAft>
+                <a:spcPts val="1060"/>
+              </a:spcAft>
+              <a:buNone/>
+            </a:pPr>
+            <a:endParaRPr b="0" lang="en-US" sz="2400" spc="-1" strike="noStrike">
+              <a:solidFill>
+                <a:srgbClr val="050505"/>
+              </a:solidFill>
+              <a:latin typeface="Arial"/>
+            </a:endParaRPr>
+          </a:p>
+        </p:txBody>
+      </p:sp>
+      <p:sp>
+        <p:nvSpPr>
+          <p:cNvPr id="4" name="PlaceHolder 3"/>
+          <p:cNvSpPr>
+            <a:spLocks noGrp="1"/>
+          </p:cNvSpPr>
+          <p:nvPr>
+            <p:ph type="sldNum" idx="3"/>
+          </p:nvPr>
+        </p:nvSpPr>
+        <p:spPr/>
+        <p:txBody>
+          <a:bodyPr/>
+          <a:p>
+            <a:fld id="{487512E1-53A8-4932-9484-341A924A1043}" type="slidenum">
+              <a:t>87</a:t>
+            </a:fld>
+          </a:p>
+        </p:txBody>
+      </p:sp>
+    </p:spTree>
+  </p:cSld>
+  <mc:AlternateContent>
+    <mc:Choice Requires="p14">
+      <p:transition spd="slow" p14:dur="2000"/>
+    </mc:Choice>
+    <mc:Fallback>
+      <p:transition spd="slow"/>
+    </mc:Fallback>
+  </mc:AlternateContent>
+</p:sld>
+</file>
+
+<file path=ppt/slides/slide88.xml><?xml version="1.0" encoding="utf-8"?>
+<p:sld xmlns:a="http://schemas.openxmlformats.org/drawingml/2006/main" xmlns:p="http://schemas.openxmlformats.org/presentationml/2006/main" xmlns:r="http://schemas.openxmlformats.org/officeDocument/2006/relationships" xmlns:p14="http://schemas.microsoft.com/office/powerpoint/2010/main" xmlns:p15="http://schemas.microsoft.com/office/powerpoint/2012/main" xmlns:mc="http://schemas.openxmlformats.org/markup-compatibility/2006">
+  <p:cSld>
+    <p:spTree>
+      <p:nvGrpSpPr>
+        <p:cNvPr id="1" name=""/>
+        <p:cNvGrpSpPr/>
+        <p:nvPr/>
+      </p:nvGrpSpPr>
+      <p:grpSpPr>
+        <a:xfrm>
+          <a:off x="0" y="0"/>
+          <a:ext cx="0" cy="0"/>
+          <a:chOff x="0" y="0"/>
+          <a:chExt cx="0" cy="0"/>
+        </a:xfrm>
+      </p:grpSpPr>
+      <p:sp>
+        <p:nvSpPr>
+          <p:cNvPr id="296" name="PlaceHolder 1"/>
+          <p:cNvSpPr>
+            <a:spLocks noGrp="1"/>
+          </p:cNvSpPr>
+          <p:nvPr>
+            <p:ph type="title"/>
+          </p:nvPr>
+        </p:nvSpPr>
+        <p:spPr>
+          <a:xfrm>
+            <a:off x="1620000" y="216000"/>
+            <a:ext cx="8100000" cy="936000"/>
+          </a:xfrm>
+          <a:prstGeom prst="rect">
+            <a:avLst/>
+          </a:prstGeom>
+          <a:noFill/>
+          <a:ln w="0">
+            <a:noFill/>
+          </a:ln>
+        </p:spPr>
+        <p:txBody>
+          <a:bodyPr lIns="0" rIns="0" tIns="0" bIns="0" anchor="ctr">
+            <a:normAutofit/>
+          </a:bodyPr>
+          <a:p>
+            <a:pPr indent="0" algn="ctr">
+              <a:buNone/>
+            </a:pPr>
+            <a:r>
+              <a:rPr b="0" lang="zh-CN" sz="3300" spc="-1" strike="noStrike">
+                <a:solidFill>
+                  <a:srgbClr val="050505"/>
+                </a:solidFill>
+                <a:latin typeface="Times New Roman"/>
+              </a:rPr>
+              <a:t>真理</a:t>
+            </a:r>
+            <a:endParaRPr b="0" lang="en-US" sz="3300" spc="-1" strike="noStrike">
+              <a:solidFill>
+                <a:srgbClr val="050505"/>
+              </a:solidFill>
+              <a:latin typeface="Times New Roman"/>
+            </a:endParaRPr>
+          </a:p>
+        </p:txBody>
+      </p:sp>
+      <p:sp>
+        <p:nvSpPr>
+          <p:cNvPr id="297" name="PlaceHolder 2"/>
+          <p:cNvSpPr>
+            <a:spLocks noGrp="1"/>
+          </p:cNvSpPr>
+          <p:nvPr>
+            <p:ph/>
+          </p:nvPr>
+        </p:nvSpPr>
+        <p:spPr>
+          <a:xfrm>
+            <a:off x="1620000" y="1368000"/>
+            <a:ext cx="8100000" cy="3288240"/>
+          </a:xfrm>
+          <a:prstGeom prst="rect">
+            <a:avLst/>
+          </a:prstGeom>
+          <a:noFill/>
+          <a:ln w="0">
+            <a:noFill/>
+          </a:ln>
+        </p:spPr>
+        <p:txBody>
+          <a:bodyPr lIns="0" rIns="0" tIns="0" bIns="0" anchor="t">
+            <a:normAutofit/>
+          </a:bodyPr>
+          <a:p>
+            <a:pPr indent="0">
+              <a:spcAft>
+                <a:spcPts val="1060"/>
+              </a:spcAft>
+              <a:buNone/>
+            </a:pPr>
+            <a:endParaRPr b="0" lang="en-US" sz="2400" spc="-1" strike="noStrike">
+              <a:solidFill>
+                <a:srgbClr val="050505"/>
+              </a:solidFill>
+              <a:latin typeface="Arial"/>
+            </a:endParaRPr>
+          </a:p>
+        </p:txBody>
+      </p:sp>
+      <p:sp>
+        <p:nvSpPr>
+          <p:cNvPr id="4" name="PlaceHolder 3"/>
+          <p:cNvSpPr>
+            <a:spLocks noGrp="1"/>
+          </p:cNvSpPr>
+          <p:nvPr>
+            <p:ph type="sldNum" idx="3"/>
+          </p:nvPr>
+        </p:nvSpPr>
+        <p:spPr/>
+        <p:txBody>
+          <a:bodyPr/>
+          <a:p>
+            <a:fld id="{248C0579-F0B5-4113-9DA6-DBFD82E14F67}" type="slidenum">
+              <a:t>88</a:t>
+            </a:fld>
+          </a:p>
+        </p:txBody>
+      </p:sp>
+    </p:spTree>
+  </p:cSld>
+  <mc:AlternateContent>
+    <mc:Choice Requires="p14">
+      <p:transition spd="slow" p14:dur="2000"/>
+    </mc:Choice>
+    <mc:Fallback>
+      <p:transition spd="slow"/>
+    </mc:Fallback>
+  </mc:AlternateContent>
+</p:sld>
+</file>
+
+<file path=ppt/slides/slide89.xml><?xml version="1.0" encoding="utf-8"?>
+<p:sld xmlns:a="http://schemas.openxmlformats.org/drawingml/2006/main" xmlns:p="http://schemas.openxmlformats.org/presentationml/2006/main" xmlns:r="http://schemas.openxmlformats.org/officeDocument/2006/relationships" xmlns:p14="http://schemas.microsoft.com/office/powerpoint/2010/main" xmlns:p15="http://schemas.microsoft.com/office/powerpoint/2012/main" xmlns:mc="http://schemas.openxmlformats.org/markup-compatibility/2006">
+  <p:cSld>
+    <p:spTree>
+      <p:nvGrpSpPr>
+        <p:cNvPr id="1" name=""/>
+        <p:cNvGrpSpPr/>
+        <p:nvPr/>
+      </p:nvGrpSpPr>
+      <p:grpSpPr>
+        <a:xfrm>
+          <a:off x="0" y="0"/>
+          <a:ext cx="0" cy="0"/>
+          <a:chOff x="0" y="0"/>
+          <a:chExt cx="0" cy="0"/>
+        </a:xfrm>
+      </p:grpSpPr>
+      <p:sp>
+        <p:nvSpPr>
+          <p:cNvPr id="298" name="PlaceHolder 1"/>
+          <p:cNvSpPr>
+            <a:spLocks noGrp="1"/>
+          </p:cNvSpPr>
+          <p:nvPr>
+            <p:ph type="title"/>
+          </p:nvPr>
+        </p:nvSpPr>
+        <p:spPr>
+          <a:xfrm>
+            <a:off x="1620000" y="216000"/>
+            <a:ext cx="8100000" cy="936000"/>
+          </a:xfrm>
+          <a:prstGeom prst="rect">
+            <a:avLst/>
+          </a:prstGeom>
+          <a:noFill/>
+          <a:ln w="0">
+            <a:noFill/>
+          </a:ln>
+        </p:spPr>
+        <p:txBody>
+          <a:bodyPr lIns="0" rIns="0" tIns="0" bIns="0" anchor="ctr">
+            <a:normAutofit/>
+          </a:bodyPr>
+          <a:p>
+            <a:pPr indent="0" algn="ctr">
+              <a:buNone/>
+            </a:pPr>
+            <a:r>
+              <a:rPr b="0" lang="zh-CN" sz="3300" spc="-1" strike="noStrike">
+                <a:solidFill>
+                  <a:srgbClr val="050505"/>
+                </a:solidFill>
+                <a:latin typeface="Times New Roman"/>
+              </a:rPr>
+              <a:t>真诚</a:t>
+            </a:r>
+            <a:endParaRPr b="0" lang="en-US" sz="3300" spc="-1" strike="noStrike">
+              <a:solidFill>
+                <a:srgbClr val="050505"/>
+              </a:solidFill>
+              <a:latin typeface="Times New Roman"/>
+            </a:endParaRPr>
+          </a:p>
+        </p:txBody>
+      </p:sp>
+      <p:sp>
+        <p:nvSpPr>
+          <p:cNvPr id="299" name="PlaceHolder 2"/>
+          <p:cNvSpPr>
+            <a:spLocks noGrp="1"/>
+          </p:cNvSpPr>
+          <p:nvPr>
+            <p:ph/>
+          </p:nvPr>
+        </p:nvSpPr>
+        <p:spPr>
+          <a:xfrm>
+            <a:off x="1620000" y="1368000"/>
+            <a:ext cx="8100000" cy="3288240"/>
+          </a:xfrm>
+          <a:prstGeom prst="rect">
+            <a:avLst/>
+          </a:prstGeom>
+          <a:noFill/>
+          <a:ln w="0">
+            <a:noFill/>
+          </a:ln>
+        </p:spPr>
+        <p:txBody>
+          <a:bodyPr lIns="0" rIns="0" tIns="0" bIns="0" anchor="t">
+            <a:normAutofit/>
+          </a:bodyPr>
+          <a:p>
+            <a:pPr indent="0">
+              <a:spcAft>
+                <a:spcPts val="1060"/>
+              </a:spcAft>
+              <a:buNone/>
+            </a:pPr>
+            <a:endParaRPr b="0" lang="en-US" sz="2400" spc="-1" strike="noStrike">
+              <a:solidFill>
+                <a:srgbClr val="050505"/>
+              </a:solidFill>
+              <a:latin typeface="Arial"/>
+            </a:endParaRPr>
+          </a:p>
+        </p:txBody>
+      </p:sp>
+      <p:sp>
+        <p:nvSpPr>
+          <p:cNvPr id="4" name="PlaceHolder 3"/>
+          <p:cNvSpPr>
+            <a:spLocks noGrp="1"/>
+          </p:cNvSpPr>
+          <p:nvPr>
+            <p:ph type="sldNum" idx="3"/>
+          </p:nvPr>
+        </p:nvSpPr>
+        <p:spPr/>
+        <p:txBody>
+          <a:bodyPr/>
+          <a:p>
+            <a:fld id="{9C90338F-0759-4B7A-B2C9-F6857C464798}" type="slidenum">
+              <a:t>89</a:t>
             </a:fld>
           </a:p>
         </p:txBody>
@@ -28585,8 +32313,1428 @@
         <p:txBody>
           <a:bodyPr/>
           <a:p>
-            <a:fld id="{E968CBC0-14C5-462A-A2DF-A18E630E1DED}" type="slidenum">
+            <a:fld id="{3E9FFA19-572C-4359-84A5-4E63EF532890}" type="slidenum">
               <a:t>9</a:t>
+            </a:fld>
+          </a:p>
+        </p:txBody>
+      </p:sp>
+    </p:spTree>
+  </p:cSld>
+  <mc:AlternateContent>
+    <mc:Choice Requires="p14">
+      <p:transition spd="slow" p14:dur="2000"/>
+    </mc:Choice>
+    <mc:Fallback>
+      <p:transition spd="slow"/>
+    </mc:Fallback>
+  </mc:AlternateContent>
+</p:sld>
+</file>
+
+<file path=ppt/slides/slide90.xml><?xml version="1.0" encoding="utf-8"?>
+<p:sld xmlns:a="http://schemas.openxmlformats.org/drawingml/2006/main" xmlns:p="http://schemas.openxmlformats.org/presentationml/2006/main" xmlns:r="http://schemas.openxmlformats.org/officeDocument/2006/relationships" xmlns:p14="http://schemas.microsoft.com/office/powerpoint/2010/main" xmlns:p15="http://schemas.microsoft.com/office/powerpoint/2012/main" xmlns:mc="http://schemas.openxmlformats.org/markup-compatibility/2006">
+  <p:cSld>
+    <p:spTree>
+      <p:nvGrpSpPr>
+        <p:cNvPr id="1" name=""/>
+        <p:cNvGrpSpPr/>
+        <p:nvPr/>
+      </p:nvGrpSpPr>
+      <p:grpSpPr>
+        <a:xfrm>
+          <a:off x="0" y="0"/>
+          <a:ext cx="0" cy="0"/>
+          <a:chOff x="0" y="0"/>
+          <a:chExt cx="0" cy="0"/>
+        </a:xfrm>
+      </p:grpSpPr>
+      <p:sp>
+        <p:nvSpPr>
+          <p:cNvPr id="300" name="PlaceHolder 1"/>
+          <p:cNvSpPr>
+            <a:spLocks noGrp="1"/>
+          </p:cNvSpPr>
+          <p:nvPr>
+            <p:ph type="title"/>
+          </p:nvPr>
+        </p:nvSpPr>
+        <p:spPr>
+          <a:xfrm>
+            <a:off x="1620000" y="216000"/>
+            <a:ext cx="8100000" cy="936000"/>
+          </a:xfrm>
+          <a:prstGeom prst="rect">
+            <a:avLst/>
+          </a:prstGeom>
+          <a:noFill/>
+          <a:ln w="0">
+            <a:noFill/>
+          </a:ln>
+        </p:spPr>
+        <p:txBody>
+          <a:bodyPr lIns="0" rIns="0" tIns="0" bIns="0" anchor="ctr">
+            <a:normAutofit/>
+          </a:bodyPr>
+          <a:p>
+            <a:pPr indent="0" algn="ctr">
+              <a:buNone/>
+            </a:pPr>
+            <a:r>
+              <a:rPr b="0" lang="zh-CN" sz="3300" spc="-1" strike="noStrike">
+                <a:solidFill>
+                  <a:srgbClr val="050505"/>
+                </a:solidFill>
+                <a:latin typeface="Times New Roman"/>
+              </a:rPr>
+              <a:t>珍珠</a:t>
+            </a:r>
+            <a:endParaRPr b="0" lang="en-US" sz="3300" spc="-1" strike="noStrike">
+              <a:solidFill>
+                <a:srgbClr val="050505"/>
+              </a:solidFill>
+              <a:latin typeface="Times New Roman"/>
+            </a:endParaRPr>
+          </a:p>
+        </p:txBody>
+      </p:sp>
+      <p:sp>
+        <p:nvSpPr>
+          <p:cNvPr id="301" name="PlaceHolder 2"/>
+          <p:cNvSpPr>
+            <a:spLocks noGrp="1"/>
+          </p:cNvSpPr>
+          <p:nvPr>
+            <p:ph/>
+          </p:nvPr>
+        </p:nvSpPr>
+        <p:spPr>
+          <a:xfrm>
+            <a:off x="1620000" y="1368000"/>
+            <a:ext cx="8100000" cy="3288240"/>
+          </a:xfrm>
+          <a:prstGeom prst="rect">
+            <a:avLst/>
+          </a:prstGeom>
+          <a:noFill/>
+          <a:ln w="0">
+            <a:noFill/>
+          </a:ln>
+        </p:spPr>
+        <p:txBody>
+          <a:bodyPr lIns="0" rIns="0" tIns="0" bIns="0" anchor="t">
+            <a:normAutofit/>
+          </a:bodyPr>
+          <a:p>
+            <a:pPr indent="0">
+              <a:spcAft>
+                <a:spcPts val="1060"/>
+              </a:spcAft>
+              <a:buNone/>
+            </a:pPr>
+            <a:endParaRPr b="0" lang="en-US" sz="2400" spc="-1" strike="noStrike">
+              <a:solidFill>
+                <a:srgbClr val="050505"/>
+              </a:solidFill>
+              <a:latin typeface="Arial"/>
+            </a:endParaRPr>
+          </a:p>
+        </p:txBody>
+      </p:sp>
+      <p:sp>
+        <p:nvSpPr>
+          <p:cNvPr id="4" name="PlaceHolder 3"/>
+          <p:cNvSpPr>
+            <a:spLocks noGrp="1"/>
+          </p:cNvSpPr>
+          <p:nvPr>
+            <p:ph type="sldNum" idx="3"/>
+          </p:nvPr>
+        </p:nvSpPr>
+        <p:spPr/>
+        <p:txBody>
+          <a:bodyPr/>
+          <a:p>
+            <a:fld id="{D8853C32-DDA5-4F8C-BC9B-AE585F6C74C9}" type="slidenum">
+              <a:t>90</a:t>
+            </a:fld>
+          </a:p>
+        </p:txBody>
+      </p:sp>
+    </p:spTree>
+  </p:cSld>
+  <mc:AlternateContent>
+    <mc:Choice Requires="p14">
+      <p:transition spd="slow" p14:dur="2000"/>
+    </mc:Choice>
+    <mc:Fallback>
+      <p:transition spd="slow"/>
+    </mc:Fallback>
+  </mc:AlternateContent>
+</p:sld>
+</file>
+
+<file path=ppt/slides/slide91.xml><?xml version="1.0" encoding="utf-8"?>
+<p:sld xmlns:a="http://schemas.openxmlformats.org/drawingml/2006/main" xmlns:p="http://schemas.openxmlformats.org/presentationml/2006/main" xmlns:r="http://schemas.openxmlformats.org/officeDocument/2006/relationships" xmlns:p14="http://schemas.microsoft.com/office/powerpoint/2010/main" xmlns:p15="http://schemas.microsoft.com/office/powerpoint/2012/main" xmlns:mc="http://schemas.openxmlformats.org/markup-compatibility/2006">
+  <p:cSld>
+    <p:spTree>
+      <p:nvGrpSpPr>
+        <p:cNvPr id="1" name=""/>
+        <p:cNvGrpSpPr/>
+        <p:nvPr/>
+      </p:nvGrpSpPr>
+      <p:grpSpPr>
+        <a:xfrm>
+          <a:off x="0" y="0"/>
+          <a:ext cx="0" cy="0"/>
+          <a:chOff x="0" y="0"/>
+          <a:chExt cx="0" cy="0"/>
+        </a:xfrm>
+      </p:grpSpPr>
+      <p:sp>
+        <p:nvSpPr>
+          <p:cNvPr id="302" name="PlaceHolder 1"/>
+          <p:cNvSpPr>
+            <a:spLocks noGrp="1"/>
+          </p:cNvSpPr>
+          <p:nvPr>
+            <p:ph type="title"/>
+          </p:nvPr>
+        </p:nvSpPr>
+        <p:spPr>
+          <a:xfrm>
+            <a:off x="1620000" y="216000"/>
+            <a:ext cx="8100000" cy="936000"/>
+          </a:xfrm>
+          <a:prstGeom prst="rect">
+            <a:avLst/>
+          </a:prstGeom>
+          <a:noFill/>
+          <a:ln w="0">
+            <a:noFill/>
+          </a:ln>
+        </p:spPr>
+        <p:txBody>
+          <a:bodyPr lIns="0" rIns="0" tIns="0" bIns="0" anchor="ctr">
+            <a:normAutofit/>
+          </a:bodyPr>
+          <a:p>
+            <a:pPr indent="0" algn="ctr">
+              <a:buNone/>
+            </a:pPr>
+            <a:r>
+              <a:rPr b="0" lang="zh-CN" sz="3300" spc="-1" strike="noStrike">
+                <a:solidFill>
+                  <a:srgbClr val="050505"/>
+                </a:solidFill>
+                <a:latin typeface="Times New Roman"/>
+              </a:rPr>
+              <a:t>珍惜</a:t>
+            </a:r>
+            <a:endParaRPr b="0" lang="en-US" sz="3300" spc="-1" strike="noStrike">
+              <a:solidFill>
+                <a:srgbClr val="050505"/>
+              </a:solidFill>
+              <a:latin typeface="Times New Roman"/>
+            </a:endParaRPr>
+          </a:p>
+        </p:txBody>
+      </p:sp>
+      <p:sp>
+        <p:nvSpPr>
+          <p:cNvPr id="303" name="PlaceHolder 2"/>
+          <p:cNvSpPr>
+            <a:spLocks noGrp="1"/>
+          </p:cNvSpPr>
+          <p:nvPr>
+            <p:ph/>
+          </p:nvPr>
+        </p:nvSpPr>
+        <p:spPr>
+          <a:xfrm>
+            <a:off x="1620000" y="1368000"/>
+            <a:ext cx="8100000" cy="3288240"/>
+          </a:xfrm>
+          <a:prstGeom prst="rect">
+            <a:avLst/>
+          </a:prstGeom>
+          <a:noFill/>
+          <a:ln w="0">
+            <a:noFill/>
+          </a:ln>
+        </p:spPr>
+        <p:txBody>
+          <a:bodyPr lIns="0" rIns="0" tIns="0" bIns="0" anchor="t">
+            <a:normAutofit/>
+          </a:bodyPr>
+          <a:p>
+            <a:pPr indent="0">
+              <a:spcAft>
+                <a:spcPts val="1060"/>
+              </a:spcAft>
+              <a:buNone/>
+            </a:pPr>
+            <a:endParaRPr b="0" lang="en-US" sz="2400" spc="-1" strike="noStrike">
+              <a:solidFill>
+                <a:srgbClr val="050505"/>
+              </a:solidFill>
+              <a:latin typeface="Arial"/>
+            </a:endParaRPr>
+          </a:p>
+        </p:txBody>
+      </p:sp>
+      <p:sp>
+        <p:nvSpPr>
+          <p:cNvPr id="4" name="PlaceHolder 3"/>
+          <p:cNvSpPr>
+            <a:spLocks noGrp="1"/>
+          </p:cNvSpPr>
+          <p:nvPr>
+            <p:ph type="sldNum" idx="3"/>
+          </p:nvPr>
+        </p:nvSpPr>
+        <p:spPr/>
+        <p:txBody>
+          <a:bodyPr/>
+          <a:p>
+            <a:fld id="{D87DFB05-4610-4A2A-AB51-0E6A9AC13E56}" type="slidenum">
+              <a:t>91</a:t>
+            </a:fld>
+          </a:p>
+        </p:txBody>
+      </p:sp>
+    </p:spTree>
+  </p:cSld>
+  <mc:AlternateContent>
+    <mc:Choice Requires="p14">
+      <p:transition spd="slow" p14:dur="2000"/>
+    </mc:Choice>
+    <mc:Fallback>
+      <p:transition spd="slow"/>
+    </mc:Fallback>
+  </mc:AlternateContent>
+</p:sld>
+</file>
+
+<file path=ppt/slides/slide92.xml><?xml version="1.0" encoding="utf-8"?>
+<p:sld xmlns:a="http://schemas.openxmlformats.org/drawingml/2006/main" xmlns:p="http://schemas.openxmlformats.org/presentationml/2006/main" xmlns:r="http://schemas.openxmlformats.org/officeDocument/2006/relationships" xmlns:p14="http://schemas.microsoft.com/office/powerpoint/2010/main" xmlns:p15="http://schemas.microsoft.com/office/powerpoint/2012/main" xmlns:mc="http://schemas.openxmlformats.org/markup-compatibility/2006">
+  <p:cSld>
+    <p:spTree>
+      <p:nvGrpSpPr>
+        <p:cNvPr id="1" name=""/>
+        <p:cNvGrpSpPr/>
+        <p:nvPr/>
+      </p:nvGrpSpPr>
+      <p:grpSpPr>
+        <a:xfrm>
+          <a:off x="0" y="0"/>
+          <a:ext cx="0" cy="0"/>
+          <a:chOff x="0" y="0"/>
+          <a:chExt cx="0" cy="0"/>
+        </a:xfrm>
+      </p:grpSpPr>
+      <p:sp>
+        <p:nvSpPr>
+          <p:cNvPr id="304" name="PlaceHolder 1"/>
+          <p:cNvSpPr>
+            <a:spLocks noGrp="1"/>
+          </p:cNvSpPr>
+          <p:nvPr>
+            <p:ph type="title"/>
+          </p:nvPr>
+        </p:nvSpPr>
+        <p:spPr>
+          <a:xfrm>
+            <a:off x="1620000" y="216000"/>
+            <a:ext cx="8100000" cy="936000"/>
+          </a:xfrm>
+          <a:prstGeom prst="rect">
+            <a:avLst/>
+          </a:prstGeom>
+          <a:noFill/>
+          <a:ln w="0">
+            <a:noFill/>
+          </a:ln>
+        </p:spPr>
+        <p:txBody>
+          <a:bodyPr lIns="0" rIns="0" tIns="0" bIns="0" anchor="ctr">
+            <a:normAutofit/>
+          </a:bodyPr>
+          <a:p>
+            <a:pPr indent="0" algn="ctr">
+              <a:buNone/>
+            </a:pPr>
+            <a:r>
+              <a:rPr b="0" lang="zh-CN" sz="3300" spc="-1" strike="noStrike">
+                <a:solidFill>
+                  <a:srgbClr val="050505"/>
+                </a:solidFill>
+                <a:latin typeface="Times New Roman"/>
+              </a:rPr>
+              <a:t>珍贵</a:t>
+            </a:r>
+            <a:endParaRPr b="0" lang="en-US" sz="3300" spc="-1" strike="noStrike">
+              <a:solidFill>
+                <a:srgbClr val="050505"/>
+              </a:solidFill>
+              <a:latin typeface="Times New Roman"/>
+            </a:endParaRPr>
+          </a:p>
+        </p:txBody>
+      </p:sp>
+      <p:sp>
+        <p:nvSpPr>
+          <p:cNvPr id="305" name="PlaceHolder 2"/>
+          <p:cNvSpPr>
+            <a:spLocks noGrp="1"/>
+          </p:cNvSpPr>
+          <p:nvPr>
+            <p:ph/>
+          </p:nvPr>
+        </p:nvSpPr>
+        <p:spPr>
+          <a:xfrm>
+            <a:off x="1620000" y="1368000"/>
+            <a:ext cx="8100000" cy="3288240"/>
+          </a:xfrm>
+          <a:prstGeom prst="rect">
+            <a:avLst/>
+          </a:prstGeom>
+          <a:noFill/>
+          <a:ln w="0">
+            <a:noFill/>
+          </a:ln>
+        </p:spPr>
+        <p:txBody>
+          <a:bodyPr lIns="0" rIns="0" tIns="0" bIns="0" anchor="t">
+            <a:normAutofit/>
+          </a:bodyPr>
+          <a:p>
+            <a:pPr indent="0">
+              <a:spcAft>
+                <a:spcPts val="1060"/>
+              </a:spcAft>
+              <a:buNone/>
+            </a:pPr>
+            <a:endParaRPr b="0" lang="en-US" sz="2400" spc="-1" strike="noStrike">
+              <a:solidFill>
+                <a:srgbClr val="050505"/>
+              </a:solidFill>
+              <a:latin typeface="Arial"/>
+            </a:endParaRPr>
+          </a:p>
+        </p:txBody>
+      </p:sp>
+      <p:sp>
+        <p:nvSpPr>
+          <p:cNvPr id="4" name="PlaceHolder 3"/>
+          <p:cNvSpPr>
+            <a:spLocks noGrp="1"/>
+          </p:cNvSpPr>
+          <p:nvPr>
+            <p:ph type="sldNum" idx="3"/>
+          </p:nvPr>
+        </p:nvSpPr>
+        <p:spPr/>
+        <p:txBody>
+          <a:bodyPr/>
+          <a:p>
+            <a:fld id="{7DF71942-8A2A-4186-BE18-373AC664E6D1}" type="slidenum">
+              <a:t>92</a:t>
+            </a:fld>
+          </a:p>
+        </p:txBody>
+      </p:sp>
+    </p:spTree>
+  </p:cSld>
+  <mc:AlternateContent>
+    <mc:Choice Requires="p14">
+      <p:transition spd="slow" p14:dur="2000"/>
+    </mc:Choice>
+    <mc:Fallback>
+      <p:transition spd="slow"/>
+    </mc:Fallback>
+  </mc:AlternateContent>
+</p:sld>
+</file>
+
+<file path=ppt/slides/slide93.xml><?xml version="1.0" encoding="utf-8"?>
+<p:sld xmlns:a="http://schemas.openxmlformats.org/drawingml/2006/main" xmlns:p="http://schemas.openxmlformats.org/presentationml/2006/main" xmlns:r="http://schemas.openxmlformats.org/officeDocument/2006/relationships" xmlns:p14="http://schemas.microsoft.com/office/powerpoint/2010/main" xmlns:p15="http://schemas.microsoft.com/office/powerpoint/2012/main" xmlns:mc="http://schemas.openxmlformats.org/markup-compatibility/2006">
+  <p:cSld>
+    <p:spTree>
+      <p:nvGrpSpPr>
+        <p:cNvPr id="1" name=""/>
+        <p:cNvGrpSpPr/>
+        <p:nvPr/>
+      </p:nvGrpSpPr>
+      <p:grpSpPr>
+        <a:xfrm>
+          <a:off x="0" y="0"/>
+          <a:ext cx="0" cy="0"/>
+          <a:chOff x="0" y="0"/>
+          <a:chExt cx="0" cy="0"/>
+        </a:xfrm>
+      </p:grpSpPr>
+      <p:sp>
+        <p:nvSpPr>
+          <p:cNvPr id="306" name="PlaceHolder 1"/>
+          <p:cNvSpPr>
+            <a:spLocks noGrp="1"/>
+          </p:cNvSpPr>
+          <p:nvPr>
+            <p:ph type="title"/>
+          </p:nvPr>
+        </p:nvSpPr>
+        <p:spPr>
+          <a:xfrm>
+            <a:off x="1620000" y="216000"/>
+            <a:ext cx="8100000" cy="936000"/>
+          </a:xfrm>
+          <a:prstGeom prst="rect">
+            <a:avLst/>
+          </a:prstGeom>
+          <a:noFill/>
+          <a:ln w="0">
+            <a:noFill/>
+          </a:ln>
+        </p:spPr>
+        <p:txBody>
+          <a:bodyPr lIns="0" rIns="0" tIns="0" bIns="0" anchor="ctr">
+            <a:normAutofit/>
+          </a:bodyPr>
+          <a:p>
+            <a:pPr indent="0" algn="ctr">
+              <a:buNone/>
+            </a:pPr>
+            <a:r>
+              <a:rPr b="0" lang="zh-CN" sz="3300" spc="-1" strike="noStrike">
+                <a:solidFill>
+                  <a:srgbClr val="050505"/>
+                </a:solidFill>
+                <a:latin typeface="Times New Roman"/>
+              </a:rPr>
+              <a:t>招手</a:t>
+            </a:r>
+            <a:endParaRPr b="0" lang="en-US" sz="3300" spc="-1" strike="noStrike">
+              <a:solidFill>
+                <a:srgbClr val="050505"/>
+              </a:solidFill>
+              <a:latin typeface="Times New Roman"/>
+            </a:endParaRPr>
+          </a:p>
+        </p:txBody>
+      </p:sp>
+      <p:sp>
+        <p:nvSpPr>
+          <p:cNvPr id="307" name="PlaceHolder 2"/>
+          <p:cNvSpPr>
+            <a:spLocks noGrp="1"/>
+          </p:cNvSpPr>
+          <p:nvPr>
+            <p:ph/>
+          </p:nvPr>
+        </p:nvSpPr>
+        <p:spPr>
+          <a:xfrm>
+            <a:off x="1620000" y="1368000"/>
+            <a:ext cx="8100000" cy="3288240"/>
+          </a:xfrm>
+          <a:prstGeom prst="rect">
+            <a:avLst/>
+          </a:prstGeom>
+          <a:noFill/>
+          <a:ln w="0">
+            <a:noFill/>
+          </a:ln>
+        </p:spPr>
+        <p:txBody>
+          <a:bodyPr lIns="0" rIns="0" tIns="0" bIns="0" anchor="t">
+            <a:normAutofit/>
+          </a:bodyPr>
+          <a:p>
+            <a:pPr indent="0">
+              <a:spcAft>
+                <a:spcPts val="1060"/>
+              </a:spcAft>
+              <a:buNone/>
+            </a:pPr>
+            <a:endParaRPr b="0" lang="en-US" sz="2400" spc="-1" strike="noStrike">
+              <a:solidFill>
+                <a:srgbClr val="050505"/>
+              </a:solidFill>
+              <a:latin typeface="Arial"/>
+            </a:endParaRPr>
+          </a:p>
+        </p:txBody>
+      </p:sp>
+      <p:sp>
+        <p:nvSpPr>
+          <p:cNvPr id="4" name="PlaceHolder 3"/>
+          <p:cNvSpPr>
+            <a:spLocks noGrp="1"/>
+          </p:cNvSpPr>
+          <p:nvPr>
+            <p:ph type="sldNum" idx="3"/>
+          </p:nvPr>
+        </p:nvSpPr>
+        <p:spPr/>
+        <p:txBody>
+          <a:bodyPr/>
+          <a:p>
+            <a:fld id="{88DE4503-531D-4616-8613-F6DA0690F942}" type="slidenum">
+              <a:t>93</a:t>
+            </a:fld>
+          </a:p>
+        </p:txBody>
+      </p:sp>
+    </p:spTree>
+  </p:cSld>
+  <mc:AlternateContent>
+    <mc:Choice Requires="p14">
+      <p:transition spd="slow" p14:dur="2000"/>
+    </mc:Choice>
+    <mc:Fallback>
+      <p:transition spd="slow"/>
+    </mc:Fallback>
+  </mc:AlternateContent>
+</p:sld>
+</file>
+
+<file path=ppt/slides/slide94.xml><?xml version="1.0" encoding="utf-8"?>
+<p:sld xmlns:a="http://schemas.openxmlformats.org/drawingml/2006/main" xmlns:p="http://schemas.openxmlformats.org/presentationml/2006/main" xmlns:r="http://schemas.openxmlformats.org/officeDocument/2006/relationships" xmlns:p14="http://schemas.microsoft.com/office/powerpoint/2010/main" xmlns:p15="http://schemas.microsoft.com/office/powerpoint/2012/main" xmlns:mc="http://schemas.openxmlformats.org/markup-compatibility/2006">
+  <p:cSld>
+    <p:spTree>
+      <p:nvGrpSpPr>
+        <p:cNvPr id="1" name=""/>
+        <p:cNvGrpSpPr/>
+        <p:nvPr/>
+      </p:nvGrpSpPr>
+      <p:grpSpPr>
+        <a:xfrm>
+          <a:off x="0" y="0"/>
+          <a:ext cx="0" cy="0"/>
+          <a:chOff x="0" y="0"/>
+          <a:chExt cx="0" cy="0"/>
+        </a:xfrm>
+      </p:grpSpPr>
+      <p:sp>
+        <p:nvSpPr>
+          <p:cNvPr id="308" name="PlaceHolder 1"/>
+          <p:cNvSpPr>
+            <a:spLocks noGrp="1"/>
+          </p:cNvSpPr>
+          <p:nvPr>
+            <p:ph type="title"/>
+          </p:nvPr>
+        </p:nvSpPr>
+        <p:spPr>
+          <a:xfrm>
+            <a:off x="1620000" y="216000"/>
+            <a:ext cx="8100000" cy="936000"/>
+          </a:xfrm>
+          <a:prstGeom prst="rect">
+            <a:avLst/>
+          </a:prstGeom>
+          <a:noFill/>
+          <a:ln w="0">
+            <a:noFill/>
+          </a:ln>
+        </p:spPr>
+        <p:txBody>
+          <a:bodyPr lIns="0" rIns="0" tIns="0" bIns="0" anchor="ctr">
+            <a:normAutofit/>
+          </a:bodyPr>
+          <a:p>
+            <a:pPr indent="0" algn="ctr">
+              <a:buNone/>
+            </a:pPr>
+            <a:r>
+              <a:rPr b="0" lang="zh-CN" sz="3300" spc="-1" strike="noStrike">
+                <a:solidFill>
+                  <a:srgbClr val="050505"/>
+                </a:solidFill>
+                <a:latin typeface="Times New Roman"/>
+              </a:rPr>
+              <a:t>招生</a:t>
+            </a:r>
+            <a:endParaRPr b="0" lang="en-US" sz="3300" spc="-1" strike="noStrike">
+              <a:solidFill>
+                <a:srgbClr val="050505"/>
+              </a:solidFill>
+              <a:latin typeface="Times New Roman"/>
+            </a:endParaRPr>
+          </a:p>
+        </p:txBody>
+      </p:sp>
+      <p:sp>
+        <p:nvSpPr>
+          <p:cNvPr id="309" name="PlaceHolder 2"/>
+          <p:cNvSpPr>
+            <a:spLocks noGrp="1"/>
+          </p:cNvSpPr>
+          <p:nvPr>
+            <p:ph/>
+          </p:nvPr>
+        </p:nvSpPr>
+        <p:spPr>
+          <a:xfrm>
+            <a:off x="1620000" y="1368000"/>
+            <a:ext cx="8100000" cy="3288240"/>
+          </a:xfrm>
+          <a:prstGeom prst="rect">
+            <a:avLst/>
+          </a:prstGeom>
+          <a:noFill/>
+          <a:ln w="0">
+            <a:noFill/>
+          </a:ln>
+        </p:spPr>
+        <p:txBody>
+          <a:bodyPr lIns="0" rIns="0" tIns="0" bIns="0" anchor="t">
+            <a:normAutofit/>
+          </a:bodyPr>
+          <a:p>
+            <a:pPr indent="0">
+              <a:spcAft>
+                <a:spcPts val="1060"/>
+              </a:spcAft>
+              <a:buNone/>
+            </a:pPr>
+            <a:endParaRPr b="0" lang="en-US" sz="2400" spc="-1" strike="noStrike">
+              <a:solidFill>
+                <a:srgbClr val="050505"/>
+              </a:solidFill>
+              <a:latin typeface="Arial"/>
+            </a:endParaRPr>
+          </a:p>
+        </p:txBody>
+      </p:sp>
+      <p:sp>
+        <p:nvSpPr>
+          <p:cNvPr id="4" name="PlaceHolder 3"/>
+          <p:cNvSpPr>
+            <a:spLocks noGrp="1"/>
+          </p:cNvSpPr>
+          <p:nvPr>
+            <p:ph type="sldNum" idx="3"/>
+          </p:nvPr>
+        </p:nvSpPr>
+        <p:spPr/>
+        <p:txBody>
+          <a:bodyPr/>
+          <a:p>
+            <a:fld id="{66490AE3-3743-4558-BD2E-DAADF507A9C5}" type="slidenum">
+              <a:t>94</a:t>
+            </a:fld>
+          </a:p>
+        </p:txBody>
+      </p:sp>
+    </p:spTree>
+  </p:cSld>
+  <mc:AlternateContent>
+    <mc:Choice Requires="p14">
+      <p:transition spd="slow" p14:dur="2000"/>
+    </mc:Choice>
+    <mc:Fallback>
+      <p:transition spd="slow"/>
+    </mc:Fallback>
+  </mc:AlternateContent>
+</p:sld>
+</file>
+
+<file path=ppt/slides/slide95.xml><?xml version="1.0" encoding="utf-8"?>
+<p:sld xmlns:a="http://schemas.openxmlformats.org/drawingml/2006/main" xmlns:p="http://schemas.openxmlformats.org/presentationml/2006/main" xmlns:r="http://schemas.openxmlformats.org/officeDocument/2006/relationships" xmlns:p14="http://schemas.microsoft.com/office/powerpoint/2010/main" xmlns:p15="http://schemas.microsoft.com/office/powerpoint/2012/main" xmlns:mc="http://schemas.openxmlformats.org/markup-compatibility/2006">
+  <p:cSld>
+    <p:spTree>
+      <p:nvGrpSpPr>
+        <p:cNvPr id="1" name=""/>
+        <p:cNvGrpSpPr/>
+        <p:nvPr/>
+      </p:nvGrpSpPr>
+      <p:grpSpPr>
+        <a:xfrm>
+          <a:off x="0" y="0"/>
+          <a:ext cx="0" cy="0"/>
+          <a:chOff x="0" y="0"/>
+          <a:chExt cx="0" cy="0"/>
+        </a:xfrm>
+      </p:grpSpPr>
+      <p:sp>
+        <p:nvSpPr>
+          <p:cNvPr id="310" name="PlaceHolder 1"/>
+          <p:cNvSpPr>
+            <a:spLocks noGrp="1"/>
+          </p:cNvSpPr>
+          <p:nvPr>
+            <p:ph type="title"/>
+          </p:nvPr>
+        </p:nvSpPr>
+        <p:spPr>
+          <a:xfrm>
+            <a:off x="1620000" y="216000"/>
+            <a:ext cx="8100000" cy="936000"/>
+          </a:xfrm>
+          <a:prstGeom prst="rect">
+            <a:avLst/>
+          </a:prstGeom>
+          <a:noFill/>
+          <a:ln w="0">
+            <a:noFill/>
+          </a:ln>
+        </p:spPr>
+        <p:txBody>
+          <a:bodyPr lIns="0" rIns="0" tIns="0" bIns="0" anchor="ctr">
+            <a:normAutofit/>
+          </a:bodyPr>
+          <a:p>
+            <a:pPr indent="0" algn="ctr">
+              <a:buNone/>
+            </a:pPr>
+            <a:r>
+              <a:rPr b="0" lang="zh-CN" sz="3300" spc="-1" strike="noStrike">
+                <a:solidFill>
+                  <a:srgbClr val="050505"/>
+                </a:solidFill>
+                <a:latin typeface="Times New Roman"/>
+              </a:rPr>
+              <a:t>掌握</a:t>
+            </a:r>
+            <a:endParaRPr b="0" lang="en-US" sz="3300" spc="-1" strike="noStrike">
+              <a:solidFill>
+                <a:srgbClr val="050505"/>
+              </a:solidFill>
+              <a:latin typeface="Times New Roman"/>
+            </a:endParaRPr>
+          </a:p>
+        </p:txBody>
+      </p:sp>
+      <p:sp>
+        <p:nvSpPr>
+          <p:cNvPr id="311" name="PlaceHolder 2"/>
+          <p:cNvSpPr>
+            <a:spLocks noGrp="1"/>
+          </p:cNvSpPr>
+          <p:nvPr>
+            <p:ph/>
+          </p:nvPr>
+        </p:nvSpPr>
+        <p:spPr>
+          <a:xfrm>
+            <a:off x="1620000" y="1368000"/>
+            <a:ext cx="8100000" cy="3288240"/>
+          </a:xfrm>
+          <a:prstGeom prst="rect">
+            <a:avLst/>
+          </a:prstGeom>
+          <a:noFill/>
+          <a:ln w="0">
+            <a:noFill/>
+          </a:ln>
+        </p:spPr>
+        <p:txBody>
+          <a:bodyPr lIns="0" rIns="0" tIns="0" bIns="0" anchor="t">
+            <a:normAutofit/>
+          </a:bodyPr>
+          <a:p>
+            <a:pPr indent="0">
+              <a:spcAft>
+                <a:spcPts val="1060"/>
+              </a:spcAft>
+              <a:buNone/>
+            </a:pPr>
+            <a:endParaRPr b="0" lang="en-US" sz="2400" spc="-1" strike="noStrike">
+              <a:solidFill>
+                <a:srgbClr val="050505"/>
+              </a:solidFill>
+              <a:latin typeface="Arial"/>
+            </a:endParaRPr>
+          </a:p>
+        </p:txBody>
+      </p:sp>
+      <p:sp>
+        <p:nvSpPr>
+          <p:cNvPr id="4" name="PlaceHolder 3"/>
+          <p:cNvSpPr>
+            <a:spLocks noGrp="1"/>
+          </p:cNvSpPr>
+          <p:nvPr>
+            <p:ph type="sldNum" idx="3"/>
+          </p:nvPr>
+        </p:nvSpPr>
+        <p:spPr/>
+        <p:txBody>
+          <a:bodyPr/>
+          <a:p>
+            <a:fld id="{9ABC63E0-9651-4B70-A901-008676FDC5F0}" type="slidenum">
+              <a:t>95</a:t>
+            </a:fld>
+          </a:p>
+        </p:txBody>
+      </p:sp>
+    </p:spTree>
+  </p:cSld>
+  <mc:AlternateContent>
+    <mc:Choice Requires="p14">
+      <p:transition spd="slow" p14:dur="2000"/>
+    </mc:Choice>
+    <mc:Fallback>
+      <p:transition spd="slow"/>
+    </mc:Fallback>
+  </mc:AlternateContent>
+</p:sld>
+</file>
+
+<file path=ppt/slides/slide96.xml><?xml version="1.0" encoding="utf-8"?>
+<p:sld xmlns:a="http://schemas.openxmlformats.org/drawingml/2006/main" xmlns:p="http://schemas.openxmlformats.org/presentationml/2006/main" xmlns:r="http://schemas.openxmlformats.org/officeDocument/2006/relationships" xmlns:p14="http://schemas.microsoft.com/office/powerpoint/2010/main" xmlns:p15="http://schemas.microsoft.com/office/powerpoint/2012/main" xmlns:mc="http://schemas.openxmlformats.org/markup-compatibility/2006">
+  <p:cSld>
+    <p:spTree>
+      <p:nvGrpSpPr>
+        <p:cNvPr id="1" name=""/>
+        <p:cNvGrpSpPr/>
+        <p:nvPr/>
+      </p:nvGrpSpPr>
+      <p:grpSpPr>
+        <a:xfrm>
+          <a:off x="0" y="0"/>
+          <a:ext cx="0" cy="0"/>
+          <a:chOff x="0" y="0"/>
+          <a:chExt cx="0" cy="0"/>
+        </a:xfrm>
+      </p:grpSpPr>
+      <p:sp>
+        <p:nvSpPr>
+          <p:cNvPr id="312" name="PlaceHolder 1"/>
+          <p:cNvSpPr>
+            <a:spLocks noGrp="1"/>
+          </p:cNvSpPr>
+          <p:nvPr>
+            <p:ph type="title"/>
+          </p:nvPr>
+        </p:nvSpPr>
+        <p:spPr>
+          <a:xfrm>
+            <a:off x="1620000" y="216000"/>
+            <a:ext cx="8100000" cy="936000"/>
+          </a:xfrm>
+          <a:prstGeom prst="rect">
+            <a:avLst/>
+          </a:prstGeom>
+          <a:noFill/>
+          <a:ln w="0">
+            <a:noFill/>
+          </a:ln>
+        </p:spPr>
+        <p:txBody>
+          <a:bodyPr lIns="0" rIns="0" tIns="0" bIns="0" anchor="ctr">
+            <a:normAutofit/>
+          </a:bodyPr>
+          <a:p>
+            <a:pPr indent="0" algn="ctr">
+              <a:buNone/>
+            </a:pPr>
+            <a:r>
+              <a:rPr b="0" lang="zh-CN" sz="3300" spc="-1" strike="noStrike">
+                <a:solidFill>
+                  <a:srgbClr val="050505"/>
+                </a:solidFill>
+                <a:latin typeface="Times New Roman"/>
+              </a:rPr>
+              <a:t>涨价</a:t>
+            </a:r>
+            <a:endParaRPr b="0" lang="en-US" sz="3300" spc="-1" strike="noStrike">
+              <a:solidFill>
+                <a:srgbClr val="050505"/>
+              </a:solidFill>
+              <a:latin typeface="Times New Roman"/>
+            </a:endParaRPr>
+          </a:p>
+        </p:txBody>
+      </p:sp>
+      <p:sp>
+        <p:nvSpPr>
+          <p:cNvPr id="313" name="PlaceHolder 2"/>
+          <p:cNvSpPr>
+            <a:spLocks noGrp="1"/>
+          </p:cNvSpPr>
+          <p:nvPr>
+            <p:ph/>
+          </p:nvPr>
+        </p:nvSpPr>
+        <p:spPr>
+          <a:xfrm>
+            <a:off x="1620000" y="1368000"/>
+            <a:ext cx="8100000" cy="3288240"/>
+          </a:xfrm>
+          <a:prstGeom prst="rect">
+            <a:avLst/>
+          </a:prstGeom>
+          <a:noFill/>
+          <a:ln w="0">
+            <a:noFill/>
+          </a:ln>
+        </p:spPr>
+        <p:txBody>
+          <a:bodyPr lIns="0" rIns="0" tIns="0" bIns="0" anchor="t">
+            <a:normAutofit/>
+          </a:bodyPr>
+          <a:p>
+            <a:pPr indent="0">
+              <a:spcAft>
+                <a:spcPts val="1060"/>
+              </a:spcAft>
+              <a:buNone/>
+            </a:pPr>
+            <a:endParaRPr b="0" lang="en-US" sz="2400" spc="-1" strike="noStrike">
+              <a:solidFill>
+                <a:srgbClr val="050505"/>
+              </a:solidFill>
+              <a:latin typeface="Arial"/>
+            </a:endParaRPr>
+          </a:p>
+        </p:txBody>
+      </p:sp>
+      <p:sp>
+        <p:nvSpPr>
+          <p:cNvPr id="4" name="PlaceHolder 3"/>
+          <p:cNvSpPr>
+            <a:spLocks noGrp="1"/>
+          </p:cNvSpPr>
+          <p:nvPr>
+            <p:ph type="sldNum" idx="3"/>
+          </p:nvPr>
+        </p:nvSpPr>
+        <p:spPr/>
+        <p:txBody>
+          <a:bodyPr/>
+          <a:p>
+            <a:fld id="{6BCD30AF-E5CD-40D8-ADBF-6176D308082F}" type="slidenum">
+              <a:t>96</a:t>
+            </a:fld>
+          </a:p>
+        </p:txBody>
+      </p:sp>
+    </p:spTree>
+  </p:cSld>
+  <mc:AlternateContent>
+    <mc:Choice Requires="p14">
+      <p:transition spd="slow" p14:dur="2000"/>
+    </mc:Choice>
+    <mc:Fallback>
+      <p:transition spd="slow"/>
+    </mc:Fallback>
+  </mc:AlternateContent>
+</p:sld>
+</file>
+
+<file path=ppt/slides/slide97.xml><?xml version="1.0" encoding="utf-8"?>
+<p:sld xmlns:a="http://schemas.openxmlformats.org/drawingml/2006/main" xmlns:p="http://schemas.openxmlformats.org/presentationml/2006/main" xmlns:r="http://schemas.openxmlformats.org/officeDocument/2006/relationships" xmlns:p14="http://schemas.microsoft.com/office/powerpoint/2010/main" xmlns:p15="http://schemas.microsoft.com/office/powerpoint/2012/main" xmlns:mc="http://schemas.openxmlformats.org/markup-compatibility/2006">
+  <p:cSld>
+    <p:spTree>
+      <p:nvGrpSpPr>
+        <p:cNvPr id="1" name=""/>
+        <p:cNvGrpSpPr/>
+        <p:nvPr/>
+      </p:nvGrpSpPr>
+      <p:grpSpPr>
+        <a:xfrm>
+          <a:off x="0" y="0"/>
+          <a:ext cx="0" cy="0"/>
+          <a:chOff x="0" y="0"/>
+          <a:chExt cx="0" cy="0"/>
+        </a:xfrm>
+      </p:grpSpPr>
+      <p:sp>
+        <p:nvSpPr>
+          <p:cNvPr id="314" name="PlaceHolder 1"/>
+          <p:cNvSpPr>
+            <a:spLocks noGrp="1"/>
+          </p:cNvSpPr>
+          <p:nvPr>
+            <p:ph type="title"/>
+          </p:nvPr>
+        </p:nvSpPr>
+        <p:spPr>
+          <a:xfrm>
+            <a:off x="1620000" y="216000"/>
+            <a:ext cx="8100000" cy="936000"/>
+          </a:xfrm>
+          <a:prstGeom prst="rect">
+            <a:avLst/>
+          </a:prstGeom>
+          <a:noFill/>
+          <a:ln w="0">
+            <a:noFill/>
+          </a:ln>
+        </p:spPr>
+        <p:txBody>
+          <a:bodyPr lIns="0" rIns="0" tIns="0" bIns="0" anchor="ctr">
+            <a:normAutofit/>
+          </a:bodyPr>
+          <a:p>
+            <a:pPr indent="0" algn="ctr">
+              <a:buNone/>
+            </a:pPr>
+            <a:r>
+              <a:rPr b="0" lang="zh-CN" sz="3300" spc="-1" strike="noStrike">
+                <a:solidFill>
+                  <a:srgbClr val="050505"/>
+                </a:solidFill>
+                <a:latin typeface="Times New Roman"/>
+              </a:rPr>
+              <a:t>涨</a:t>
+            </a:r>
+            <a:endParaRPr b="0" lang="en-US" sz="3300" spc="-1" strike="noStrike">
+              <a:solidFill>
+                <a:srgbClr val="050505"/>
+              </a:solidFill>
+              <a:latin typeface="Times New Roman"/>
+            </a:endParaRPr>
+          </a:p>
+        </p:txBody>
+      </p:sp>
+      <p:sp>
+        <p:nvSpPr>
+          <p:cNvPr id="315" name="PlaceHolder 2"/>
+          <p:cNvSpPr>
+            <a:spLocks noGrp="1"/>
+          </p:cNvSpPr>
+          <p:nvPr>
+            <p:ph/>
+          </p:nvPr>
+        </p:nvSpPr>
+        <p:spPr>
+          <a:xfrm>
+            <a:off x="1620000" y="1368000"/>
+            <a:ext cx="8100000" cy="3288240"/>
+          </a:xfrm>
+          <a:prstGeom prst="rect">
+            <a:avLst/>
+          </a:prstGeom>
+          <a:noFill/>
+          <a:ln w="0">
+            <a:noFill/>
+          </a:ln>
+        </p:spPr>
+        <p:txBody>
+          <a:bodyPr lIns="0" rIns="0" tIns="0" bIns="0" anchor="t">
+            <a:normAutofit/>
+          </a:bodyPr>
+          <a:p>
+            <a:pPr indent="0">
+              <a:spcAft>
+                <a:spcPts val="1060"/>
+              </a:spcAft>
+              <a:buNone/>
+            </a:pPr>
+            <a:endParaRPr b="0" lang="en-US" sz="2400" spc="-1" strike="noStrike">
+              <a:solidFill>
+                <a:srgbClr val="050505"/>
+              </a:solidFill>
+              <a:latin typeface="Arial"/>
+            </a:endParaRPr>
+          </a:p>
+        </p:txBody>
+      </p:sp>
+      <p:sp>
+        <p:nvSpPr>
+          <p:cNvPr id="4" name="PlaceHolder 3"/>
+          <p:cNvSpPr>
+            <a:spLocks noGrp="1"/>
+          </p:cNvSpPr>
+          <p:nvPr>
+            <p:ph type="sldNum" idx="3"/>
+          </p:nvPr>
+        </p:nvSpPr>
+        <p:spPr/>
+        <p:txBody>
+          <a:bodyPr/>
+          <a:p>
+            <a:fld id="{14189BFA-BEB6-436F-85E6-4845D67176DF}" type="slidenum">
+              <a:t>97</a:t>
+            </a:fld>
+          </a:p>
+        </p:txBody>
+      </p:sp>
+    </p:spTree>
+  </p:cSld>
+  <mc:AlternateContent>
+    <mc:Choice Requires="p14">
+      <p:transition spd="slow" p14:dur="2000"/>
+    </mc:Choice>
+    <mc:Fallback>
+      <p:transition spd="slow"/>
+    </mc:Fallback>
+  </mc:AlternateContent>
+</p:sld>
+</file>
+
+<file path=ppt/slides/slide98.xml><?xml version="1.0" encoding="utf-8"?>
+<p:sld xmlns:a="http://schemas.openxmlformats.org/drawingml/2006/main" xmlns:p="http://schemas.openxmlformats.org/presentationml/2006/main" xmlns:r="http://schemas.openxmlformats.org/officeDocument/2006/relationships" xmlns:p14="http://schemas.microsoft.com/office/powerpoint/2010/main" xmlns:p15="http://schemas.microsoft.com/office/powerpoint/2012/main" xmlns:mc="http://schemas.openxmlformats.org/markup-compatibility/2006">
+  <p:cSld>
+    <p:spTree>
+      <p:nvGrpSpPr>
+        <p:cNvPr id="1" name=""/>
+        <p:cNvGrpSpPr/>
+        <p:nvPr/>
+      </p:nvGrpSpPr>
+      <p:grpSpPr>
+        <a:xfrm>
+          <a:off x="0" y="0"/>
+          <a:ext cx="0" cy="0"/>
+          <a:chOff x="0" y="0"/>
+          <a:chExt cx="0" cy="0"/>
+        </a:xfrm>
+      </p:grpSpPr>
+      <p:sp>
+        <p:nvSpPr>
+          <p:cNvPr id="316" name="PlaceHolder 1"/>
+          <p:cNvSpPr>
+            <a:spLocks noGrp="1"/>
+          </p:cNvSpPr>
+          <p:nvPr>
+            <p:ph type="title"/>
+          </p:nvPr>
+        </p:nvSpPr>
+        <p:spPr>
+          <a:xfrm>
+            <a:off x="1620000" y="216000"/>
+            <a:ext cx="8100000" cy="936000"/>
+          </a:xfrm>
+          <a:prstGeom prst="rect">
+            <a:avLst/>
+          </a:prstGeom>
+          <a:noFill/>
+          <a:ln w="0">
+            <a:noFill/>
+          </a:ln>
+        </p:spPr>
+        <p:txBody>
+          <a:bodyPr lIns="0" rIns="0" tIns="0" bIns="0" anchor="ctr">
+            <a:normAutofit/>
+          </a:bodyPr>
+          <a:p>
+            <a:pPr indent="0" algn="ctr">
+              <a:buNone/>
+            </a:pPr>
+            <a:r>
+              <a:rPr b="0" lang="zh-CN" sz="3300" spc="-1" strike="noStrike">
+                <a:solidFill>
+                  <a:srgbClr val="050505"/>
+                </a:solidFill>
+                <a:latin typeface="Times New Roman"/>
+              </a:rPr>
+              <a:t>占有</a:t>
+            </a:r>
+            <a:endParaRPr b="0" lang="en-US" sz="3300" spc="-1" strike="noStrike">
+              <a:solidFill>
+                <a:srgbClr val="050505"/>
+              </a:solidFill>
+              <a:latin typeface="Times New Roman"/>
+            </a:endParaRPr>
+          </a:p>
+        </p:txBody>
+      </p:sp>
+      <p:sp>
+        <p:nvSpPr>
+          <p:cNvPr id="317" name="PlaceHolder 2"/>
+          <p:cNvSpPr>
+            <a:spLocks noGrp="1"/>
+          </p:cNvSpPr>
+          <p:nvPr>
+            <p:ph/>
+          </p:nvPr>
+        </p:nvSpPr>
+        <p:spPr>
+          <a:xfrm>
+            <a:off x="1620000" y="1368000"/>
+            <a:ext cx="8100000" cy="3288240"/>
+          </a:xfrm>
+          <a:prstGeom prst="rect">
+            <a:avLst/>
+          </a:prstGeom>
+          <a:noFill/>
+          <a:ln w="0">
+            <a:noFill/>
+          </a:ln>
+        </p:spPr>
+        <p:txBody>
+          <a:bodyPr lIns="0" rIns="0" tIns="0" bIns="0" anchor="t">
+            <a:normAutofit/>
+          </a:bodyPr>
+          <a:p>
+            <a:pPr indent="0">
+              <a:spcAft>
+                <a:spcPts val="1060"/>
+              </a:spcAft>
+              <a:buNone/>
+            </a:pPr>
+            <a:endParaRPr b="0" lang="en-US" sz="2400" spc="-1" strike="noStrike">
+              <a:solidFill>
+                <a:srgbClr val="050505"/>
+              </a:solidFill>
+              <a:latin typeface="Arial"/>
+            </a:endParaRPr>
+          </a:p>
+        </p:txBody>
+      </p:sp>
+      <p:sp>
+        <p:nvSpPr>
+          <p:cNvPr id="4" name="PlaceHolder 3"/>
+          <p:cNvSpPr>
+            <a:spLocks noGrp="1"/>
+          </p:cNvSpPr>
+          <p:nvPr>
+            <p:ph type="sldNum" idx="3"/>
+          </p:nvPr>
+        </p:nvSpPr>
+        <p:spPr/>
+        <p:txBody>
+          <a:bodyPr/>
+          <a:p>
+            <a:fld id="{1B721809-B65B-476D-B7D1-C67141AAC0EF}" type="slidenum">
+              <a:t>98</a:t>
+            </a:fld>
+          </a:p>
+        </p:txBody>
+      </p:sp>
+    </p:spTree>
+  </p:cSld>
+  <mc:AlternateContent>
+    <mc:Choice Requires="p14">
+      <p:transition spd="slow" p14:dur="2000"/>
+    </mc:Choice>
+    <mc:Fallback>
+      <p:transition spd="slow"/>
+    </mc:Fallback>
+  </mc:AlternateContent>
+</p:sld>
+</file>
+
+<file path=ppt/slides/slide99.xml><?xml version="1.0" encoding="utf-8"?>
+<p:sld xmlns:a="http://schemas.openxmlformats.org/drawingml/2006/main" xmlns:p="http://schemas.openxmlformats.org/presentationml/2006/main" xmlns:r="http://schemas.openxmlformats.org/officeDocument/2006/relationships" xmlns:p14="http://schemas.microsoft.com/office/powerpoint/2010/main" xmlns:p15="http://schemas.microsoft.com/office/powerpoint/2012/main" xmlns:mc="http://schemas.openxmlformats.org/markup-compatibility/2006">
+  <p:cSld>
+    <p:spTree>
+      <p:nvGrpSpPr>
+        <p:cNvPr id="1" name=""/>
+        <p:cNvGrpSpPr/>
+        <p:nvPr/>
+      </p:nvGrpSpPr>
+      <p:grpSpPr>
+        <a:xfrm>
+          <a:off x="0" y="0"/>
+          <a:ext cx="0" cy="0"/>
+          <a:chOff x="0" y="0"/>
+          <a:chExt cx="0" cy="0"/>
+        </a:xfrm>
+      </p:grpSpPr>
+      <p:sp>
+        <p:nvSpPr>
+          <p:cNvPr id="318" name="PlaceHolder 1"/>
+          <p:cNvSpPr>
+            <a:spLocks noGrp="1"/>
+          </p:cNvSpPr>
+          <p:nvPr>
+            <p:ph type="title"/>
+          </p:nvPr>
+        </p:nvSpPr>
+        <p:spPr>
+          <a:xfrm>
+            <a:off x="1620000" y="216000"/>
+            <a:ext cx="8100000" cy="936000"/>
+          </a:xfrm>
+          <a:prstGeom prst="rect">
+            <a:avLst/>
+          </a:prstGeom>
+          <a:noFill/>
+          <a:ln w="0">
+            <a:noFill/>
+          </a:ln>
+        </p:spPr>
+        <p:txBody>
+          <a:bodyPr lIns="0" rIns="0" tIns="0" bIns="0" anchor="ctr">
+            <a:normAutofit/>
+          </a:bodyPr>
+          <a:p>
+            <a:pPr indent="0" algn="ctr">
+              <a:buNone/>
+            </a:pPr>
+            <a:r>
+              <a:rPr b="0" lang="zh-CN" sz="3300" spc="-1" strike="noStrike">
+                <a:solidFill>
+                  <a:srgbClr val="050505"/>
+                </a:solidFill>
+                <a:latin typeface="Times New Roman"/>
+              </a:rPr>
+              <a:t>占领</a:t>
+            </a:r>
+            <a:endParaRPr b="0" lang="en-US" sz="3300" spc="-1" strike="noStrike">
+              <a:solidFill>
+                <a:srgbClr val="050505"/>
+              </a:solidFill>
+              <a:latin typeface="Times New Roman"/>
+            </a:endParaRPr>
+          </a:p>
+        </p:txBody>
+      </p:sp>
+      <p:sp>
+        <p:nvSpPr>
+          <p:cNvPr id="319" name="PlaceHolder 2"/>
+          <p:cNvSpPr>
+            <a:spLocks noGrp="1"/>
+          </p:cNvSpPr>
+          <p:nvPr>
+            <p:ph/>
+          </p:nvPr>
+        </p:nvSpPr>
+        <p:spPr>
+          <a:xfrm>
+            <a:off x="1620000" y="1368000"/>
+            <a:ext cx="8100000" cy="3288240"/>
+          </a:xfrm>
+          <a:prstGeom prst="rect">
+            <a:avLst/>
+          </a:prstGeom>
+          <a:noFill/>
+          <a:ln w="0">
+            <a:noFill/>
+          </a:ln>
+        </p:spPr>
+        <p:txBody>
+          <a:bodyPr lIns="0" rIns="0" tIns="0" bIns="0" anchor="t">
+            <a:normAutofit/>
+          </a:bodyPr>
+          <a:p>
+            <a:pPr indent="0">
+              <a:spcAft>
+                <a:spcPts val="1060"/>
+              </a:spcAft>
+              <a:buNone/>
+            </a:pPr>
+            <a:endParaRPr b="0" lang="en-US" sz="2400" spc="-1" strike="noStrike">
+              <a:solidFill>
+                <a:srgbClr val="050505"/>
+              </a:solidFill>
+              <a:latin typeface="Arial"/>
+            </a:endParaRPr>
+          </a:p>
+        </p:txBody>
+      </p:sp>
+      <p:sp>
+        <p:nvSpPr>
+          <p:cNvPr id="4" name="PlaceHolder 3"/>
+          <p:cNvSpPr>
+            <a:spLocks noGrp="1"/>
+          </p:cNvSpPr>
+          <p:nvPr>
+            <p:ph type="sldNum" idx="3"/>
+          </p:nvPr>
+        </p:nvSpPr>
+        <p:spPr/>
+        <p:txBody>
+          <a:bodyPr/>
+          <a:p>
+            <a:fld id="{298B3414-DE15-4D7D-9957-A9CA8B9B3811}" type="slidenum">
+              <a:t>99</a:t>
             </a:fld>
           </a:p>
         </p:txBody>
